--- a/Dataset/data requirement.pptx
+++ b/Dataset/data requirement.pptx
@@ -3800,314 +3800,618 @@
       </p:grpSpPr>
       <p:sp>
         <p:nvSpPr>
-          <p:cNvPr id="8" name="矩形 259">
-            <a:extLst>
-              <a:ext uri="{FF2B5EF4-FFF2-40B4-BE49-F238E27FC236}">
-                <a16:creationId xmlns:a16="http://schemas.microsoft.com/office/drawing/2014/main" id="{B1C59EE5-6966-6D78-7CEE-481C1B1354D5}"/>
-              </a:ext>
-            </a:extLst>
-          </p:cNvPr>
-          <p:cNvSpPr>
-            <a:spLocks noChangeArrowheads="1"/>
-          </p:cNvSpPr>
-          <p:nvPr/>
-        </p:nvSpPr>
-        <p:spPr bwMode="auto">
+          <p:cNvPr id="312" name="椭圆 311">
+            <a:extLst>
+              <a:ext uri="{FF2B5EF4-FFF2-40B4-BE49-F238E27FC236}">
+                <a16:creationId xmlns:a16="http://schemas.microsoft.com/office/drawing/2014/main" id="{B4ED6DF5-6E46-3898-61FC-AFD49EC7C765}"/>
+              </a:ext>
+            </a:extLst>
+          </p:cNvPr>
+          <p:cNvSpPr/>
+          <p:nvPr/>
+        </p:nvSpPr>
+        <p:spPr>
           <a:xfrm>
-            <a:off x="525268" y="380055"/>
-            <a:ext cx="1979405" cy="553998"/>
-          </a:xfrm>
-          <a:prstGeom prst="rect">
-            <a:avLst/>
-          </a:prstGeom>
-          <a:noFill/>
+            <a:off x="9945717" y="4644274"/>
+            <a:ext cx="596660" cy="596660"/>
+          </a:xfrm>
+          <a:prstGeom prst="ellipse">
+            <a:avLst/>
+          </a:prstGeom>
+          <a:solidFill>
+            <a:srgbClr val="7030A0">
+              <a:alpha val="50000"/>
+            </a:srgbClr>
+          </a:solidFill>
           <a:ln>
             <a:noFill/>
           </a:ln>
-          <a:effectLst/>
-          <a:extLst>
-            <a:ext uri="{909E8E84-426E-40DD-AFC4-6F175D3DCCD1}">
-              <a14:hiddenFill xmlns:a14="http://schemas.microsoft.com/office/drawing/2010/main">
-                <a:solidFill>
-                  <a:srgbClr val="FFFFFF"/>
-                </a:solidFill>
-              </a14:hiddenFill>
-            </a:ext>
-            <a:ext uri="{91240B29-F687-4F45-9708-019B960494DF}">
-              <a14:hiddenLine xmlns:a14="http://schemas.microsoft.com/office/drawing/2010/main" w="9525">
-                <a:solidFill>
-                  <a:srgbClr val="000000"/>
-                </a:solidFill>
-                <a:miter lim="800000"/>
-                <a:headEnd/>
-                <a:tailEnd/>
-              </a14:hiddenLine>
-            </a:ext>
-          </a:extLst>
-        </p:spPr>
-        <p:txBody>
-          <a:bodyPr wrap="square" lIns="0" tIns="0" rIns="0" bIns="0">
+        </p:spPr>
+        <p:style>
+          <a:lnRef idx="0">
+            <a:scrgbClr r="0" g="0" b="0"/>
+          </a:lnRef>
+          <a:fillRef idx="0">
+            <a:scrgbClr r="0" g="0" b="0"/>
+          </a:fillRef>
+          <a:effectRef idx="0">
+            <a:scrgbClr r="0" g="0" b="0"/>
+          </a:effectRef>
+          <a:fontRef idx="minor">
+            <a:schemeClr val="lt1"/>
+          </a:fontRef>
+        </p:style>
+        <p:txBody>
+          <a:bodyPr rtlCol="0" anchor="ctr"/>
+          <a:lstStyle/>
+          <a:p>
+            <a:pPr algn="ctr"/>
+            <a:endParaRPr lang="zh-CN" altLang="en-US"/>
+          </a:p>
+        </p:txBody>
+      </p:sp>
+      <p:sp>
+        <p:nvSpPr>
+          <p:cNvPr id="311" name="椭圆 310">
+            <a:extLst>
+              <a:ext uri="{FF2B5EF4-FFF2-40B4-BE49-F238E27FC236}">
+                <a16:creationId xmlns:a16="http://schemas.microsoft.com/office/drawing/2014/main" id="{68AE1BB7-C8AC-638E-164F-2159713C5855}"/>
+              </a:ext>
+            </a:extLst>
+          </p:cNvPr>
+          <p:cNvSpPr/>
+          <p:nvPr/>
+        </p:nvSpPr>
+        <p:spPr>
+          <a:xfrm>
+            <a:off x="11106522" y="4120669"/>
+            <a:ext cx="596660" cy="596660"/>
+          </a:xfrm>
+          <a:prstGeom prst="ellipse">
+            <a:avLst/>
+          </a:prstGeom>
+          <a:solidFill>
+            <a:srgbClr val="7030A0">
+              <a:alpha val="50000"/>
+            </a:srgbClr>
+          </a:solidFill>
+          <a:ln>
+            <a:noFill/>
+          </a:ln>
+        </p:spPr>
+        <p:style>
+          <a:lnRef idx="0">
+            <a:scrgbClr r="0" g="0" b="0"/>
+          </a:lnRef>
+          <a:fillRef idx="0">
+            <a:scrgbClr r="0" g="0" b="0"/>
+          </a:fillRef>
+          <a:effectRef idx="0">
+            <a:scrgbClr r="0" g="0" b="0"/>
+          </a:effectRef>
+          <a:fontRef idx="minor">
+            <a:schemeClr val="lt1"/>
+          </a:fontRef>
+        </p:style>
+        <p:txBody>
+          <a:bodyPr rtlCol="0" anchor="ctr"/>
+          <a:lstStyle/>
+          <a:p>
+            <a:pPr algn="ctr"/>
+            <a:endParaRPr lang="zh-CN" altLang="en-US"/>
+          </a:p>
+        </p:txBody>
+      </p:sp>
+      <p:sp>
+        <p:nvSpPr>
+          <p:cNvPr id="310" name="椭圆 309">
+            <a:extLst>
+              <a:ext uri="{FF2B5EF4-FFF2-40B4-BE49-F238E27FC236}">
+                <a16:creationId xmlns:a16="http://schemas.microsoft.com/office/drawing/2014/main" id="{E04DDF4B-897B-1DB6-F546-F25877E50DE9}"/>
+              </a:ext>
+            </a:extLst>
+          </p:cNvPr>
+          <p:cNvSpPr/>
+          <p:nvPr/>
+        </p:nvSpPr>
+        <p:spPr>
+          <a:xfrm>
+            <a:off x="8235548" y="4827050"/>
+            <a:ext cx="596660" cy="596660"/>
+          </a:xfrm>
+          <a:prstGeom prst="ellipse">
+            <a:avLst/>
+          </a:prstGeom>
+          <a:solidFill>
+            <a:srgbClr val="7F6000">
+              <a:alpha val="50000"/>
+            </a:srgbClr>
+          </a:solidFill>
+          <a:ln>
+            <a:noFill/>
+          </a:ln>
+        </p:spPr>
+        <p:style>
+          <a:lnRef idx="0">
+            <a:scrgbClr r="0" g="0" b="0"/>
+          </a:lnRef>
+          <a:fillRef idx="0">
+            <a:scrgbClr r="0" g="0" b="0"/>
+          </a:fillRef>
+          <a:effectRef idx="0">
+            <a:scrgbClr r="0" g="0" b="0"/>
+          </a:effectRef>
+          <a:fontRef idx="minor">
+            <a:schemeClr val="lt1"/>
+          </a:fontRef>
+        </p:style>
+        <p:txBody>
+          <a:bodyPr rtlCol="0" anchor="ctr"/>
+          <a:lstStyle/>
+          <a:p>
+            <a:pPr algn="ctr"/>
+            <a:endParaRPr lang="zh-CN" altLang="en-US"/>
+          </a:p>
+        </p:txBody>
+      </p:sp>
+      <p:sp>
+        <p:nvSpPr>
+          <p:cNvPr id="284" name="椭圆 283">
+            <a:extLst>
+              <a:ext uri="{FF2B5EF4-FFF2-40B4-BE49-F238E27FC236}">
+                <a16:creationId xmlns:a16="http://schemas.microsoft.com/office/drawing/2014/main" id="{AC518AEF-4AC1-1921-9B57-6E1325922A3A}"/>
+              </a:ext>
+            </a:extLst>
+          </p:cNvPr>
+          <p:cNvSpPr/>
+          <p:nvPr/>
+        </p:nvSpPr>
+        <p:spPr>
+          <a:xfrm>
+            <a:off x="10836205" y="1755065"/>
+            <a:ext cx="596660" cy="596660"/>
+          </a:xfrm>
+          <a:prstGeom prst="ellipse">
+            <a:avLst/>
+          </a:prstGeom>
+          <a:solidFill>
+            <a:srgbClr val="7F6000">
+              <a:alpha val="50000"/>
+            </a:srgbClr>
+          </a:solidFill>
+          <a:ln>
+            <a:noFill/>
+          </a:ln>
+        </p:spPr>
+        <p:style>
+          <a:lnRef idx="0">
+            <a:scrgbClr r="0" g="0" b="0"/>
+          </a:lnRef>
+          <a:fillRef idx="0">
+            <a:scrgbClr r="0" g="0" b="0"/>
+          </a:fillRef>
+          <a:effectRef idx="0">
+            <a:scrgbClr r="0" g="0" b="0"/>
+          </a:effectRef>
+          <a:fontRef idx="minor">
+            <a:schemeClr val="lt1"/>
+          </a:fontRef>
+        </p:style>
+        <p:txBody>
+          <a:bodyPr rtlCol="0" anchor="ctr"/>
+          <a:lstStyle/>
+          <a:p>
+            <a:pPr algn="ctr"/>
+            <a:endParaRPr lang="zh-CN" altLang="en-US"/>
+          </a:p>
+        </p:txBody>
+      </p:sp>
+      <p:sp>
+        <p:nvSpPr>
+          <p:cNvPr id="283" name="椭圆 282">
+            <a:extLst>
+              <a:ext uri="{FF2B5EF4-FFF2-40B4-BE49-F238E27FC236}">
+                <a16:creationId xmlns:a16="http://schemas.microsoft.com/office/drawing/2014/main" id="{0D93583B-0681-F798-C1DA-8AC986F3969E}"/>
+              </a:ext>
+            </a:extLst>
+          </p:cNvPr>
+          <p:cNvSpPr/>
+          <p:nvPr/>
+        </p:nvSpPr>
+        <p:spPr>
+          <a:xfrm>
+            <a:off x="9710220" y="2282776"/>
+            <a:ext cx="596660" cy="596660"/>
+          </a:xfrm>
+          <a:prstGeom prst="ellipse">
+            <a:avLst/>
+          </a:prstGeom>
+          <a:solidFill>
+            <a:srgbClr val="7F6000">
+              <a:alpha val="50000"/>
+            </a:srgbClr>
+          </a:solidFill>
+          <a:ln>
+            <a:noFill/>
+          </a:ln>
+        </p:spPr>
+        <p:style>
+          <a:lnRef idx="0">
+            <a:scrgbClr r="0" g="0" b="0"/>
+          </a:lnRef>
+          <a:fillRef idx="0">
+            <a:scrgbClr r="0" g="0" b="0"/>
+          </a:fillRef>
+          <a:effectRef idx="0">
+            <a:scrgbClr r="0" g="0" b="0"/>
+          </a:effectRef>
+          <a:fontRef idx="minor">
+            <a:schemeClr val="lt1"/>
+          </a:fontRef>
+        </p:style>
+        <p:txBody>
+          <a:bodyPr rtlCol="0" anchor="ctr"/>
+          <a:lstStyle/>
+          <a:p>
+            <a:pPr algn="ctr"/>
+            <a:endParaRPr lang="zh-CN" altLang="en-US"/>
+          </a:p>
+        </p:txBody>
+      </p:sp>
+      <p:sp>
+        <p:nvSpPr>
+          <p:cNvPr id="281" name="椭圆 280">
+            <a:extLst>
+              <a:ext uri="{FF2B5EF4-FFF2-40B4-BE49-F238E27FC236}">
+                <a16:creationId xmlns:a16="http://schemas.microsoft.com/office/drawing/2014/main" id="{75F594CE-43D4-413B-7224-1920A11997FD}"/>
+              </a:ext>
+            </a:extLst>
+          </p:cNvPr>
+          <p:cNvSpPr/>
+          <p:nvPr/>
+        </p:nvSpPr>
+        <p:spPr>
+          <a:xfrm>
+            <a:off x="9146471" y="2568587"/>
+            <a:ext cx="596660" cy="596660"/>
+          </a:xfrm>
+          <a:prstGeom prst="ellipse">
+            <a:avLst/>
+          </a:prstGeom>
+          <a:solidFill>
+            <a:srgbClr val="7030A0">
+              <a:alpha val="50000"/>
+            </a:srgbClr>
+          </a:solidFill>
+          <a:ln>
+            <a:noFill/>
+          </a:ln>
+        </p:spPr>
+        <p:style>
+          <a:lnRef idx="0">
+            <a:scrgbClr r="0" g="0" b="0"/>
+          </a:lnRef>
+          <a:fillRef idx="0">
+            <a:scrgbClr r="0" g="0" b="0"/>
+          </a:fillRef>
+          <a:effectRef idx="0">
+            <a:scrgbClr r="0" g="0" b="0"/>
+          </a:effectRef>
+          <a:fontRef idx="minor">
+            <a:schemeClr val="lt1"/>
+          </a:fontRef>
+        </p:style>
+        <p:txBody>
+          <a:bodyPr rtlCol="0" anchor="ctr"/>
+          <a:lstStyle/>
+          <a:p>
+            <a:pPr algn="ctr"/>
+            <a:endParaRPr lang="zh-CN" altLang="en-US"/>
+          </a:p>
+        </p:txBody>
+      </p:sp>
+      <p:sp>
+        <p:nvSpPr>
+          <p:cNvPr id="280" name="椭圆 279">
+            <a:extLst>
+              <a:ext uri="{FF2B5EF4-FFF2-40B4-BE49-F238E27FC236}">
+                <a16:creationId xmlns:a16="http://schemas.microsoft.com/office/drawing/2014/main" id="{B5EF7B0B-516D-D199-D010-4111F776C7E4}"/>
+              </a:ext>
+            </a:extLst>
+          </p:cNvPr>
+          <p:cNvSpPr/>
+          <p:nvPr/>
+        </p:nvSpPr>
+        <p:spPr>
+          <a:xfrm>
+            <a:off x="7969878" y="2426885"/>
+            <a:ext cx="596660" cy="596660"/>
+          </a:xfrm>
+          <a:prstGeom prst="ellipse">
+            <a:avLst/>
+          </a:prstGeom>
+          <a:solidFill>
+            <a:srgbClr val="7030A0">
+              <a:alpha val="50000"/>
+            </a:srgbClr>
+          </a:solidFill>
+          <a:ln>
+            <a:noFill/>
+          </a:ln>
+        </p:spPr>
+        <p:style>
+          <a:lnRef idx="0">
+            <a:scrgbClr r="0" g="0" b="0"/>
+          </a:lnRef>
+          <a:fillRef idx="0">
+            <a:scrgbClr r="0" g="0" b="0"/>
+          </a:fillRef>
+          <a:effectRef idx="0">
+            <a:scrgbClr r="0" g="0" b="0"/>
+          </a:effectRef>
+          <a:fontRef idx="minor">
+            <a:schemeClr val="lt1"/>
+          </a:fontRef>
+        </p:style>
+        <p:txBody>
+          <a:bodyPr rtlCol="0" anchor="ctr"/>
+          <a:lstStyle/>
+          <a:p>
+            <a:pPr algn="ctr"/>
+            <a:endParaRPr lang="zh-CN" altLang="en-US"/>
+          </a:p>
+        </p:txBody>
+      </p:sp>
+      <p:sp>
+        <p:nvSpPr>
+          <p:cNvPr id="279" name="椭圆 278">
+            <a:extLst>
+              <a:ext uri="{FF2B5EF4-FFF2-40B4-BE49-F238E27FC236}">
+                <a16:creationId xmlns:a16="http://schemas.microsoft.com/office/drawing/2014/main" id="{A1AD1A68-44CB-C944-093C-459F6FA92BCB}"/>
+              </a:ext>
+            </a:extLst>
+          </p:cNvPr>
+          <p:cNvSpPr/>
+          <p:nvPr/>
+        </p:nvSpPr>
+        <p:spPr>
+          <a:xfrm>
+            <a:off x="8439823" y="1396175"/>
+            <a:ext cx="596660" cy="596660"/>
+          </a:xfrm>
+          <a:prstGeom prst="ellipse">
+            <a:avLst/>
+          </a:prstGeom>
+          <a:solidFill>
+            <a:srgbClr val="7030A0">
+              <a:alpha val="50000"/>
+            </a:srgbClr>
+          </a:solidFill>
+          <a:ln>
+            <a:noFill/>
+          </a:ln>
+        </p:spPr>
+        <p:style>
+          <a:lnRef idx="0">
+            <a:scrgbClr r="0" g="0" b="0"/>
+          </a:lnRef>
+          <a:fillRef idx="0">
+            <a:scrgbClr r="0" g="0" b="0"/>
+          </a:fillRef>
+          <a:effectRef idx="0">
+            <a:scrgbClr r="0" g="0" b="0"/>
+          </a:effectRef>
+          <a:fontRef idx="minor">
+            <a:schemeClr val="lt1"/>
+          </a:fontRef>
+        </p:style>
+        <p:txBody>
+          <a:bodyPr rtlCol="0" anchor="ctr"/>
+          <a:lstStyle/>
+          <a:p>
+            <a:pPr algn="ctr"/>
+            <a:endParaRPr lang="zh-CN" altLang="en-US"/>
+          </a:p>
+        </p:txBody>
+      </p:sp>
+      <p:sp>
+        <p:nvSpPr>
+          <p:cNvPr id="42" name="椭圆 41">
+            <a:extLst>
+              <a:ext uri="{FF2B5EF4-FFF2-40B4-BE49-F238E27FC236}">
+                <a16:creationId xmlns:a16="http://schemas.microsoft.com/office/drawing/2014/main" id="{C9F88428-1114-FDF8-D04D-6A16FA31A44C}"/>
+              </a:ext>
+            </a:extLst>
+          </p:cNvPr>
+          <p:cNvSpPr/>
+          <p:nvPr/>
+        </p:nvSpPr>
+        <p:spPr>
+          <a:xfrm>
+            <a:off x="4885108" y="2879663"/>
+            <a:ext cx="248920" cy="248920"/>
+          </a:xfrm>
+          <a:prstGeom prst="ellipse">
+            <a:avLst/>
+          </a:prstGeom>
+          <a:solidFill>
+            <a:srgbClr val="FF9933"/>
+          </a:solidFill>
+          <a:ln w="19050">
+            <a:solidFill>
+              <a:schemeClr val="tx1"/>
+            </a:solidFill>
+          </a:ln>
+        </p:spPr>
+        <p:style>
+          <a:lnRef idx="2">
+            <a:schemeClr val="accent1">
+              <a:shade val="50000"/>
+            </a:schemeClr>
+          </a:lnRef>
+          <a:fillRef idx="1">
+            <a:schemeClr val="accent1"/>
+          </a:fillRef>
+          <a:effectRef idx="0">
+            <a:schemeClr val="accent1"/>
+          </a:effectRef>
+          <a:fontRef idx="minor">
+            <a:schemeClr val="lt1"/>
+          </a:fontRef>
+        </p:style>
+        <p:txBody>
+          <a:bodyPr rtlCol="0" anchor="ctr"/>
+          <a:lstStyle/>
+          <a:p>
+            <a:pPr algn="ctr"/>
+            <a:endParaRPr lang="zh-CN" altLang="en-US" b="1">
+              <a:solidFill>
+                <a:schemeClr val="tx1"/>
+              </a:solidFill>
+            </a:endParaRPr>
+          </a:p>
+        </p:txBody>
+      </p:sp>
+      <p:sp>
+        <p:nvSpPr>
+          <p:cNvPr id="43" name="椭圆 42">
+            <a:extLst>
+              <a:ext uri="{FF2B5EF4-FFF2-40B4-BE49-F238E27FC236}">
+                <a16:creationId xmlns:a16="http://schemas.microsoft.com/office/drawing/2014/main" id="{29EFBFB3-87EC-2B63-AF38-0D701B247783}"/>
+              </a:ext>
+            </a:extLst>
+          </p:cNvPr>
+          <p:cNvSpPr/>
+          <p:nvPr/>
+        </p:nvSpPr>
+        <p:spPr>
+          <a:xfrm rot="376585">
+            <a:off x="4897908" y="3296709"/>
+            <a:ext cx="248920" cy="248920"/>
+          </a:xfrm>
+          <a:prstGeom prst="ellipse">
+            <a:avLst/>
+          </a:prstGeom>
+          <a:solidFill>
+            <a:srgbClr val="B7F1FF"/>
+          </a:solidFill>
+          <a:ln w="19050">
+            <a:solidFill>
+              <a:schemeClr val="tx1"/>
+            </a:solidFill>
+          </a:ln>
+        </p:spPr>
+        <p:style>
+          <a:lnRef idx="2">
+            <a:schemeClr val="accent1">
+              <a:shade val="50000"/>
+            </a:schemeClr>
+          </a:lnRef>
+          <a:fillRef idx="1">
+            <a:schemeClr val="accent1"/>
+          </a:fillRef>
+          <a:effectRef idx="0">
+            <a:schemeClr val="accent1"/>
+          </a:effectRef>
+          <a:fontRef idx="minor">
+            <a:schemeClr val="lt1"/>
+          </a:fontRef>
+        </p:style>
+        <p:txBody>
+          <a:bodyPr rtlCol="0" anchor="ctr"/>
+          <a:lstStyle/>
+          <a:p>
+            <a:pPr algn="ctr"/>
+            <a:endParaRPr lang="zh-CN" altLang="en-US"/>
+          </a:p>
+        </p:txBody>
+      </p:sp>
+      <p:sp>
+        <p:nvSpPr>
+          <p:cNvPr id="44" name="文本框 43">
+            <a:extLst>
+              <a:ext uri="{FF2B5EF4-FFF2-40B4-BE49-F238E27FC236}">
+                <a16:creationId xmlns:a16="http://schemas.microsoft.com/office/drawing/2014/main" id="{A6510988-3119-6532-7EBE-CEA62B8B417E}"/>
+              </a:ext>
+            </a:extLst>
+          </p:cNvPr>
+          <p:cNvSpPr txBox="1"/>
+          <p:nvPr/>
+        </p:nvSpPr>
+        <p:spPr>
+          <a:xfrm>
+            <a:off x="5168964" y="2799431"/>
+            <a:ext cx="1967436" cy="369332"/>
+          </a:xfrm>
+          <a:prstGeom prst="rect">
+            <a:avLst/>
+          </a:prstGeom>
+          <a:noFill/>
+        </p:spPr>
+        <p:txBody>
+          <a:bodyPr wrap="square">
             <a:spAutoFit/>
           </a:bodyPr>
-          <a:lstStyle>
-            <a:lvl1pPr>
-              <a:spcBef>
-                <a:spcPct val="20000"/>
-              </a:spcBef>
-              <a:buFont typeface="Arial" panose="020B0604020202020204" pitchFamily="34" charset="0"/>
-              <a:buChar char="•"/>
-              <a:defRPr sz="3200">
-                <a:solidFill>
-                  <a:schemeClr val="tx1"/>
-                </a:solidFill>
-                <a:latin typeface="微软雅黑" panose="020B0503020204020204" pitchFamily="34" charset="-122"/>
-                <a:ea typeface="微软雅黑" panose="020B0503020204020204" pitchFamily="34" charset="-122"/>
-                <a:sym typeface="Calibri" panose="020F0502020204030204" pitchFamily="34" charset="0"/>
-              </a:defRPr>
-            </a:lvl1pPr>
-            <a:lvl2pPr marL="742950" indent="-285750">
-              <a:spcBef>
-                <a:spcPct val="20000"/>
-              </a:spcBef>
-              <a:buFont typeface="Arial" panose="020B0604020202020204" pitchFamily="34" charset="0"/>
-              <a:buChar char="–"/>
-              <a:defRPr sz="2800">
-                <a:solidFill>
-                  <a:schemeClr val="tx1"/>
-                </a:solidFill>
-                <a:latin typeface="微软雅黑" panose="020B0503020204020204" pitchFamily="34" charset="-122"/>
-                <a:ea typeface="微软雅黑" panose="020B0503020204020204" pitchFamily="34" charset="-122"/>
-                <a:sym typeface="Calibri" panose="020F0502020204030204" pitchFamily="34" charset="0"/>
-              </a:defRPr>
-            </a:lvl2pPr>
-            <a:lvl3pPr marL="1143000" indent="-228600">
-              <a:spcBef>
-                <a:spcPct val="20000"/>
-              </a:spcBef>
-              <a:buFont typeface="Arial" panose="020B0604020202020204" pitchFamily="34" charset="0"/>
-              <a:buChar char="•"/>
-              <a:defRPr sz="2400">
-                <a:solidFill>
-                  <a:schemeClr val="tx1"/>
-                </a:solidFill>
-                <a:latin typeface="微软雅黑" panose="020B0503020204020204" pitchFamily="34" charset="-122"/>
-                <a:ea typeface="微软雅黑" panose="020B0503020204020204" pitchFamily="34" charset="-122"/>
-                <a:sym typeface="Calibri" panose="020F0502020204030204" pitchFamily="34" charset="0"/>
-              </a:defRPr>
-            </a:lvl3pPr>
-            <a:lvl4pPr marL="1600200" indent="-228600">
-              <a:spcBef>
-                <a:spcPct val="20000"/>
-              </a:spcBef>
-              <a:buFont typeface="Arial" panose="020B0604020202020204" pitchFamily="34" charset="0"/>
-              <a:buChar char="–"/>
-              <a:defRPr sz="2000">
-                <a:solidFill>
-                  <a:schemeClr val="tx1"/>
-                </a:solidFill>
-                <a:latin typeface="微软雅黑" panose="020B0503020204020204" pitchFamily="34" charset="-122"/>
-                <a:ea typeface="微软雅黑" panose="020B0503020204020204" pitchFamily="34" charset="-122"/>
-                <a:sym typeface="Calibri" panose="020F0502020204030204" pitchFamily="34" charset="0"/>
-              </a:defRPr>
-            </a:lvl4pPr>
-            <a:lvl5pPr marL="2057400" indent="-228600">
-              <a:spcBef>
-                <a:spcPct val="20000"/>
-              </a:spcBef>
-              <a:buFont typeface="Arial" panose="020B0604020202020204" pitchFamily="34" charset="0"/>
-              <a:buChar char="»"/>
-              <a:defRPr sz="2000">
-                <a:solidFill>
-                  <a:schemeClr val="tx1"/>
-                </a:solidFill>
-                <a:latin typeface="微软雅黑" panose="020B0503020204020204" pitchFamily="34" charset="-122"/>
-                <a:ea typeface="微软雅黑" panose="020B0503020204020204" pitchFamily="34" charset="-122"/>
-                <a:sym typeface="Calibri" panose="020F0502020204030204" pitchFamily="34" charset="0"/>
-              </a:defRPr>
-            </a:lvl5pPr>
-            <a:lvl6pPr marL="2514600" indent="-228600" eaLnBrk="0" fontAlgn="base" hangingPunct="0">
-              <a:spcBef>
-                <a:spcPct val="20000"/>
-              </a:spcBef>
-              <a:spcAft>
-                <a:spcPct val="0"/>
-              </a:spcAft>
-              <a:buFont typeface="Arial" panose="020B0604020202020204" pitchFamily="34" charset="0"/>
-              <a:buChar char="»"/>
-              <a:defRPr sz="2000">
-                <a:solidFill>
-                  <a:schemeClr val="tx1"/>
-                </a:solidFill>
-                <a:latin typeface="微软雅黑" panose="020B0503020204020204" pitchFamily="34" charset="-122"/>
-                <a:ea typeface="微软雅黑" panose="020B0503020204020204" pitchFamily="34" charset="-122"/>
-                <a:sym typeface="Calibri" panose="020F0502020204030204" pitchFamily="34" charset="0"/>
-              </a:defRPr>
-            </a:lvl6pPr>
-            <a:lvl7pPr marL="2971800" indent="-228600" eaLnBrk="0" fontAlgn="base" hangingPunct="0">
-              <a:spcBef>
-                <a:spcPct val="20000"/>
-              </a:spcBef>
-              <a:spcAft>
-                <a:spcPct val="0"/>
-              </a:spcAft>
-              <a:buFont typeface="Arial" panose="020B0604020202020204" pitchFamily="34" charset="0"/>
-              <a:buChar char="»"/>
-              <a:defRPr sz="2000">
-                <a:solidFill>
-                  <a:schemeClr val="tx1"/>
-                </a:solidFill>
-                <a:latin typeface="微软雅黑" panose="020B0503020204020204" pitchFamily="34" charset="-122"/>
-                <a:ea typeface="微软雅黑" panose="020B0503020204020204" pitchFamily="34" charset="-122"/>
-                <a:sym typeface="Calibri" panose="020F0502020204030204" pitchFamily="34" charset="0"/>
-              </a:defRPr>
-            </a:lvl7pPr>
-            <a:lvl8pPr marL="3429000" indent="-228600" eaLnBrk="0" fontAlgn="base" hangingPunct="0">
-              <a:spcBef>
-                <a:spcPct val="20000"/>
-              </a:spcBef>
-              <a:spcAft>
-                <a:spcPct val="0"/>
-              </a:spcAft>
-              <a:buFont typeface="Arial" panose="020B0604020202020204" pitchFamily="34" charset="0"/>
-              <a:buChar char="»"/>
-              <a:defRPr sz="2000">
-                <a:solidFill>
-                  <a:schemeClr val="tx1"/>
-                </a:solidFill>
-                <a:latin typeface="微软雅黑" panose="020B0503020204020204" pitchFamily="34" charset="-122"/>
-                <a:ea typeface="微软雅黑" panose="020B0503020204020204" pitchFamily="34" charset="-122"/>
-                <a:sym typeface="Calibri" panose="020F0502020204030204" pitchFamily="34" charset="0"/>
-              </a:defRPr>
-            </a:lvl8pPr>
-            <a:lvl9pPr marL="3886200" indent="-228600" eaLnBrk="0" fontAlgn="base" hangingPunct="0">
-              <a:spcBef>
-                <a:spcPct val="20000"/>
-              </a:spcBef>
-              <a:spcAft>
-                <a:spcPct val="0"/>
-              </a:spcAft>
-              <a:buFont typeface="Arial" panose="020B0604020202020204" pitchFamily="34" charset="0"/>
-              <a:buChar char="»"/>
-              <a:defRPr sz="2000">
-                <a:solidFill>
-                  <a:schemeClr val="tx1"/>
-                </a:solidFill>
-                <a:latin typeface="微软雅黑" panose="020B0503020204020204" pitchFamily="34" charset="-122"/>
-                <a:ea typeface="微软雅黑" panose="020B0503020204020204" pitchFamily="34" charset="-122"/>
-                <a:sym typeface="Calibri" panose="020F0502020204030204" pitchFamily="34" charset="0"/>
-              </a:defRPr>
-            </a:lvl9pPr>
-          </a:lstStyle>
-          <a:p>
-            <a:pPr>
-              <a:buNone/>
-            </a:pPr>
+          <a:lstStyle/>
+          <a:p>
             <a:r>
-              <a:rPr lang="en-US" altLang="zh-CN" sz="3600" b="1">
-                <a:solidFill>
-                  <a:srgbClr val="006C86"/>
-                </a:solidFill>
+              <a:rPr lang="en-US" altLang="zh-CN" kern="100">
                 <a:latin typeface="Times New Roman" panose="02020603050405020304" pitchFamily="18" charset="0"/>
                 <a:ea typeface="华文中宋" panose="02010600040101010101" pitchFamily="2" charset="-122"/>
                 <a:cs typeface="Times New Roman" panose="02020603050405020304" pitchFamily="18" charset="0"/>
               </a:rPr>
-              <a:t>Data</a:t>
+              <a:t>Stance: 0.9-1</a:t>
             </a:r>
-            <a:endParaRPr lang="en-US" altLang="zh-CN" sz="3600" b="1" dirty="0">
-              <a:solidFill>
-                <a:srgbClr val="006C86"/>
-              </a:solidFill>
-              <a:latin typeface="Times New Roman" panose="02020603050405020304" pitchFamily="18" charset="0"/>
-              <a:ea typeface="华文中宋" panose="02010600040101010101" pitchFamily="2" charset="-122"/>
-              <a:cs typeface="Times New Roman" panose="02020603050405020304" pitchFamily="18" charset="0"/>
-            </a:endParaRPr>
-          </a:p>
-        </p:txBody>
-      </p:sp>
-      <p:cxnSp>
-        <p:nvCxnSpPr>
-          <p:cNvPr id="10" name="直接连接符 9">
-            <a:extLst>
-              <a:ext uri="{FF2B5EF4-FFF2-40B4-BE49-F238E27FC236}">
-                <a16:creationId xmlns:a16="http://schemas.microsoft.com/office/drawing/2014/main" id="{6ABB3CB1-8D15-066B-D624-9BD02506823E}"/>
-              </a:ext>
-            </a:extLst>
-          </p:cNvPr>
-          <p:cNvCxnSpPr>
-            <a:cxnSpLocks/>
-            <a:stCxn id="28" idx="1"/>
-          </p:cNvCxnSpPr>
-          <p:nvPr/>
-        </p:nvCxnSpPr>
-        <p:spPr>
-          <a:xfrm flipH="1" flipV="1">
-            <a:off x="4142220" y="2154624"/>
-            <a:ext cx="59463" cy="481604"/>
-          </a:xfrm>
-          <a:prstGeom prst="line">
-            <a:avLst/>
-          </a:prstGeom>
-        </p:spPr>
-        <p:style>
-          <a:lnRef idx="3">
-            <a:schemeClr val="dk1"/>
-          </a:lnRef>
-          <a:fillRef idx="0">
-            <a:schemeClr val="dk1"/>
-          </a:fillRef>
-          <a:effectRef idx="2">
-            <a:schemeClr val="dk1"/>
-          </a:effectRef>
-          <a:fontRef idx="minor">
-            <a:schemeClr val="tx1"/>
-          </a:fontRef>
-        </p:style>
-      </p:cxnSp>
-      <p:cxnSp>
-        <p:nvCxnSpPr>
-          <p:cNvPr id="11" name="直接连接符 10">
-            <a:extLst>
-              <a:ext uri="{FF2B5EF4-FFF2-40B4-BE49-F238E27FC236}">
-                <a16:creationId xmlns:a16="http://schemas.microsoft.com/office/drawing/2014/main" id="{8A811572-516E-7604-6D64-700FC648701D}"/>
-              </a:ext>
-            </a:extLst>
-          </p:cNvPr>
-          <p:cNvCxnSpPr>
-            <a:cxnSpLocks/>
-            <a:endCxn id="18" idx="2"/>
-          </p:cNvCxnSpPr>
-          <p:nvPr/>
-        </p:nvCxnSpPr>
+            <a:endParaRPr lang="zh-CN" altLang="en-US" i="1"/>
+          </a:p>
+        </p:txBody>
+      </p:sp>
+      <p:sp>
+        <p:nvSpPr>
+          <p:cNvPr id="45" name="文本框 44">
+            <a:extLst>
+              <a:ext uri="{FF2B5EF4-FFF2-40B4-BE49-F238E27FC236}">
+                <a16:creationId xmlns:a16="http://schemas.microsoft.com/office/drawing/2014/main" id="{7619FAAE-A290-4A45-345D-4987D83BCBDC}"/>
+              </a:ext>
+            </a:extLst>
+          </p:cNvPr>
+          <p:cNvSpPr txBox="1"/>
+          <p:nvPr/>
+        </p:nvSpPr>
         <p:spPr>
           <a:xfrm>
-            <a:off x="2714863" y="2026656"/>
-            <a:ext cx="808186" cy="260886"/>
-          </a:xfrm>
-          <a:prstGeom prst="line">
-            <a:avLst/>
-          </a:prstGeom>
-        </p:spPr>
-        <p:style>
-          <a:lnRef idx="3">
-            <a:schemeClr val="dk1"/>
-          </a:lnRef>
-          <a:fillRef idx="0">
-            <a:schemeClr val="dk1"/>
-          </a:fillRef>
-          <a:effectRef idx="2">
-            <a:schemeClr val="dk1"/>
-          </a:effectRef>
-          <a:fontRef idx="minor">
-            <a:schemeClr val="tx1"/>
-          </a:fontRef>
-        </p:style>
-      </p:cxnSp>
-      <p:sp>
-        <p:nvSpPr>
-          <p:cNvPr id="13" name="椭圆 12">
-            <a:extLst>
-              <a:ext uri="{FF2B5EF4-FFF2-40B4-BE49-F238E27FC236}">
-                <a16:creationId xmlns:a16="http://schemas.microsoft.com/office/drawing/2014/main" id="{1BC6E0AD-7D49-1A47-B04B-A5196C0381B7}"/>
+            <a:off x="5169627" y="3215541"/>
+            <a:ext cx="1967436" cy="369332"/>
+          </a:xfrm>
+          <a:prstGeom prst="rect">
+            <a:avLst/>
+          </a:prstGeom>
+          <a:noFill/>
+        </p:spPr>
+        <p:txBody>
+          <a:bodyPr wrap="square">
+            <a:spAutoFit/>
+          </a:bodyPr>
+          <a:lstStyle/>
+          <a:p>
+            <a:r>
+              <a:rPr lang="en-US" altLang="zh-CN" kern="100">
+                <a:latin typeface="Times New Roman" panose="02020603050405020304" pitchFamily="18" charset="0"/>
+                <a:ea typeface="华文中宋" panose="02010600040101010101" pitchFamily="2" charset="-122"/>
+                <a:cs typeface="Times New Roman" panose="02020603050405020304" pitchFamily="18" charset="0"/>
+              </a:rPr>
+              <a:t>Stance: 0-0.1</a:t>
+            </a:r>
+            <a:endParaRPr lang="zh-CN" altLang="en-US" i="1"/>
+          </a:p>
+        </p:txBody>
+      </p:sp>
+      <p:sp>
+        <p:nvSpPr>
+          <p:cNvPr id="50" name="椭圆 49">
+            <a:extLst>
+              <a:ext uri="{FF2B5EF4-FFF2-40B4-BE49-F238E27FC236}">
+                <a16:creationId xmlns:a16="http://schemas.microsoft.com/office/drawing/2014/main" id="{8F3CCA18-87A0-24E2-C048-141BE594245D}"/>
               </a:ext>
             </a:extLst>
           </p:cNvPr>
@@ -4116,7 +4420,7 @@
         </p:nvSpPr>
         <p:spPr>
           <a:xfrm rot="376585">
-            <a:off x="2989971" y="2466158"/>
+            <a:off x="4897907" y="3726615"/>
             <a:ext cx="248920" cy="248920"/>
           </a:xfrm>
           <a:prstGeom prst="ellipse">
@@ -4156,25 +4460,286 @@
           </a:p>
         </p:txBody>
       </p:sp>
+      <p:sp>
+        <p:nvSpPr>
+          <p:cNvPr id="51" name="文本框 50">
+            <a:extLst>
+              <a:ext uri="{FF2B5EF4-FFF2-40B4-BE49-F238E27FC236}">
+                <a16:creationId xmlns:a16="http://schemas.microsoft.com/office/drawing/2014/main" id="{DCD9C19D-4DF2-CC4C-D544-1553E8242E6C}"/>
+              </a:ext>
+            </a:extLst>
+          </p:cNvPr>
+          <p:cNvSpPr txBox="1"/>
+          <p:nvPr/>
+        </p:nvSpPr>
+        <p:spPr>
+          <a:xfrm>
+            <a:off x="5168964" y="3666409"/>
+            <a:ext cx="1967436" cy="369332"/>
+          </a:xfrm>
+          <a:prstGeom prst="rect">
+            <a:avLst/>
+          </a:prstGeom>
+          <a:noFill/>
+        </p:spPr>
+        <p:txBody>
+          <a:bodyPr wrap="square">
+            <a:spAutoFit/>
+          </a:bodyPr>
+          <a:lstStyle/>
+          <a:p>
+            <a:r>
+              <a:rPr lang="en-US" altLang="zh-CN" kern="100">
+                <a:latin typeface="Times New Roman" panose="02020603050405020304" pitchFamily="18" charset="0"/>
+                <a:ea typeface="华文中宋" panose="02010600040101010101" pitchFamily="2" charset="-122"/>
+                <a:cs typeface="Times New Roman" panose="02020603050405020304" pitchFamily="18" charset="0"/>
+              </a:rPr>
+              <a:t>Stance: 0.1-0.9</a:t>
+            </a:r>
+            <a:endParaRPr lang="zh-CN" altLang="en-US" i="1"/>
+          </a:p>
+        </p:txBody>
+      </p:sp>
+      <p:sp>
+        <p:nvSpPr>
+          <p:cNvPr id="52" name="椭圆 51">
+            <a:extLst>
+              <a:ext uri="{FF2B5EF4-FFF2-40B4-BE49-F238E27FC236}">
+                <a16:creationId xmlns:a16="http://schemas.microsoft.com/office/drawing/2014/main" id="{2BD6FE37-1161-3EF6-DC57-E771FDF92953}"/>
+              </a:ext>
+            </a:extLst>
+          </p:cNvPr>
+          <p:cNvSpPr/>
+          <p:nvPr/>
+        </p:nvSpPr>
+        <p:spPr>
+          <a:xfrm rot="376585">
+            <a:off x="4907183" y="4169416"/>
+            <a:ext cx="248920" cy="248920"/>
+          </a:xfrm>
+          <a:prstGeom prst="ellipse">
+            <a:avLst/>
+          </a:prstGeom>
+          <a:solidFill>
+            <a:schemeClr val="bg1"/>
+          </a:solidFill>
+          <a:ln w="19050">
+            <a:solidFill>
+              <a:schemeClr val="tx1"/>
+            </a:solidFill>
+          </a:ln>
+        </p:spPr>
+        <p:style>
+          <a:lnRef idx="2">
+            <a:schemeClr val="accent1">
+              <a:shade val="50000"/>
+            </a:schemeClr>
+          </a:lnRef>
+          <a:fillRef idx="1">
+            <a:schemeClr val="accent1"/>
+          </a:fillRef>
+          <a:effectRef idx="0">
+            <a:schemeClr val="accent1"/>
+          </a:effectRef>
+          <a:fontRef idx="minor">
+            <a:schemeClr val="lt1"/>
+          </a:fontRef>
+        </p:style>
+        <p:txBody>
+          <a:bodyPr rtlCol="0" anchor="ctr"/>
+          <a:lstStyle/>
+          <a:p>
+            <a:pPr algn="ctr"/>
+            <a:endParaRPr lang="zh-CN" altLang="en-US"/>
+          </a:p>
+        </p:txBody>
+      </p:sp>
+      <p:sp>
+        <p:nvSpPr>
+          <p:cNvPr id="53" name="文本框 52">
+            <a:extLst>
+              <a:ext uri="{FF2B5EF4-FFF2-40B4-BE49-F238E27FC236}">
+                <a16:creationId xmlns:a16="http://schemas.microsoft.com/office/drawing/2014/main" id="{83F2026C-39F2-4901-C4FB-DA1AAC301642}"/>
+              </a:ext>
+            </a:extLst>
+          </p:cNvPr>
+          <p:cNvSpPr txBox="1"/>
+          <p:nvPr/>
+        </p:nvSpPr>
+        <p:spPr>
+          <a:xfrm>
+            <a:off x="5168964" y="4111535"/>
+            <a:ext cx="1967436" cy="369332"/>
+          </a:xfrm>
+          <a:prstGeom prst="rect">
+            <a:avLst/>
+          </a:prstGeom>
+          <a:noFill/>
+        </p:spPr>
+        <p:txBody>
+          <a:bodyPr wrap="square">
+            <a:spAutoFit/>
+          </a:bodyPr>
+          <a:lstStyle/>
+          <a:p>
+            <a:r>
+              <a:rPr lang="en-US" altLang="zh-CN" kern="100">
+                <a:latin typeface="Times New Roman" panose="02020603050405020304" pitchFamily="18" charset="0"/>
+                <a:ea typeface="华文中宋" panose="02010600040101010101" pitchFamily="2" charset="-122"/>
+                <a:cs typeface="Times New Roman" panose="02020603050405020304" pitchFamily="18" charset="0"/>
+              </a:rPr>
+              <a:t>Not relevant topic</a:t>
+            </a:r>
+            <a:endParaRPr lang="zh-CN" altLang="en-US"/>
+          </a:p>
+        </p:txBody>
+      </p:sp>
+      <p:sp>
+        <p:nvSpPr>
+          <p:cNvPr id="59" name="文本框 58">
+            <a:extLst>
+              <a:ext uri="{FF2B5EF4-FFF2-40B4-BE49-F238E27FC236}">
+                <a16:creationId xmlns:a16="http://schemas.microsoft.com/office/drawing/2014/main" id="{F542F6A6-034B-BD1E-E47F-5EF47238B6D4}"/>
+              </a:ext>
+            </a:extLst>
+          </p:cNvPr>
+          <p:cNvSpPr txBox="1"/>
+          <p:nvPr/>
+        </p:nvSpPr>
+        <p:spPr>
+          <a:xfrm>
+            <a:off x="8774892" y="3332682"/>
+            <a:ext cx="1614862" cy="369332"/>
+          </a:xfrm>
+          <a:prstGeom prst="rect">
+            <a:avLst/>
+          </a:prstGeom>
+          <a:noFill/>
+        </p:spPr>
+        <p:txBody>
+          <a:bodyPr wrap="square">
+            <a:spAutoFit/>
+          </a:bodyPr>
+          <a:lstStyle/>
+          <a:p>
+            <a:r>
+              <a:rPr lang="zh-CN" altLang="en-US" kern="100">
+                <a:latin typeface="Times New Roman" panose="02020603050405020304" pitchFamily="18" charset="0"/>
+                <a:ea typeface="华文中宋" panose="02010600040101010101" pitchFamily="2" charset="-122"/>
+                <a:cs typeface="Times New Roman" panose="02020603050405020304" pitchFamily="18" charset="0"/>
+              </a:rPr>
+              <a:t>正向观点影响</a:t>
+            </a:r>
+            <a:endParaRPr lang="zh-CN" altLang="en-US"/>
+          </a:p>
+        </p:txBody>
+      </p:sp>
+      <p:sp>
+        <p:nvSpPr>
+          <p:cNvPr id="101" name="文本框 100">
+            <a:extLst>
+              <a:ext uri="{FF2B5EF4-FFF2-40B4-BE49-F238E27FC236}">
+                <a16:creationId xmlns:a16="http://schemas.microsoft.com/office/drawing/2014/main" id="{4478DF8E-E22D-800F-3605-0B522F515BE6}"/>
+              </a:ext>
+            </a:extLst>
+          </p:cNvPr>
+          <p:cNvSpPr txBox="1"/>
+          <p:nvPr/>
+        </p:nvSpPr>
+        <p:spPr>
+          <a:xfrm>
+            <a:off x="8798117" y="5621468"/>
+            <a:ext cx="1614862" cy="369332"/>
+          </a:xfrm>
+          <a:prstGeom prst="rect">
+            <a:avLst/>
+          </a:prstGeom>
+          <a:noFill/>
+        </p:spPr>
+        <p:txBody>
+          <a:bodyPr wrap="square">
+            <a:spAutoFit/>
+          </a:bodyPr>
+          <a:lstStyle/>
+          <a:p>
+            <a:r>
+              <a:rPr lang="zh-CN" altLang="en-US" kern="100">
+                <a:latin typeface="Times New Roman" panose="02020603050405020304" pitchFamily="18" charset="0"/>
+                <a:ea typeface="华文中宋" panose="02010600040101010101" pitchFamily="2" charset="-122"/>
+                <a:cs typeface="Times New Roman" panose="02020603050405020304" pitchFamily="18" charset="0"/>
+              </a:rPr>
+              <a:t>负向观点影响</a:t>
+            </a:r>
+            <a:endParaRPr lang="zh-CN" altLang="en-US"/>
+          </a:p>
+        </p:txBody>
+      </p:sp>
+      <p:sp>
+        <p:nvSpPr>
+          <p:cNvPr id="103" name="文本框 102">
+            <a:extLst>
+              <a:ext uri="{FF2B5EF4-FFF2-40B4-BE49-F238E27FC236}">
+                <a16:creationId xmlns:a16="http://schemas.microsoft.com/office/drawing/2014/main" id="{5C813BDF-5D4C-DB52-F2A7-CF1815EBAB13}"/>
+              </a:ext>
+            </a:extLst>
+          </p:cNvPr>
+          <p:cNvSpPr txBox="1"/>
+          <p:nvPr/>
+        </p:nvSpPr>
+        <p:spPr>
+          <a:xfrm>
+            <a:off x="8301916" y="997873"/>
+            <a:ext cx="1148733" cy="369332"/>
+          </a:xfrm>
+          <a:prstGeom prst="rect">
+            <a:avLst/>
+          </a:prstGeom>
+          <a:noFill/>
+        </p:spPr>
+        <p:txBody>
+          <a:bodyPr wrap="square">
+            <a:spAutoFit/>
+          </a:bodyPr>
+          <a:lstStyle/>
+          <a:p>
+            <a:r>
+              <a:rPr lang="en-US" altLang="zh-CN" b="1" kern="100">
+                <a:solidFill>
+                  <a:srgbClr val="7030A0"/>
+                </a:solidFill>
+                <a:latin typeface="Times New Roman" panose="02020603050405020304" pitchFamily="18" charset="0"/>
+                <a:ea typeface="华文中宋" panose="02010600040101010101" pitchFamily="2" charset="-122"/>
+                <a:cs typeface="Times New Roman" panose="02020603050405020304" pitchFamily="18" charset="0"/>
+              </a:rPr>
+              <a:t>Control</a:t>
+            </a:r>
+            <a:endParaRPr lang="zh-CN" altLang="en-US" b="1" i="1">
+              <a:solidFill>
+                <a:srgbClr val="7030A0"/>
+              </a:solidFill>
+            </a:endParaRPr>
+          </a:p>
+        </p:txBody>
+      </p:sp>
       <p:cxnSp>
         <p:nvCxnSpPr>
-          <p:cNvPr id="14" name="直接连接符 13">
-            <a:extLst>
-              <a:ext uri="{FF2B5EF4-FFF2-40B4-BE49-F238E27FC236}">
-                <a16:creationId xmlns:a16="http://schemas.microsoft.com/office/drawing/2014/main" id="{76004094-54FB-EA8B-82A9-35A9EF3A34FA}"/>
+          <p:cNvPr id="175" name="直接连接符 174">
+            <a:extLst>
+              <a:ext uri="{FF2B5EF4-FFF2-40B4-BE49-F238E27FC236}">
+                <a16:creationId xmlns:a16="http://schemas.microsoft.com/office/drawing/2014/main" id="{E0504954-4C6B-18E5-4165-B6EAB912ED50}"/>
               </a:ext>
             </a:extLst>
           </p:cNvPr>
           <p:cNvCxnSpPr>
             <a:cxnSpLocks/>
-            <a:stCxn id="38" idx="0"/>
+            <a:stCxn id="192" idx="1"/>
           </p:cNvCxnSpPr>
           <p:nvPr/>
         </p:nvCxnSpPr>
         <p:spPr>
-          <a:xfrm flipV="1">
-            <a:off x="2394555" y="2114663"/>
-            <a:ext cx="107841" cy="329040"/>
+          <a:xfrm flipH="1" flipV="1">
+            <a:off x="2363896" y="1311268"/>
+            <a:ext cx="59463" cy="481604"/>
           </a:xfrm>
           <a:prstGeom prst="line">
             <a:avLst/>
@@ -4197,23 +4762,23 @@
       </p:cxnSp>
       <p:cxnSp>
         <p:nvCxnSpPr>
-          <p:cNvPr id="15" name="直接连接符 14">
-            <a:extLst>
-              <a:ext uri="{FF2B5EF4-FFF2-40B4-BE49-F238E27FC236}">
-                <a16:creationId xmlns:a16="http://schemas.microsoft.com/office/drawing/2014/main" id="{09359ADE-FD39-BADB-2394-B036CB17C9F7}"/>
+          <p:cNvPr id="176" name="直接连接符 175">
+            <a:extLst>
+              <a:ext uri="{FF2B5EF4-FFF2-40B4-BE49-F238E27FC236}">
+                <a16:creationId xmlns:a16="http://schemas.microsoft.com/office/drawing/2014/main" id="{B4628F66-59A5-0CE3-C0DC-06E15C864789}"/>
               </a:ext>
             </a:extLst>
           </p:cNvPr>
           <p:cNvCxnSpPr>
             <a:cxnSpLocks/>
-            <a:stCxn id="13" idx="1"/>
+            <a:endCxn id="182" idx="2"/>
           </p:cNvCxnSpPr>
           <p:nvPr/>
         </p:nvCxnSpPr>
         <p:spPr>
-          <a:xfrm flipH="1" flipV="1">
-            <a:off x="2678410" y="2114663"/>
-            <a:ext cx="358163" cy="378854"/>
+          <a:xfrm>
+            <a:off x="936539" y="1183300"/>
+            <a:ext cx="808186" cy="260886"/>
           </a:xfrm>
           <a:prstGeom prst="line">
             <a:avLst/>
@@ -4234,50 +4799,12 @@
           </a:fontRef>
         </p:style>
       </p:cxnSp>
-      <p:cxnSp>
-        <p:nvCxnSpPr>
-          <p:cNvPr id="16" name="直接连接符 15">
-            <a:extLst>
-              <a:ext uri="{FF2B5EF4-FFF2-40B4-BE49-F238E27FC236}">
-                <a16:creationId xmlns:a16="http://schemas.microsoft.com/office/drawing/2014/main" id="{3450DAED-27C9-860C-0A55-E7E4A4CFE52B}"/>
-              </a:ext>
-            </a:extLst>
-          </p:cNvPr>
-          <p:cNvCxnSpPr>
-            <a:cxnSpLocks/>
-          </p:cNvCxnSpPr>
-          <p:nvPr/>
-        </p:nvCxnSpPr>
-        <p:spPr>
-          <a:xfrm flipV="1">
-            <a:off x="2678410" y="1656857"/>
-            <a:ext cx="203699" cy="281792"/>
-          </a:xfrm>
-          <a:prstGeom prst="line">
-            <a:avLst/>
-          </a:prstGeom>
-        </p:spPr>
-        <p:style>
-          <a:lnRef idx="3">
-            <a:schemeClr val="dk1"/>
-          </a:lnRef>
-          <a:fillRef idx="0">
-            <a:schemeClr val="dk1"/>
-          </a:fillRef>
-          <a:effectRef idx="2">
-            <a:schemeClr val="dk1"/>
-          </a:effectRef>
-          <a:fontRef idx="minor">
-            <a:schemeClr val="tx1"/>
-          </a:fontRef>
-        </p:style>
-      </p:cxnSp>
-      <p:sp>
-        <p:nvSpPr>
-          <p:cNvPr id="17" name="椭圆 16">
-            <a:extLst>
-              <a:ext uri="{FF2B5EF4-FFF2-40B4-BE49-F238E27FC236}">
-                <a16:creationId xmlns:a16="http://schemas.microsoft.com/office/drawing/2014/main" id="{C671C21E-7ACC-A94A-7573-7B3626870BFD}"/>
+      <p:sp>
+        <p:nvSpPr>
+          <p:cNvPr id="177" name="椭圆 176">
+            <a:extLst>
+              <a:ext uri="{FF2B5EF4-FFF2-40B4-BE49-F238E27FC236}">
+                <a16:creationId xmlns:a16="http://schemas.microsoft.com/office/drawing/2014/main" id="{5C80F1B6-B3D9-5079-76CE-33B2F04A9A49}"/>
               </a:ext>
             </a:extLst>
           </p:cNvPr>
@@ -4285,8 +4812,8 @@
           <p:nvPr/>
         </p:nvSpPr>
         <p:spPr>
-          <a:xfrm>
-            <a:off x="3458736" y="1452019"/>
+          <a:xfrm rot="376585">
+            <a:off x="1211647" y="1622802"/>
             <a:ext cx="248920" cy="248920"/>
           </a:xfrm>
           <a:prstGeom prst="ellipse">
@@ -4322,6 +4849,176 @@
           <a:lstStyle/>
           <a:p>
             <a:pPr algn="ctr"/>
+            <a:endParaRPr lang="zh-CN" altLang="en-US"/>
+          </a:p>
+        </p:txBody>
+      </p:sp>
+      <p:cxnSp>
+        <p:nvCxnSpPr>
+          <p:cNvPr id="178" name="直接连接符 177">
+            <a:extLst>
+              <a:ext uri="{FF2B5EF4-FFF2-40B4-BE49-F238E27FC236}">
+                <a16:creationId xmlns:a16="http://schemas.microsoft.com/office/drawing/2014/main" id="{99D0A893-48AF-58B2-4C89-55B5ABAA3769}"/>
+              </a:ext>
+            </a:extLst>
+          </p:cNvPr>
+          <p:cNvCxnSpPr>
+            <a:cxnSpLocks/>
+            <a:stCxn id="201" idx="0"/>
+          </p:cNvCxnSpPr>
+          <p:nvPr/>
+        </p:nvCxnSpPr>
+        <p:spPr>
+          <a:xfrm flipV="1">
+            <a:off x="616231" y="1271307"/>
+            <a:ext cx="107841" cy="329040"/>
+          </a:xfrm>
+          <a:prstGeom prst="line">
+            <a:avLst/>
+          </a:prstGeom>
+        </p:spPr>
+        <p:style>
+          <a:lnRef idx="3">
+            <a:schemeClr val="dk1"/>
+          </a:lnRef>
+          <a:fillRef idx="0">
+            <a:schemeClr val="dk1"/>
+          </a:fillRef>
+          <a:effectRef idx="2">
+            <a:schemeClr val="dk1"/>
+          </a:effectRef>
+          <a:fontRef idx="minor">
+            <a:schemeClr val="tx1"/>
+          </a:fontRef>
+        </p:style>
+      </p:cxnSp>
+      <p:cxnSp>
+        <p:nvCxnSpPr>
+          <p:cNvPr id="179" name="直接连接符 178">
+            <a:extLst>
+              <a:ext uri="{FF2B5EF4-FFF2-40B4-BE49-F238E27FC236}">
+                <a16:creationId xmlns:a16="http://schemas.microsoft.com/office/drawing/2014/main" id="{FC9329A3-D4E0-1F0F-0419-B3B50CCC0AC9}"/>
+              </a:ext>
+            </a:extLst>
+          </p:cNvPr>
+          <p:cNvCxnSpPr>
+            <a:cxnSpLocks/>
+            <a:stCxn id="177" idx="1"/>
+          </p:cNvCxnSpPr>
+          <p:nvPr/>
+        </p:nvCxnSpPr>
+        <p:spPr>
+          <a:xfrm flipH="1" flipV="1">
+            <a:off x="900086" y="1271307"/>
+            <a:ext cx="358163" cy="378854"/>
+          </a:xfrm>
+          <a:prstGeom prst="line">
+            <a:avLst/>
+          </a:prstGeom>
+        </p:spPr>
+        <p:style>
+          <a:lnRef idx="3">
+            <a:schemeClr val="dk1"/>
+          </a:lnRef>
+          <a:fillRef idx="0">
+            <a:schemeClr val="dk1"/>
+          </a:fillRef>
+          <a:effectRef idx="2">
+            <a:schemeClr val="dk1"/>
+          </a:effectRef>
+          <a:fontRef idx="minor">
+            <a:schemeClr val="tx1"/>
+          </a:fontRef>
+        </p:style>
+      </p:cxnSp>
+      <p:cxnSp>
+        <p:nvCxnSpPr>
+          <p:cNvPr id="180" name="直接连接符 179">
+            <a:extLst>
+              <a:ext uri="{FF2B5EF4-FFF2-40B4-BE49-F238E27FC236}">
+                <a16:creationId xmlns:a16="http://schemas.microsoft.com/office/drawing/2014/main" id="{ED642EDB-D6A6-412A-D0FC-AFF47F277E3D}"/>
+              </a:ext>
+            </a:extLst>
+          </p:cNvPr>
+          <p:cNvCxnSpPr>
+            <a:cxnSpLocks/>
+          </p:cNvCxnSpPr>
+          <p:nvPr/>
+        </p:nvCxnSpPr>
+        <p:spPr>
+          <a:xfrm flipV="1">
+            <a:off x="900086" y="813501"/>
+            <a:ext cx="203699" cy="281792"/>
+          </a:xfrm>
+          <a:prstGeom prst="line">
+            <a:avLst/>
+          </a:prstGeom>
+        </p:spPr>
+        <p:style>
+          <a:lnRef idx="3">
+            <a:schemeClr val="dk1"/>
+          </a:lnRef>
+          <a:fillRef idx="0">
+            <a:schemeClr val="dk1"/>
+          </a:fillRef>
+          <a:effectRef idx="2">
+            <a:schemeClr val="dk1"/>
+          </a:effectRef>
+          <a:fontRef idx="minor">
+            <a:schemeClr val="tx1"/>
+          </a:fontRef>
+        </p:style>
+      </p:cxnSp>
+      <p:sp>
+        <p:nvSpPr>
+          <p:cNvPr id="181" name="椭圆 180">
+            <a:extLst>
+              <a:ext uri="{FF2B5EF4-FFF2-40B4-BE49-F238E27FC236}">
+                <a16:creationId xmlns:a16="http://schemas.microsoft.com/office/drawing/2014/main" id="{C24A9720-5BDB-21F4-B8B6-6CD7FF6EA396}"/>
+              </a:ext>
+            </a:extLst>
+          </p:cNvPr>
+          <p:cNvSpPr/>
+          <p:nvPr/>
+        </p:nvSpPr>
+        <p:spPr>
+          <a:xfrm>
+            <a:off x="1680412" y="608663"/>
+            <a:ext cx="248920" cy="248920"/>
+          </a:xfrm>
+          <a:prstGeom prst="ellipse">
+            <a:avLst/>
+          </a:prstGeom>
+          <a:solidFill>
+            <a:schemeClr val="bg2"/>
+          </a:solidFill>
+          <a:ln w="19050">
+            <a:solidFill>
+              <a:schemeClr val="tx1"/>
+            </a:solidFill>
+          </a:ln>
+        </p:spPr>
+        <p:style>
+          <a:lnRef idx="2">
+            <a:schemeClr val="accent1">
+              <a:shade val="50000"/>
+            </a:schemeClr>
+          </a:lnRef>
+          <a:fillRef idx="1">
+            <a:schemeClr val="accent1"/>
+          </a:fillRef>
+          <a:effectRef idx="0">
+            <a:schemeClr val="accent1"/>
+          </a:effectRef>
+          <a:fontRef idx="minor">
+            <a:schemeClr val="lt1"/>
+          </a:fontRef>
+        </p:style>
+        <p:txBody>
+          <a:bodyPr rtlCol="0" anchor="ctr"/>
+          <a:lstStyle/>
+          <a:p>
+            <a:pPr algn="ctr"/>
             <a:endParaRPr lang="zh-CN" altLang="en-US" b="1">
               <a:solidFill>
                 <a:schemeClr val="tx1"/>
@@ -4332,10 +5029,10 @@
       </p:sp>
       <p:sp>
         <p:nvSpPr>
-          <p:cNvPr id="18" name="椭圆 17">
-            <a:extLst>
-              <a:ext uri="{FF2B5EF4-FFF2-40B4-BE49-F238E27FC236}">
-                <a16:creationId xmlns:a16="http://schemas.microsoft.com/office/drawing/2014/main" id="{19D736E3-39A1-5936-E7ED-B9C44ADC40D3}"/>
+          <p:cNvPr id="182" name="椭圆 181">
+            <a:extLst>
+              <a:ext uri="{FF2B5EF4-FFF2-40B4-BE49-F238E27FC236}">
+                <a16:creationId xmlns:a16="http://schemas.microsoft.com/office/drawing/2014/main" id="{619DF214-01F6-82FA-787B-73CCA5426BB7}"/>
               </a:ext>
             </a:extLst>
           </p:cNvPr>
@@ -4344,7 +5041,7 @@
         </p:nvSpPr>
         <p:spPr>
           <a:xfrm rot="376585">
-            <a:off x="3522303" y="2176689"/>
+            <a:off x="1743979" y="1333333"/>
             <a:ext cx="248920" cy="248920"/>
           </a:xfrm>
           <a:prstGeom prst="ellipse">
@@ -4386,22 +5083,22 @@
       </p:sp>
       <p:cxnSp>
         <p:nvCxnSpPr>
-          <p:cNvPr id="19" name="直接连接符 18">
-            <a:extLst>
-              <a:ext uri="{FF2B5EF4-FFF2-40B4-BE49-F238E27FC236}">
-                <a16:creationId xmlns:a16="http://schemas.microsoft.com/office/drawing/2014/main" id="{4101BC43-A375-B121-AD2D-461B626C62E8}"/>
+          <p:cNvPr id="183" name="直接连接符 182">
+            <a:extLst>
+              <a:ext uri="{FF2B5EF4-FFF2-40B4-BE49-F238E27FC236}">
+                <a16:creationId xmlns:a16="http://schemas.microsoft.com/office/drawing/2014/main" id="{0959FC25-3609-D65D-F629-6C91F55B98A6}"/>
               </a:ext>
             </a:extLst>
           </p:cNvPr>
           <p:cNvCxnSpPr>
             <a:cxnSpLocks/>
-            <a:endCxn id="17" idx="2"/>
+            <a:endCxn id="181" idx="2"/>
           </p:cNvCxnSpPr>
           <p:nvPr/>
         </p:nvCxnSpPr>
         <p:spPr>
           <a:xfrm flipV="1">
-            <a:off x="3102924" y="1576479"/>
+            <a:off x="1324600" y="733123"/>
             <a:ext cx="355812" cy="16127"/>
           </a:xfrm>
           <a:prstGeom prst="line">
@@ -4429,10 +5126,10 @@
       </p:cxnSp>
       <p:sp>
         <p:nvSpPr>
-          <p:cNvPr id="20" name="椭圆 19">
-            <a:extLst>
-              <a:ext uri="{FF2B5EF4-FFF2-40B4-BE49-F238E27FC236}">
-                <a16:creationId xmlns:a16="http://schemas.microsoft.com/office/drawing/2014/main" id="{E3778960-4430-BCD8-9395-4785D68306FA}"/>
+          <p:cNvPr id="184" name="椭圆 183">
+            <a:extLst>
+              <a:ext uri="{FF2B5EF4-FFF2-40B4-BE49-F238E27FC236}">
+                <a16:creationId xmlns:a16="http://schemas.microsoft.com/office/drawing/2014/main" id="{A6431272-3634-3040-3652-10CD83DBD327}"/>
               </a:ext>
             </a:extLst>
           </p:cNvPr>
@@ -4441,7 +5138,7 @@
         </p:nvSpPr>
         <p:spPr>
           <a:xfrm rot="376585">
-            <a:off x="5835935" y="1777734"/>
+            <a:off x="4057611" y="934378"/>
             <a:ext cx="248920" cy="248920"/>
           </a:xfrm>
           <a:prstGeom prst="ellipse">
@@ -4483,23 +5180,23 @@
       </p:sp>
       <p:cxnSp>
         <p:nvCxnSpPr>
-          <p:cNvPr id="21" name="直接连接符 20">
-            <a:extLst>
-              <a:ext uri="{FF2B5EF4-FFF2-40B4-BE49-F238E27FC236}">
-                <a16:creationId xmlns:a16="http://schemas.microsoft.com/office/drawing/2014/main" id="{30A48B62-22F9-BDA1-693E-10EF36D8513F}"/>
+          <p:cNvPr id="185" name="直接连接符 184">
+            <a:extLst>
+              <a:ext uri="{FF2B5EF4-FFF2-40B4-BE49-F238E27FC236}">
+                <a16:creationId xmlns:a16="http://schemas.microsoft.com/office/drawing/2014/main" id="{ED590DC7-2E35-08EF-25A0-F138A3F1F1EA}"/>
               </a:ext>
             </a:extLst>
           </p:cNvPr>
           <p:cNvCxnSpPr>
             <a:cxnSpLocks/>
-            <a:stCxn id="23" idx="1"/>
-            <a:endCxn id="20" idx="5"/>
+            <a:stCxn id="187" idx="1"/>
+            <a:endCxn id="184" idx="5"/>
           </p:cNvCxnSpPr>
           <p:nvPr/>
         </p:nvCxnSpPr>
         <p:spPr>
           <a:xfrm flipH="1" flipV="1">
-            <a:off x="6038253" y="1999295"/>
+            <a:off x="4259929" y="1155939"/>
             <a:ext cx="120129" cy="338307"/>
           </a:xfrm>
           <a:prstGeom prst="line">
@@ -4523,23 +5220,23 @@
       </p:cxnSp>
       <p:cxnSp>
         <p:nvCxnSpPr>
-          <p:cNvPr id="22" name="直接连接符 21">
-            <a:extLst>
-              <a:ext uri="{FF2B5EF4-FFF2-40B4-BE49-F238E27FC236}">
-                <a16:creationId xmlns:a16="http://schemas.microsoft.com/office/drawing/2014/main" id="{E9E314C0-0B6E-CECB-8481-490F5AD0FF37}"/>
+          <p:cNvPr id="186" name="直接连接符 185">
+            <a:extLst>
+              <a:ext uri="{FF2B5EF4-FFF2-40B4-BE49-F238E27FC236}">
+                <a16:creationId xmlns:a16="http://schemas.microsoft.com/office/drawing/2014/main" id="{02348C44-3F7F-62F2-D0B2-7B8B87A67A9E}"/>
               </a:ext>
             </a:extLst>
           </p:cNvPr>
           <p:cNvCxnSpPr>
             <a:cxnSpLocks/>
-            <a:stCxn id="25" idx="6"/>
-            <a:endCxn id="20" idx="2"/>
+            <a:stCxn id="189" idx="6"/>
+            <a:endCxn id="184" idx="2"/>
           </p:cNvCxnSpPr>
           <p:nvPr/>
         </p:nvCxnSpPr>
         <p:spPr>
           <a:xfrm flipV="1">
-            <a:off x="5405521" y="1888587"/>
+            <a:off x="3627197" y="1045231"/>
             <a:ext cx="431160" cy="185066"/>
           </a:xfrm>
           <a:prstGeom prst="line">
@@ -4563,10 +5260,10 @@
       </p:cxnSp>
       <p:sp>
         <p:nvSpPr>
-          <p:cNvPr id="23" name="椭圆 22">
-            <a:extLst>
-              <a:ext uri="{FF2B5EF4-FFF2-40B4-BE49-F238E27FC236}">
-                <a16:creationId xmlns:a16="http://schemas.microsoft.com/office/drawing/2014/main" id="{E07C9B16-B3A5-F79A-9386-890D931901F9}"/>
+          <p:cNvPr id="187" name="椭圆 186">
+            <a:extLst>
+              <a:ext uri="{FF2B5EF4-FFF2-40B4-BE49-F238E27FC236}">
+                <a16:creationId xmlns:a16="http://schemas.microsoft.com/office/drawing/2014/main" id="{6FD2DDD5-7F49-FE2A-20A0-4F3ABB28C57D}"/>
               </a:ext>
             </a:extLst>
           </p:cNvPr>
@@ -4575,7 +5272,7 @@
         </p:nvSpPr>
         <p:spPr>
           <a:xfrm>
-            <a:off x="6121929" y="2301149"/>
+            <a:off x="4343605" y="1457793"/>
             <a:ext cx="248920" cy="248920"/>
           </a:xfrm>
           <a:prstGeom prst="ellipse">
@@ -4617,23 +5314,24 @@
       </p:sp>
       <p:cxnSp>
         <p:nvCxnSpPr>
-          <p:cNvPr id="24" name="直接连接符 23">
-            <a:extLst>
-              <a:ext uri="{FF2B5EF4-FFF2-40B4-BE49-F238E27FC236}">
-                <a16:creationId xmlns:a16="http://schemas.microsoft.com/office/drawing/2014/main" id="{09C62007-E8B3-6FC5-7799-3FF8AC656F7F}"/>
+          <p:cNvPr id="188" name="直接连接符 187">
+            <a:extLst>
+              <a:ext uri="{FF2B5EF4-FFF2-40B4-BE49-F238E27FC236}">
+                <a16:creationId xmlns:a16="http://schemas.microsoft.com/office/drawing/2014/main" id="{16E31B06-9B3B-F006-6C44-859B7D350FB4}"/>
               </a:ext>
             </a:extLst>
           </p:cNvPr>
           <p:cNvCxnSpPr>
             <a:cxnSpLocks/>
-            <a:endCxn id="23" idx="3"/>
+            <a:stCxn id="213" idx="0"/>
+            <a:endCxn id="187" idx="3"/>
           </p:cNvCxnSpPr>
           <p:nvPr/>
         </p:nvCxnSpPr>
         <p:spPr>
           <a:xfrm flipV="1">
-            <a:off x="6032118" y="2513616"/>
-            <a:ext cx="126264" cy="273786"/>
+            <a:off x="3982300" y="1670260"/>
+            <a:ext cx="397758" cy="409605"/>
           </a:xfrm>
           <a:prstGeom prst="line">
             <a:avLst/>
@@ -4656,10 +5354,10 @@
       </p:cxnSp>
       <p:sp>
         <p:nvSpPr>
-          <p:cNvPr id="25" name="椭圆 24">
-            <a:extLst>
-              <a:ext uri="{FF2B5EF4-FFF2-40B4-BE49-F238E27FC236}">
-                <a16:creationId xmlns:a16="http://schemas.microsoft.com/office/drawing/2014/main" id="{C7A49F79-702D-37D9-BBAB-79C6DD058EE4}"/>
+          <p:cNvPr id="189" name="椭圆 188">
+            <a:extLst>
+              <a:ext uri="{FF2B5EF4-FFF2-40B4-BE49-F238E27FC236}">
+                <a16:creationId xmlns:a16="http://schemas.microsoft.com/office/drawing/2014/main" id="{26453F8C-DA61-8319-F6AA-65714DB1F283}"/>
               </a:ext>
             </a:extLst>
           </p:cNvPr>
@@ -4668,7 +5366,7 @@
         </p:nvSpPr>
         <p:spPr>
           <a:xfrm rot="376585">
-            <a:off x="5157347" y="1935586"/>
+            <a:off x="3379023" y="1092230"/>
             <a:ext cx="248920" cy="248920"/>
           </a:xfrm>
           <a:prstGeom prst="ellipse">
@@ -4710,22 +5408,23 @@
       </p:sp>
       <p:cxnSp>
         <p:nvCxnSpPr>
-          <p:cNvPr id="26" name="直接连接符 25">
-            <a:extLst>
-              <a:ext uri="{FF2B5EF4-FFF2-40B4-BE49-F238E27FC236}">
-                <a16:creationId xmlns:a16="http://schemas.microsoft.com/office/drawing/2014/main" id="{64A2AC70-28AE-8C0E-DA36-D56FA68476C5}"/>
+          <p:cNvPr id="190" name="直接连接符 189">
+            <a:extLst>
+              <a:ext uri="{FF2B5EF4-FFF2-40B4-BE49-F238E27FC236}">
+                <a16:creationId xmlns:a16="http://schemas.microsoft.com/office/drawing/2014/main" id="{E4E08542-F2B6-EF17-E31F-7577B02DDCA6}"/>
               </a:ext>
             </a:extLst>
           </p:cNvPr>
           <p:cNvCxnSpPr>
             <a:cxnSpLocks/>
+            <a:stCxn id="213" idx="5"/>
           </p:cNvCxnSpPr>
           <p:nvPr/>
         </p:nvCxnSpPr>
         <p:spPr>
           <a:xfrm flipH="1" flipV="1">
-            <a:off x="4897356" y="2527943"/>
-            <a:ext cx="195843" cy="258007"/>
+            <a:off x="3119032" y="1684587"/>
+            <a:ext cx="572881" cy="395278"/>
           </a:xfrm>
           <a:prstGeom prst="line">
             <a:avLst/>
@@ -4748,10 +5447,10 @@
       </p:cxnSp>
       <p:sp>
         <p:nvSpPr>
-          <p:cNvPr id="27" name="矩形 26">
-            <a:extLst>
-              <a:ext uri="{FF2B5EF4-FFF2-40B4-BE49-F238E27FC236}">
-                <a16:creationId xmlns:a16="http://schemas.microsoft.com/office/drawing/2014/main" id="{35414615-00FB-7118-E38D-89558F5B33FF}"/>
+          <p:cNvPr id="191" name="矩形 190">
+            <a:extLst>
+              <a:ext uri="{FF2B5EF4-FFF2-40B4-BE49-F238E27FC236}">
+                <a16:creationId xmlns:a16="http://schemas.microsoft.com/office/drawing/2014/main" id="{7B6A0EBF-2CB2-6342-A0AA-377CBB06E2FD}"/>
               </a:ext>
             </a:extLst>
           </p:cNvPr>
@@ -4760,7 +5459,7 @@
         </p:nvSpPr>
         <p:spPr>
           <a:xfrm rot="376585">
-            <a:off x="4031367" y="1906450"/>
+            <a:off x="2253043" y="1063094"/>
             <a:ext cx="248920" cy="248920"/>
           </a:xfrm>
           <a:prstGeom prst="rect">
@@ -4802,10 +5501,10 @@
       </p:sp>
       <p:sp>
         <p:nvSpPr>
-          <p:cNvPr id="28" name="椭圆 27">
-            <a:extLst>
-              <a:ext uri="{FF2B5EF4-FFF2-40B4-BE49-F238E27FC236}">
-                <a16:creationId xmlns:a16="http://schemas.microsoft.com/office/drawing/2014/main" id="{E76AC3D6-1BE4-0ACB-4B3D-A3B2D2A26CF8}"/>
+          <p:cNvPr id="192" name="椭圆 191">
+            <a:extLst>
+              <a:ext uri="{FF2B5EF4-FFF2-40B4-BE49-F238E27FC236}">
+                <a16:creationId xmlns:a16="http://schemas.microsoft.com/office/drawing/2014/main" id="{A10BAE80-D6DD-A9DB-7990-D1772ED67D1A}"/>
               </a:ext>
             </a:extLst>
           </p:cNvPr>
@@ -4814,7 +5513,7 @@
         </p:nvSpPr>
         <p:spPr>
           <a:xfrm rot="376585">
-            <a:off x="4155081" y="2608869"/>
+            <a:off x="2376757" y="1765513"/>
             <a:ext cx="248920" cy="248920"/>
           </a:xfrm>
           <a:prstGeom prst="ellipse">
@@ -4854,12 +5553,212 @@
           </a:p>
         </p:txBody>
       </p:sp>
-      <p:sp>
-        <p:nvSpPr>
-          <p:cNvPr id="29" name="星形: 七角 28">
-            <a:extLst>
-              <a:ext uri="{FF2B5EF4-FFF2-40B4-BE49-F238E27FC236}">
-                <a16:creationId xmlns:a16="http://schemas.microsoft.com/office/drawing/2014/main" id="{81F4C874-1FBB-5608-DD98-042B814DEC98}"/>
+      <p:cxnSp>
+        <p:nvCxnSpPr>
+          <p:cNvPr id="193" name="直接连接符 192">
+            <a:extLst>
+              <a:ext uri="{FF2B5EF4-FFF2-40B4-BE49-F238E27FC236}">
+                <a16:creationId xmlns:a16="http://schemas.microsoft.com/office/drawing/2014/main" id="{CB49DDA4-1B77-9EF5-993B-77BBE5E5E27A}"/>
+              </a:ext>
+            </a:extLst>
+          </p:cNvPr>
+          <p:cNvCxnSpPr>
+            <a:cxnSpLocks/>
+            <a:stCxn id="192" idx="7"/>
+          </p:cNvCxnSpPr>
+          <p:nvPr/>
+        </p:nvCxnSpPr>
+        <p:spPr>
+          <a:xfrm flipV="1">
+            <a:off x="2598318" y="1665344"/>
+            <a:ext cx="345755" cy="146771"/>
+          </a:xfrm>
+          <a:prstGeom prst="line">
+            <a:avLst/>
+          </a:prstGeom>
+        </p:spPr>
+        <p:style>
+          <a:lnRef idx="3">
+            <a:schemeClr val="dk1"/>
+          </a:lnRef>
+          <a:fillRef idx="0">
+            <a:schemeClr val="dk1"/>
+          </a:fillRef>
+          <a:effectRef idx="2">
+            <a:schemeClr val="dk1"/>
+          </a:effectRef>
+          <a:fontRef idx="minor">
+            <a:schemeClr val="tx1"/>
+          </a:fontRef>
+        </p:style>
+      </p:cxnSp>
+      <p:cxnSp>
+        <p:nvCxnSpPr>
+          <p:cNvPr id="194" name="直接连接符 193">
+            <a:extLst>
+              <a:ext uri="{FF2B5EF4-FFF2-40B4-BE49-F238E27FC236}">
+                <a16:creationId xmlns:a16="http://schemas.microsoft.com/office/drawing/2014/main" id="{CD06D0BB-8EFA-01E9-0EE1-DE5CA54DC401}"/>
+              </a:ext>
+            </a:extLst>
+          </p:cNvPr>
+          <p:cNvCxnSpPr>
+            <a:cxnSpLocks/>
+          </p:cNvCxnSpPr>
+          <p:nvPr/>
+        </p:nvCxnSpPr>
+        <p:spPr>
+          <a:xfrm flipH="1" flipV="1">
+            <a:off x="2501217" y="1201161"/>
+            <a:ext cx="462099" cy="289224"/>
+          </a:xfrm>
+          <a:prstGeom prst="line">
+            <a:avLst/>
+          </a:prstGeom>
+        </p:spPr>
+        <p:style>
+          <a:lnRef idx="3">
+            <a:schemeClr val="dk1"/>
+          </a:lnRef>
+          <a:fillRef idx="0">
+            <a:schemeClr val="dk1"/>
+          </a:fillRef>
+          <a:effectRef idx="2">
+            <a:schemeClr val="dk1"/>
+          </a:effectRef>
+          <a:fontRef idx="minor">
+            <a:schemeClr val="tx1"/>
+          </a:fontRef>
+        </p:style>
+      </p:cxnSp>
+      <p:cxnSp>
+        <p:nvCxnSpPr>
+          <p:cNvPr id="195" name="直接连接符 194">
+            <a:extLst>
+              <a:ext uri="{FF2B5EF4-FFF2-40B4-BE49-F238E27FC236}">
+                <a16:creationId xmlns:a16="http://schemas.microsoft.com/office/drawing/2014/main" id="{4748B1C4-5DA1-E4E4-C2D4-A56E1BAA7F0F}"/>
+              </a:ext>
+            </a:extLst>
+          </p:cNvPr>
+          <p:cNvCxnSpPr>
+            <a:cxnSpLocks/>
+            <a:endCxn id="189" idx="3"/>
+          </p:cNvCxnSpPr>
+          <p:nvPr/>
+        </p:nvCxnSpPr>
+        <p:spPr>
+          <a:xfrm flipV="1">
+            <a:off x="3138275" y="1294548"/>
+            <a:ext cx="268107" cy="215080"/>
+          </a:xfrm>
+          <a:prstGeom prst="line">
+            <a:avLst/>
+          </a:prstGeom>
+        </p:spPr>
+        <p:style>
+          <a:lnRef idx="3">
+            <a:schemeClr val="dk1"/>
+          </a:lnRef>
+          <a:fillRef idx="0">
+            <a:schemeClr val="dk1"/>
+          </a:fillRef>
+          <a:effectRef idx="2">
+            <a:schemeClr val="dk1"/>
+          </a:effectRef>
+          <a:fontRef idx="minor">
+            <a:schemeClr val="tx1"/>
+          </a:fontRef>
+        </p:style>
+      </p:cxnSp>
+      <p:cxnSp>
+        <p:nvCxnSpPr>
+          <p:cNvPr id="196" name="直接连接符 195">
+            <a:extLst>
+              <a:ext uri="{FF2B5EF4-FFF2-40B4-BE49-F238E27FC236}">
+                <a16:creationId xmlns:a16="http://schemas.microsoft.com/office/drawing/2014/main" id="{13417B45-A4DE-3F6B-6FB9-485443EEF6B7}"/>
+              </a:ext>
+            </a:extLst>
+          </p:cNvPr>
+          <p:cNvCxnSpPr>
+            <a:cxnSpLocks/>
+            <a:stCxn id="182" idx="5"/>
+            <a:endCxn id="192" idx="2"/>
+          </p:cNvCxnSpPr>
+          <p:nvPr/>
+        </p:nvCxnSpPr>
+        <p:spPr>
+          <a:xfrm>
+            <a:off x="1946297" y="1554894"/>
+            <a:ext cx="431206" cy="321472"/>
+          </a:xfrm>
+          <a:prstGeom prst="line">
+            <a:avLst/>
+          </a:prstGeom>
+        </p:spPr>
+        <p:style>
+          <a:lnRef idx="3">
+            <a:schemeClr val="dk1"/>
+          </a:lnRef>
+          <a:fillRef idx="0">
+            <a:schemeClr val="dk1"/>
+          </a:fillRef>
+          <a:effectRef idx="2">
+            <a:schemeClr val="dk1"/>
+          </a:effectRef>
+          <a:fontRef idx="minor">
+            <a:schemeClr val="tx1"/>
+          </a:fontRef>
+        </p:style>
+      </p:cxnSp>
+      <p:cxnSp>
+        <p:nvCxnSpPr>
+          <p:cNvPr id="197" name="直接连接符 196">
+            <a:extLst>
+              <a:ext uri="{FF2B5EF4-FFF2-40B4-BE49-F238E27FC236}">
+                <a16:creationId xmlns:a16="http://schemas.microsoft.com/office/drawing/2014/main" id="{409747DA-9379-5694-A1A1-F918D1BE2D8E}"/>
+              </a:ext>
+            </a:extLst>
+          </p:cNvPr>
+          <p:cNvCxnSpPr>
+            <a:cxnSpLocks/>
+            <a:stCxn id="182" idx="0"/>
+            <a:endCxn id="181" idx="4"/>
+          </p:cNvCxnSpPr>
+          <p:nvPr/>
+        </p:nvCxnSpPr>
+        <p:spPr>
+          <a:xfrm flipH="1" flipV="1">
+            <a:off x="1804872" y="857583"/>
+            <a:ext cx="77174" cy="476496"/>
+          </a:xfrm>
+          <a:prstGeom prst="line">
+            <a:avLst/>
+          </a:prstGeom>
+          <a:ln>
+            <a:headEnd type="none" w="med" len="med"/>
+            <a:tailEnd type="none" w="med" len="med"/>
+          </a:ln>
+        </p:spPr>
+        <p:style>
+          <a:lnRef idx="3">
+            <a:schemeClr val="dk1"/>
+          </a:lnRef>
+          <a:fillRef idx="0">
+            <a:schemeClr val="dk1"/>
+          </a:fillRef>
+          <a:effectRef idx="2">
+            <a:schemeClr val="dk1"/>
+          </a:effectRef>
+          <a:fontRef idx="minor">
+            <a:schemeClr val="tx1"/>
+          </a:fontRef>
+        </p:style>
+      </p:cxnSp>
+      <p:sp>
+        <p:nvSpPr>
+          <p:cNvPr id="198" name="矩形 197">
+            <a:extLst>
+              <a:ext uri="{FF2B5EF4-FFF2-40B4-BE49-F238E27FC236}">
+                <a16:creationId xmlns:a16="http://schemas.microsoft.com/office/drawing/2014/main" id="{8370D534-53F4-64E5-E156-7B3E3B64D8CE}"/>
               </a:ext>
             </a:extLst>
           </p:cNvPr>
@@ -4868,7 +5767,234 @@
         </p:nvSpPr>
         <p:spPr>
           <a:xfrm>
-            <a:off x="4681332" y="2262650"/>
+            <a:off x="3054035" y="608663"/>
+            <a:ext cx="248920" cy="248920"/>
+          </a:xfrm>
+          <a:prstGeom prst="rect">
+            <a:avLst/>
+          </a:prstGeom>
+          <a:solidFill>
+            <a:srgbClr val="FF9933"/>
+          </a:solidFill>
+          <a:ln w="19050">
+            <a:solidFill>
+              <a:schemeClr val="tx1"/>
+            </a:solidFill>
+          </a:ln>
+        </p:spPr>
+        <p:style>
+          <a:lnRef idx="2">
+            <a:schemeClr val="accent1">
+              <a:shade val="50000"/>
+            </a:schemeClr>
+          </a:lnRef>
+          <a:fillRef idx="1">
+            <a:schemeClr val="accent1"/>
+          </a:fillRef>
+          <a:effectRef idx="0">
+            <a:schemeClr val="accent1"/>
+          </a:effectRef>
+          <a:fontRef idx="minor">
+            <a:schemeClr val="lt1"/>
+          </a:fontRef>
+        </p:style>
+        <p:txBody>
+          <a:bodyPr rtlCol="0" anchor="ctr"/>
+          <a:lstStyle/>
+          <a:p>
+            <a:pPr algn="ctr"/>
+            <a:endParaRPr lang="zh-CN" altLang="en-US"/>
+          </a:p>
+        </p:txBody>
+      </p:sp>
+      <p:cxnSp>
+        <p:nvCxnSpPr>
+          <p:cNvPr id="199" name="直接连接符 198">
+            <a:extLst>
+              <a:ext uri="{FF2B5EF4-FFF2-40B4-BE49-F238E27FC236}">
+                <a16:creationId xmlns:a16="http://schemas.microsoft.com/office/drawing/2014/main" id="{6A48C175-046A-CD81-DF07-9E2F87B5C0EC}"/>
+              </a:ext>
+            </a:extLst>
+          </p:cNvPr>
+          <p:cNvCxnSpPr>
+            <a:cxnSpLocks/>
+            <a:endCxn id="198" idx="2"/>
+          </p:cNvCxnSpPr>
+          <p:nvPr/>
+        </p:nvCxnSpPr>
+        <p:spPr>
+          <a:xfrm flipV="1">
+            <a:off x="3054781" y="857583"/>
+            <a:ext cx="123714" cy="606189"/>
+          </a:xfrm>
+          <a:prstGeom prst="line">
+            <a:avLst/>
+          </a:prstGeom>
+        </p:spPr>
+        <p:style>
+          <a:lnRef idx="3">
+            <a:schemeClr val="dk1"/>
+          </a:lnRef>
+          <a:fillRef idx="0">
+            <a:schemeClr val="dk1"/>
+          </a:fillRef>
+          <a:effectRef idx="2">
+            <a:schemeClr val="dk1"/>
+          </a:effectRef>
+          <a:fontRef idx="minor">
+            <a:schemeClr val="tx1"/>
+          </a:fontRef>
+        </p:style>
+      </p:cxnSp>
+      <p:cxnSp>
+        <p:nvCxnSpPr>
+          <p:cNvPr id="200" name="直接连接符 199">
+            <a:extLst>
+              <a:ext uri="{FF2B5EF4-FFF2-40B4-BE49-F238E27FC236}">
+                <a16:creationId xmlns:a16="http://schemas.microsoft.com/office/drawing/2014/main" id="{179C0187-14AA-808F-2540-54CD01A7C6FD}"/>
+              </a:ext>
+            </a:extLst>
+          </p:cNvPr>
+          <p:cNvCxnSpPr>
+            <a:cxnSpLocks/>
+            <a:stCxn id="184" idx="1"/>
+            <a:endCxn id="198" idx="3"/>
+          </p:cNvCxnSpPr>
+          <p:nvPr/>
+        </p:nvCxnSpPr>
+        <p:spPr>
+          <a:xfrm flipH="1" flipV="1">
+            <a:off x="3302955" y="733123"/>
+            <a:ext cx="801258" cy="228614"/>
+          </a:xfrm>
+          <a:prstGeom prst="line">
+            <a:avLst/>
+          </a:prstGeom>
+        </p:spPr>
+        <p:style>
+          <a:lnRef idx="3">
+            <a:schemeClr val="dk1"/>
+          </a:lnRef>
+          <a:fillRef idx="0">
+            <a:schemeClr val="dk1"/>
+          </a:fillRef>
+          <a:effectRef idx="2">
+            <a:schemeClr val="dk1"/>
+          </a:effectRef>
+          <a:fontRef idx="minor">
+            <a:schemeClr val="tx1"/>
+          </a:fontRef>
+        </p:style>
+      </p:cxnSp>
+      <p:sp>
+        <p:nvSpPr>
+          <p:cNvPr id="201" name="矩形 200">
+            <a:extLst>
+              <a:ext uri="{FF2B5EF4-FFF2-40B4-BE49-F238E27FC236}">
+                <a16:creationId xmlns:a16="http://schemas.microsoft.com/office/drawing/2014/main" id="{E8A33DE9-799C-F59F-E373-009D1B827004}"/>
+              </a:ext>
+            </a:extLst>
+          </p:cNvPr>
+          <p:cNvSpPr/>
+          <p:nvPr/>
+        </p:nvSpPr>
+        <p:spPr>
+          <a:xfrm>
+            <a:off x="491771" y="1600347"/>
+            <a:ext cx="248920" cy="248920"/>
+          </a:xfrm>
+          <a:prstGeom prst="rect">
+            <a:avLst/>
+          </a:prstGeom>
+          <a:solidFill>
+            <a:srgbClr val="B7F1FF"/>
+          </a:solidFill>
+          <a:ln w="19050">
+            <a:solidFill>
+              <a:schemeClr val="tx1"/>
+            </a:solidFill>
+          </a:ln>
+        </p:spPr>
+        <p:style>
+          <a:lnRef idx="2">
+            <a:schemeClr val="accent1">
+              <a:shade val="50000"/>
+            </a:schemeClr>
+          </a:lnRef>
+          <a:fillRef idx="1">
+            <a:schemeClr val="accent1"/>
+          </a:fillRef>
+          <a:effectRef idx="0">
+            <a:schemeClr val="accent1"/>
+          </a:effectRef>
+          <a:fontRef idx="minor">
+            <a:schemeClr val="lt1"/>
+          </a:fontRef>
+        </p:style>
+        <p:txBody>
+          <a:bodyPr rtlCol="0" anchor="ctr"/>
+          <a:lstStyle/>
+          <a:p>
+            <a:pPr algn="ctr"/>
+            <a:endParaRPr lang="zh-CN" altLang="en-US"/>
+          </a:p>
+        </p:txBody>
+      </p:sp>
+      <p:cxnSp>
+        <p:nvCxnSpPr>
+          <p:cNvPr id="202" name="直接连接符 201">
+            <a:extLst>
+              <a:ext uri="{FF2B5EF4-FFF2-40B4-BE49-F238E27FC236}">
+                <a16:creationId xmlns:a16="http://schemas.microsoft.com/office/drawing/2014/main" id="{9AEB9509-D575-63CC-0033-89FAEA6957F6}"/>
+              </a:ext>
+            </a:extLst>
+          </p:cNvPr>
+          <p:cNvCxnSpPr>
+            <a:cxnSpLocks/>
+            <a:stCxn id="201" idx="3"/>
+            <a:endCxn id="177" idx="2"/>
+          </p:cNvCxnSpPr>
+          <p:nvPr/>
+        </p:nvCxnSpPr>
+        <p:spPr>
+          <a:xfrm>
+            <a:off x="740691" y="1724807"/>
+            <a:ext cx="471702" cy="8848"/>
+          </a:xfrm>
+          <a:prstGeom prst="line">
+            <a:avLst/>
+          </a:prstGeom>
+        </p:spPr>
+        <p:style>
+          <a:lnRef idx="3">
+            <a:schemeClr val="dk1"/>
+          </a:lnRef>
+          <a:fillRef idx="0">
+            <a:schemeClr val="dk1"/>
+          </a:fillRef>
+          <a:effectRef idx="2">
+            <a:schemeClr val="dk1"/>
+          </a:effectRef>
+          <a:fontRef idx="minor">
+            <a:schemeClr val="tx1"/>
+          </a:fontRef>
+        </p:style>
+      </p:cxnSp>
+      <p:sp>
+        <p:nvSpPr>
+          <p:cNvPr id="203" name="星形: 七角 202">
+            <a:extLst>
+              <a:ext uri="{FF2B5EF4-FFF2-40B4-BE49-F238E27FC236}">
+                <a16:creationId xmlns:a16="http://schemas.microsoft.com/office/drawing/2014/main" id="{253D7B89-35C6-1A5A-5EFC-AB188F48A04D}"/>
+              </a:ext>
+            </a:extLst>
+          </p:cNvPr>
+          <p:cNvSpPr/>
+          <p:nvPr/>
+        </p:nvSpPr>
+        <p:spPr>
+          <a:xfrm>
+            <a:off x="590891" y="1003820"/>
             <a:ext cx="362105" cy="362105"/>
           </a:xfrm>
           <a:prstGeom prst="star7">
@@ -4925,647 +6051,28 @@
           </a:p>
         </p:txBody>
       </p:sp>
-      <p:cxnSp>
-        <p:nvCxnSpPr>
-          <p:cNvPr id="30" name="直接连接符 29">
-            <a:extLst>
-              <a:ext uri="{FF2B5EF4-FFF2-40B4-BE49-F238E27FC236}">
-                <a16:creationId xmlns:a16="http://schemas.microsoft.com/office/drawing/2014/main" id="{FBCEA36C-DA41-A728-CF9C-F17DF17E7162}"/>
-              </a:ext>
-            </a:extLst>
-          </p:cNvPr>
-          <p:cNvCxnSpPr>
-            <a:cxnSpLocks/>
-            <a:stCxn id="28" idx="7"/>
-          </p:cNvCxnSpPr>
-          <p:nvPr/>
-        </p:nvCxnSpPr>
-        <p:spPr>
-          <a:xfrm flipV="1">
-            <a:off x="4376642" y="2508700"/>
-            <a:ext cx="345755" cy="146771"/>
-          </a:xfrm>
-          <a:prstGeom prst="line">
-            <a:avLst/>
-          </a:prstGeom>
-        </p:spPr>
-        <p:style>
-          <a:lnRef idx="3">
-            <a:schemeClr val="dk1"/>
-          </a:lnRef>
-          <a:fillRef idx="0">
-            <a:schemeClr val="dk1"/>
-          </a:fillRef>
-          <a:effectRef idx="2">
-            <a:schemeClr val="dk1"/>
-          </a:effectRef>
-          <a:fontRef idx="minor">
-            <a:schemeClr val="tx1"/>
-          </a:fontRef>
-        </p:style>
-      </p:cxnSp>
-      <p:cxnSp>
-        <p:nvCxnSpPr>
-          <p:cNvPr id="31" name="直接连接符 30">
-            <a:extLst>
-              <a:ext uri="{FF2B5EF4-FFF2-40B4-BE49-F238E27FC236}">
-                <a16:creationId xmlns:a16="http://schemas.microsoft.com/office/drawing/2014/main" id="{08C5B80A-6568-F009-2438-94C28149C8F5}"/>
-              </a:ext>
-            </a:extLst>
-          </p:cNvPr>
-          <p:cNvCxnSpPr>
-            <a:cxnSpLocks/>
-          </p:cNvCxnSpPr>
-          <p:nvPr/>
-        </p:nvCxnSpPr>
-        <p:spPr>
-          <a:xfrm flipH="1" flipV="1">
-            <a:off x="4279541" y="2044517"/>
-            <a:ext cx="462099" cy="289224"/>
-          </a:xfrm>
-          <a:prstGeom prst="line">
-            <a:avLst/>
-          </a:prstGeom>
-        </p:spPr>
-        <p:style>
-          <a:lnRef idx="3">
-            <a:schemeClr val="dk1"/>
-          </a:lnRef>
-          <a:fillRef idx="0">
-            <a:schemeClr val="dk1"/>
-          </a:fillRef>
-          <a:effectRef idx="2">
-            <a:schemeClr val="dk1"/>
-          </a:effectRef>
-          <a:fontRef idx="minor">
-            <a:schemeClr val="tx1"/>
-          </a:fontRef>
-        </p:style>
-      </p:cxnSp>
-      <p:cxnSp>
-        <p:nvCxnSpPr>
-          <p:cNvPr id="32" name="直接连接符 31">
-            <a:extLst>
-              <a:ext uri="{FF2B5EF4-FFF2-40B4-BE49-F238E27FC236}">
-                <a16:creationId xmlns:a16="http://schemas.microsoft.com/office/drawing/2014/main" id="{5AC2D025-02F2-B1AE-C6E1-DC9DD039DC85}"/>
-              </a:ext>
-            </a:extLst>
-          </p:cNvPr>
-          <p:cNvCxnSpPr>
-            <a:cxnSpLocks/>
-            <a:endCxn id="25" idx="3"/>
-          </p:cNvCxnSpPr>
-          <p:nvPr/>
-        </p:nvCxnSpPr>
-        <p:spPr>
-          <a:xfrm flipV="1">
-            <a:off x="4916599" y="2137904"/>
-            <a:ext cx="268107" cy="215080"/>
-          </a:xfrm>
-          <a:prstGeom prst="line">
-            <a:avLst/>
-          </a:prstGeom>
-        </p:spPr>
-        <p:style>
-          <a:lnRef idx="3">
-            <a:schemeClr val="dk1"/>
-          </a:lnRef>
-          <a:fillRef idx="0">
-            <a:schemeClr val="dk1"/>
-          </a:fillRef>
-          <a:effectRef idx="2">
-            <a:schemeClr val="dk1"/>
-          </a:effectRef>
-          <a:fontRef idx="minor">
-            <a:schemeClr val="tx1"/>
-          </a:fontRef>
-        </p:style>
-      </p:cxnSp>
-      <p:cxnSp>
-        <p:nvCxnSpPr>
-          <p:cNvPr id="33" name="直接连接符 32">
-            <a:extLst>
-              <a:ext uri="{FF2B5EF4-FFF2-40B4-BE49-F238E27FC236}">
-                <a16:creationId xmlns:a16="http://schemas.microsoft.com/office/drawing/2014/main" id="{27E2BD6E-ED85-6AA5-B394-9B47FE1D0AC3}"/>
-              </a:ext>
-            </a:extLst>
-          </p:cNvPr>
-          <p:cNvCxnSpPr>
-            <a:cxnSpLocks/>
-            <a:stCxn id="18" idx="5"/>
-            <a:endCxn id="28" idx="2"/>
-          </p:cNvCxnSpPr>
-          <p:nvPr/>
-        </p:nvCxnSpPr>
+      <p:sp>
+        <p:nvSpPr>
+          <p:cNvPr id="204" name="星形: 七角 203">
+            <a:extLst>
+              <a:ext uri="{FF2B5EF4-FFF2-40B4-BE49-F238E27FC236}">
+                <a16:creationId xmlns:a16="http://schemas.microsoft.com/office/drawing/2014/main" id="{4628E702-9BF6-C50F-ED64-FE7E19666F01}"/>
+              </a:ext>
+            </a:extLst>
+          </p:cNvPr>
+          <p:cNvSpPr/>
+          <p:nvPr/>
+        </p:nvSpPr>
         <p:spPr>
           <a:xfrm>
-            <a:off x="3724621" y="2398250"/>
-            <a:ext cx="431206" cy="321472"/>
-          </a:xfrm>
-          <a:prstGeom prst="line">
-            <a:avLst/>
-          </a:prstGeom>
-        </p:spPr>
-        <p:style>
-          <a:lnRef idx="3">
-            <a:schemeClr val="dk1"/>
-          </a:lnRef>
-          <a:fillRef idx="0">
-            <a:schemeClr val="dk1"/>
-          </a:fillRef>
-          <a:effectRef idx="2">
-            <a:schemeClr val="dk1"/>
-          </a:effectRef>
-          <a:fontRef idx="minor">
-            <a:schemeClr val="tx1"/>
-          </a:fontRef>
-        </p:style>
-      </p:cxnSp>
-      <p:cxnSp>
-        <p:nvCxnSpPr>
-          <p:cNvPr id="34" name="直接连接符 33">
-            <a:extLst>
-              <a:ext uri="{FF2B5EF4-FFF2-40B4-BE49-F238E27FC236}">
-                <a16:creationId xmlns:a16="http://schemas.microsoft.com/office/drawing/2014/main" id="{0AC6850C-25B4-046F-AA6E-9652DF5EFBE8}"/>
-              </a:ext>
-            </a:extLst>
-          </p:cNvPr>
-          <p:cNvCxnSpPr>
-            <a:cxnSpLocks/>
-            <a:stCxn id="18" idx="0"/>
-            <a:endCxn id="17" idx="4"/>
-          </p:cNvCxnSpPr>
-          <p:nvPr/>
-        </p:nvCxnSpPr>
-        <p:spPr>
-          <a:xfrm flipH="1" flipV="1">
-            <a:off x="3583196" y="1700939"/>
-            <a:ext cx="77174" cy="476496"/>
-          </a:xfrm>
-          <a:prstGeom prst="line">
-            <a:avLst/>
-          </a:prstGeom>
-          <a:ln>
-            <a:headEnd type="none" w="med" len="med"/>
-            <a:tailEnd type="none" w="med" len="med"/>
-          </a:ln>
-        </p:spPr>
-        <p:style>
-          <a:lnRef idx="3">
-            <a:schemeClr val="dk1"/>
-          </a:lnRef>
-          <a:fillRef idx="0">
-            <a:schemeClr val="dk1"/>
-          </a:fillRef>
-          <a:effectRef idx="2">
-            <a:schemeClr val="dk1"/>
-          </a:effectRef>
-          <a:fontRef idx="minor">
-            <a:schemeClr val="tx1"/>
-          </a:fontRef>
-        </p:style>
-      </p:cxnSp>
-      <p:sp>
-        <p:nvSpPr>
-          <p:cNvPr id="35" name="矩形 34">
-            <a:extLst>
-              <a:ext uri="{FF2B5EF4-FFF2-40B4-BE49-F238E27FC236}">
-                <a16:creationId xmlns:a16="http://schemas.microsoft.com/office/drawing/2014/main" id="{E90E4464-5B16-EBCD-CED0-11D786A903A7}"/>
-              </a:ext>
-            </a:extLst>
-          </p:cNvPr>
-          <p:cNvSpPr/>
-          <p:nvPr/>
-        </p:nvSpPr>
-        <p:spPr>
-          <a:xfrm>
-            <a:off x="4832359" y="1452019"/>
-            <a:ext cx="248920" cy="248920"/>
-          </a:xfrm>
-          <a:prstGeom prst="rect">
+            <a:off x="995690" y="570219"/>
+            <a:ext cx="362105" cy="362105"/>
+          </a:xfrm>
+          <a:prstGeom prst="star7">
             <a:avLst/>
           </a:prstGeom>
           <a:solidFill>
             <a:srgbClr val="FF9933"/>
-          </a:solidFill>
-          <a:ln w="19050">
-            <a:solidFill>
-              <a:schemeClr val="tx1"/>
-            </a:solidFill>
-          </a:ln>
-        </p:spPr>
-        <p:style>
-          <a:lnRef idx="2">
-            <a:schemeClr val="accent1">
-              <a:shade val="50000"/>
-            </a:schemeClr>
-          </a:lnRef>
-          <a:fillRef idx="1">
-            <a:schemeClr val="accent1"/>
-          </a:fillRef>
-          <a:effectRef idx="0">
-            <a:schemeClr val="accent1"/>
-          </a:effectRef>
-          <a:fontRef idx="minor">
-            <a:schemeClr val="lt1"/>
-          </a:fontRef>
-        </p:style>
-        <p:txBody>
-          <a:bodyPr rtlCol="0" anchor="ctr"/>
-          <a:lstStyle/>
-          <a:p>
-            <a:pPr algn="ctr"/>
-            <a:endParaRPr lang="zh-CN" altLang="en-US"/>
-          </a:p>
-        </p:txBody>
-      </p:sp>
-      <p:cxnSp>
-        <p:nvCxnSpPr>
-          <p:cNvPr id="36" name="直接连接符 35">
-            <a:extLst>
-              <a:ext uri="{FF2B5EF4-FFF2-40B4-BE49-F238E27FC236}">
-                <a16:creationId xmlns:a16="http://schemas.microsoft.com/office/drawing/2014/main" id="{002BFA08-7C26-E03F-394B-C0CDACC562A6}"/>
-              </a:ext>
-            </a:extLst>
-          </p:cNvPr>
-          <p:cNvCxnSpPr>
-            <a:cxnSpLocks/>
-            <a:endCxn id="35" idx="2"/>
-          </p:cNvCxnSpPr>
-          <p:nvPr/>
-        </p:nvCxnSpPr>
-        <p:spPr>
-          <a:xfrm flipV="1">
-            <a:off x="4833105" y="1700939"/>
-            <a:ext cx="123714" cy="606189"/>
-          </a:xfrm>
-          <a:prstGeom prst="line">
-            <a:avLst/>
-          </a:prstGeom>
-        </p:spPr>
-        <p:style>
-          <a:lnRef idx="3">
-            <a:schemeClr val="dk1"/>
-          </a:lnRef>
-          <a:fillRef idx="0">
-            <a:schemeClr val="dk1"/>
-          </a:fillRef>
-          <a:effectRef idx="2">
-            <a:schemeClr val="dk1"/>
-          </a:effectRef>
-          <a:fontRef idx="minor">
-            <a:schemeClr val="tx1"/>
-          </a:fontRef>
-        </p:style>
-      </p:cxnSp>
-      <p:cxnSp>
-        <p:nvCxnSpPr>
-          <p:cNvPr id="37" name="直接连接符 36">
-            <a:extLst>
-              <a:ext uri="{FF2B5EF4-FFF2-40B4-BE49-F238E27FC236}">
-                <a16:creationId xmlns:a16="http://schemas.microsoft.com/office/drawing/2014/main" id="{D4583203-188C-E78C-5B01-F7137846EFD0}"/>
-              </a:ext>
-            </a:extLst>
-          </p:cNvPr>
-          <p:cNvCxnSpPr>
-            <a:cxnSpLocks/>
-            <a:stCxn id="20" idx="1"/>
-            <a:endCxn id="35" idx="3"/>
-          </p:cNvCxnSpPr>
-          <p:nvPr/>
-        </p:nvCxnSpPr>
-        <p:spPr>
-          <a:xfrm flipH="1" flipV="1">
-            <a:off x="5081279" y="1576479"/>
-            <a:ext cx="801258" cy="228614"/>
-          </a:xfrm>
-          <a:prstGeom prst="line">
-            <a:avLst/>
-          </a:prstGeom>
-        </p:spPr>
-        <p:style>
-          <a:lnRef idx="3">
-            <a:schemeClr val="dk1"/>
-          </a:lnRef>
-          <a:fillRef idx="0">
-            <a:schemeClr val="dk1"/>
-          </a:fillRef>
-          <a:effectRef idx="2">
-            <a:schemeClr val="dk1"/>
-          </a:effectRef>
-          <a:fontRef idx="minor">
-            <a:schemeClr val="tx1"/>
-          </a:fontRef>
-        </p:style>
-      </p:cxnSp>
-      <p:sp>
-        <p:nvSpPr>
-          <p:cNvPr id="38" name="矩形 37">
-            <a:extLst>
-              <a:ext uri="{FF2B5EF4-FFF2-40B4-BE49-F238E27FC236}">
-                <a16:creationId xmlns:a16="http://schemas.microsoft.com/office/drawing/2014/main" id="{FA27381B-5678-FDF2-C68C-30D226CC9234}"/>
-              </a:ext>
-            </a:extLst>
-          </p:cNvPr>
-          <p:cNvSpPr/>
-          <p:nvPr/>
-        </p:nvSpPr>
-        <p:spPr>
-          <a:xfrm>
-            <a:off x="2270095" y="2443703"/>
-            <a:ext cx="248920" cy="248920"/>
-          </a:xfrm>
-          <a:prstGeom prst="rect">
-            <a:avLst/>
-          </a:prstGeom>
-          <a:solidFill>
-            <a:srgbClr val="B7F1FF"/>
-          </a:solidFill>
-          <a:ln w="19050">
-            <a:solidFill>
-              <a:schemeClr val="tx1"/>
-            </a:solidFill>
-          </a:ln>
-        </p:spPr>
-        <p:style>
-          <a:lnRef idx="2">
-            <a:schemeClr val="accent1">
-              <a:shade val="50000"/>
-            </a:schemeClr>
-          </a:lnRef>
-          <a:fillRef idx="1">
-            <a:schemeClr val="accent1"/>
-          </a:fillRef>
-          <a:effectRef idx="0">
-            <a:schemeClr val="accent1"/>
-          </a:effectRef>
-          <a:fontRef idx="minor">
-            <a:schemeClr val="lt1"/>
-          </a:fontRef>
-        </p:style>
-        <p:txBody>
-          <a:bodyPr rtlCol="0" anchor="ctr"/>
-          <a:lstStyle/>
-          <a:p>
-            <a:pPr algn="ctr"/>
-            <a:endParaRPr lang="zh-CN" altLang="en-US"/>
-          </a:p>
-        </p:txBody>
-      </p:sp>
-      <p:cxnSp>
-        <p:nvCxnSpPr>
-          <p:cNvPr id="39" name="直接连接符 38">
-            <a:extLst>
-              <a:ext uri="{FF2B5EF4-FFF2-40B4-BE49-F238E27FC236}">
-                <a16:creationId xmlns:a16="http://schemas.microsoft.com/office/drawing/2014/main" id="{4F218D5D-DC21-E5AB-18C0-7AB6683F6D0A}"/>
-              </a:ext>
-            </a:extLst>
-          </p:cNvPr>
-          <p:cNvCxnSpPr>
-            <a:cxnSpLocks/>
-            <a:stCxn id="38" idx="3"/>
-            <a:endCxn id="13" idx="2"/>
-          </p:cNvCxnSpPr>
-          <p:nvPr/>
-        </p:nvCxnSpPr>
-        <p:spPr>
-          <a:xfrm>
-            <a:off x="2519015" y="2568163"/>
-            <a:ext cx="471702" cy="8848"/>
-          </a:xfrm>
-          <a:prstGeom prst="line">
-            <a:avLst/>
-          </a:prstGeom>
-        </p:spPr>
-        <p:style>
-          <a:lnRef idx="3">
-            <a:schemeClr val="dk1"/>
-          </a:lnRef>
-          <a:fillRef idx="0">
-            <a:schemeClr val="dk1"/>
-          </a:fillRef>
-          <a:effectRef idx="2">
-            <a:schemeClr val="dk1"/>
-          </a:effectRef>
-          <a:fontRef idx="minor">
-            <a:schemeClr val="tx1"/>
-          </a:fontRef>
-        </p:style>
-      </p:cxnSp>
-      <p:sp>
-        <p:nvSpPr>
-          <p:cNvPr id="42" name="椭圆 41">
-            <a:extLst>
-              <a:ext uri="{FF2B5EF4-FFF2-40B4-BE49-F238E27FC236}">
-                <a16:creationId xmlns:a16="http://schemas.microsoft.com/office/drawing/2014/main" id="{C9F88428-1114-FDF8-D04D-6A16FA31A44C}"/>
-              </a:ext>
-            </a:extLst>
-          </p:cNvPr>
-          <p:cNvSpPr/>
-          <p:nvPr/>
-        </p:nvSpPr>
-        <p:spPr>
-          <a:xfrm>
-            <a:off x="7694344" y="1423599"/>
-            <a:ext cx="248920" cy="248920"/>
-          </a:xfrm>
-          <a:prstGeom prst="ellipse">
-            <a:avLst/>
-          </a:prstGeom>
-          <a:solidFill>
-            <a:srgbClr val="FF9933"/>
-          </a:solidFill>
-          <a:ln w="19050">
-            <a:solidFill>
-              <a:schemeClr val="tx1"/>
-            </a:solidFill>
-          </a:ln>
-        </p:spPr>
-        <p:style>
-          <a:lnRef idx="2">
-            <a:schemeClr val="accent1">
-              <a:shade val="50000"/>
-            </a:schemeClr>
-          </a:lnRef>
-          <a:fillRef idx="1">
-            <a:schemeClr val="accent1"/>
-          </a:fillRef>
-          <a:effectRef idx="0">
-            <a:schemeClr val="accent1"/>
-          </a:effectRef>
-          <a:fontRef idx="minor">
-            <a:schemeClr val="lt1"/>
-          </a:fontRef>
-        </p:style>
-        <p:txBody>
-          <a:bodyPr rtlCol="0" anchor="ctr"/>
-          <a:lstStyle/>
-          <a:p>
-            <a:pPr algn="ctr"/>
-            <a:endParaRPr lang="zh-CN" altLang="en-US" b="1">
-              <a:solidFill>
-                <a:schemeClr val="tx1"/>
-              </a:solidFill>
-            </a:endParaRPr>
-          </a:p>
-        </p:txBody>
-      </p:sp>
-      <p:sp>
-        <p:nvSpPr>
-          <p:cNvPr id="43" name="椭圆 42">
-            <a:extLst>
-              <a:ext uri="{FF2B5EF4-FFF2-40B4-BE49-F238E27FC236}">
-                <a16:creationId xmlns:a16="http://schemas.microsoft.com/office/drawing/2014/main" id="{29EFBFB3-87EC-2B63-AF38-0D701B247783}"/>
-              </a:ext>
-            </a:extLst>
-          </p:cNvPr>
-          <p:cNvSpPr/>
-          <p:nvPr/>
-        </p:nvSpPr>
-        <p:spPr>
-          <a:xfrm rot="376585">
-            <a:off x="7707144" y="1840645"/>
-            <a:ext cx="248920" cy="248920"/>
-          </a:xfrm>
-          <a:prstGeom prst="ellipse">
-            <a:avLst/>
-          </a:prstGeom>
-          <a:solidFill>
-            <a:srgbClr val="B7F1FF"/>
-          </a:solidFill>
-          <a:ln w="19050">
-            <a:solidFill>
-              <a:schemeClr val="tx1"/>
-            </a:solidFill>
-          </a:ln>
-        </p:spPr>
-        <p:style>
-          <a:lnRef idx="2">
-            <a:schemeClr val="accent1">
-              <a:shade val="50000"/>
-            </a:schemeClr>
-          </a:lnRef>
-          <a:fillRef idx="1">
-            <a:schemeClr val="accent1"/>
-          </a:fillRef>
-          <a:effectRef idx="0">
-            <a:schemeClr val="accent1"/>
-          </a:effectRef>
-          <a:fontRef idx="minor">
-            <a:schemeClr val="lt1"/>
-          </a:fontRef>
-        </p:style>
-        <p:txBody>
-          <a:bodyPr rtlCol="0" anchor="ctr"/>
-          <a:lstStyle/>
-          <a:p>
-            <a:pPr algn="ctr"/>
-            <a:endParaRPr lang="zh-CN" altLang="en-US"/>
-          </a:p>
-        </p:txBody>
-      </p:sp>
-      <p:sp>
-        <p:nvSpPr>
-          <p:cNvPr id="44" name="文本框 43">
-            <a:extLst>
-              <a:ext uri="{FF2B5EF4-FFF2-40B4-BE49-F238E27FC236}">
-                <a16:creationId xmlns:a16="http://schemas.microsoft.com/office/drawing/2014/main" id="{A6510988-3119-6532-7EBE-CEA62B8B417E}"/>
-              </a:ext>
-            </a:extLst>
-          </p:cNvPr>
-          <p:cNvSpPr txBox="1"/>
-          <p:nvPr/>
-        </p:nvSpPr>
-        <p:spPr>
-          <a:xfrm>
-            <a:off x="7978199" y="1343367"/>
-            <a:ext cx="3239235" cy="369332"/>
-          </a:xfrm>
-          <a:prstGeom prst="rect">
-            <a:avLst/>
-          </a:prstGeom>
-          <a:noFill/>
-        </p:spPr>
-        <p:txBody>
-          <a:bodyPr wrap="square">
-            <a:spAutoFit/>
-          </a:bodyPr>
-          <a:lstStyle/>
-          <a:p>
-            <a:r>
-              <a:rPr lang="en-US" altLang="zh-CN" kern="100">
-                <a:latin typeface="Times New Roman" panose="02020603050405020304" pitchFamily="18" charset="0"/>
-                <a:ea typeface="华文中宋" panose="02010600040101010101" pitchFamily="2" charset="-122"/>
-                <a:cs typeface="Times New Roman" panose="02020603050405020304" pitchFamily="18" charset="0"/>
-              </a:rPr>
-              <a:t>Stance: 0.9-1</a:t>
-            </a:r>
-            <a:endParaRPr lang="zh-CN" altLang="en-US" i="1"/>
-          </a:p>
-        </p:txBody>
-      </p:sp>
-      <p:sp>
-        <p:nvSpPr>
-          <p:cNvPr id="45" name="文本框 44">
-            <a:extLst>
-              <a:ext uri="{FF2B5EF4-FFF2-40B4-BE49-F238E27FC236}">
-                <a16:creationId xmlns:a16="http://schemas.microsoft.com/office/drawing/2014/main" id="{7619FAAE-A290-4A45-345D-4987D83BCBDC}"/>
-              </a:ext>
-            </a:extLst>
-          </p:cNvPr>
-          <p:cNvSpPr txBox="1"/>
-          <p:nvPr/>
-        </p:nvSpPr>
-        <p:spPr>
-          <a:xfrm>
-            <a:off x="7978862" y="1759477"/>
-            <a:ext cx="3239235" cy="369332"/>
-          </a:xfrm>
-          <a:prstGeom prst="rect">
-            <a:avLst/>
-          </a:prstGeom>
-          <a:noFill/>
-        </p:spPr>
-        <p:txBody>
-          <a:bodyPr wrap="square">
-            <a:spAutoFit/>
-          </a:bodyPr>
-          <a:lstStyle/>
-          <a:p>
-            <a:r>
-              <a:rPr lang="en-US" altLang="zh-CN" kern="100">
-                <a:latin typeface="Times New Roman" panose="02020603050405020304" pitchFamily="18" charset="0"/>
-                <a:ea typeface="华文中宋" panose="02010600040101010101" pitchFamily="2" charset="-122"/>
-                <a:cs typeface="Times New Roman" panose="02020603050405020304" pitchFamily="18" charset="0"/>
-              </a:rPr>
-              <a:t>Stance: 0-0.1</a:t>
-            </a:r>
-            <a:endParaRPr lang="zh-CN" altLang="en-US" i="1"/>
-          </a:p>
-        </p:txBody>
-      </p:sp>
-      <p:sp>
-        <p:nvSpPr>
-          <p:cNvPr id="46" name="星形: 七角 45">
-            <a:extLst>
-              <a:ext uri="{FF2B5EF4-FFF2-40B4-BE49-F238E27FC236}">
-                <a16:creationId xmlns:a16="http://schemas.microsoft.com/office/drawing/2014/main" id="{9C1E549D-FE61-AD2F-73AF-90153806B796}"/>
-              </a:ext>
-            </a:extLst>
-          </p:cNvPr>
-          <p:cNvSpPr/>
-          <p:nvPr/>
-        </p:nvSpPr>
-        <p:spPr>
-          <a:xfrm>
-            <a:off x="2369215" y="1847176"/>
-            <a:ext cx="362105" cy="362105"/>
-          </a:xfrm>
-          <a:prstGeom prst="star7">
-            <a:avLst/>
-          </a:prstGeom>
-          <a:solidFill>
-            <a:schemeClr val="bg2"/>
           </a:solidFill>
           <a:ln w="19050">
             <a:solidFill>
@@ -5615,12 +6122,52 @@
           </a:p>
         </p:txBody>
       </p:sp>
-      <p:sp>
-        <p:nvSpPr>
-          <p:cNvPr id="48" name="星形: 七角 47">
-            <a:extLst>
-              <a:ext uri="{FF2B5EF4-FFF2-40B4-BE49-F238E27FC236}">
-                <a16:creationId xmlns:a16="http://schemas.microsoft.com/office/drawing/2014/main" id="{E63E9E31-D305-D678-3A66-6CF2A58CF302}"/>
+      <p:cxnSp>
+        <p:nvCxnSpPr>
+          <p:cNvPr id="205" name="直接连接符 204">
+            <a:extLst>
+              <a:ext uri="{FF2B5EF4-FFF2-40B4-BE49-F238E27FC236}">
+                <a16:creationId xmlns:a16="http://schemas.microsoft.com/office/drawing/2014/main" id="{E2888989-6028-1AEF-C678-86BA03EA81C8}"/>
+              </a:ext>
+            </a:extLst>
+          </p:cNvPr>
+          <p:cNvCxnSpPr>
+            <a:cxnSpLocks/>
+            <a:stCxn id="182" idx="4"/>
+            <a:endCxn id="206" idx="0"/>
+          </p:cNvCxnSpPr>
+          <p:nvPr/>
+        </p:nvCxnSpPr>
+        <p:spPr>
+          <a:xfrm flipH="1">
+            <a:off x="1730458" y="1581507"/>
+            <a:ext cx="124374" cy="596113"/>
+          </a:xfrm>
+          <a:prstGeom prst="line">
+            <a:avLst/>
+          </a:prstGeom>
+        </p:spPr>
+        <p:style>
+          <a:lnRef idx="3">
+            <a:schemeClr val="dk1"/>
+          </a:lnRef>
+          <a:fillRef idx="0">
+            <a:schemeClr val="dk1"/>
+          </a:fillRef>
+          <a:effectRef idx="2">
+            <a:schemeClr val="dk1"/>
+          </a:effectRef>
+          <a:fontRef idx="minor">
+            <a:schemeClr val="tx1"/>
+          </a:fontRef>
+        </p:style>
+      </p:cxnSp>
+      <p:sp>
+        <p:nvSpPr>
+          <p:cNvPr id="206" name="椭圆 205">
+            <a:extLst>
+              <a:ext uri="{FF2B5EF4-FFF2-40B4-BE49-F238E27FC236}">
+                <a16:creationId xmlns:a16="http://schemas.microsoft.com/office/drawing/2014/main" id="{8A03F20C-2987-33CF-D6EF-17DC7FF77D6D}"/>
               </a:ext>
             </a:extLst>
           </p:cNvPr>
@@ -5628,15 +6175,109 @@
           <p:nvPr/>
         </p:nvSpPr>
         <p:spPr>
+          <a:xfrm rot="376585">
+            <a:off x="1592391" y="2176874"/>
+            <a:ext cx="248920" cy="248920"/>
+          </a:xfrm>
+          <a:prstGeom prst="ellipse">
+            <a:avLst/>
+          </a:prstGeom>
+          <a:solidFill>
+            <a:schemeClr val="bg1"/>
+          </a:solidFill>
+          <a:ln w="19050">
+            <a:solidFill>
+              <a:schemeClr val="tx1"/>
+            </a:solidFill>
+          </a:ln>
+        </p:spPr>
+        <p:style>
+          <a:lnRef idx="2">
+            <a:schemeClr val="accent1">
+              <a:shade val="50000"/>
+            </a:schemeClr>
+          </a:lnRef>
+          <a:fillRef idx="1">
+            <a:schemeClr val="accent1"/>
+          </a:fillRef>
+          <a:effectRef idx="0">
+            <a:schemeClr val="accent1"/>
+          </a:effectRef>
+          <a:fontRef idx="minor">
+            <a:schemeClr val="lt1"/>
+          </a:fontRef>
+        </p:style>
+        <p:txBody>
+          <a:bodyPr rtlCol="0" anchor="ctr"/>
+          <a:lstStyle/>
+          <a:p>
+            <a:pPr algn="ctr"/>
+            <a:endParaRPr lang="zh-CN" altLang="en-US"/>
+          </a:p>
+        </p:txBody>
+      </p:sp>
+      <p:cxnSp>
+        <p:nvCxnSpPr>
+          <p:cNvPr id="212" name="直接连接符 211">
+            <a:extLst>
+              <a:ext uri="{FF2B5EF4-FFF2-40B4-BE49-F238E27FC236}">
+                <a16:creationId xmlns:a16="http://schemas.microsoft.com/office/drawing/2014/main" id="{0C79938A-3566-DE8F-7E66-53C0590DE4E7}"/>
+              </a:ext>
+            </a:extLst>
+          </p:cNvPr>
+          <p:cNvCxnSpPr>
+            <a:cxnSpLocks/>
+            <a:stCxn id="191" idx="0"/>
+            <a:endCxn id="198" idx="1"/>
+          </p:cNvCxnSpPr>
+          <p:nvPr/>
+        </p:nvCxnSpPr>
+        <p:spPr>
+          <a:xfrm flipV="1">
+            <a:off x="2391110" y="733123"/>
+            <a:ext cx="662925" cy="330717"/>
+          </a:xfrm>
+          <a:prstGeom prst="line">
+            <a:avLst/>
+          </a:prstGeom>
+        </p:spPr>
+        <p:style>
+          <a:lnRef idx="3">
+            <a:schemeClr val="dk1"/>
+          </a:lnRef>
+          <a:fillRef idx="0">
+            <a:schemeClr val="dk1"/>
+          </a:fillRef>
+          <a:effectRef idx="2">
+            <a:schemeClr val="dk1"/>
+          </a:effectRef>
+          <a:fontRef idx="minor">
+            <a:schemeClr val="tx1"/>
+          </a:fontRef>
+        </p:style>
+      </p:cxnSp>
+      <p:sp>
+        <p:nvSpPr>
+          <p:cNvPr id="213" name="星形: 七角 212">
+            <a:extLst>
+              <a:ext uri="{FF2B5EF4-FFF2-40B4-BE49-F238E27FC236}">
+                <a16:creationId xmlns:a16="http://schemas.microsoft.com/office/drawing/2014/main" id="{D5D6303B-82CC-BC7F-4A17-B934BD237849}"/>
+              </a:ext>
+            </a:extLst>
+          </p:cNvPr>
+          <p:cNvSpPr/>
+          <p:nvPr/>
+        </p:nvSpPr>
+        <p:spPr>
           <a:xfrm>
-            <a:off x="2774014" y="1413575"/>
+            <a:off x="3656054" y="2008145"/>
             <a:ext cx="362105" cy="362105"/>
           </a:xfrm>
           <a:prstGeom prst="star7">
             <a:avLst/>
           </a:prstGeom>
           <a:solidFill>
-            <a:srgbClr val="FF9933"/>
+            <a:schemeClr val="bg2"/>
           </a:solidFill>
           <a:ln w="19050">
             <a:solidFill>
@@ -5688,10 +6329,10 @@
       </p:sp>
       <p:sp>
         <p:nvSpPr>
-          <p:cNvPr id="50" name="椭圆 49">
-            <a:extLst>
-              <a:ext uri="{FF2B5EF4-FFF2-40B4-BE49-F238E27FC236}">
-                <a16:creationId xmlns:a16="http://schemas.microsoft.com/office/drawing/2014/main" id="{8F3CCA18-87A0-24E2-C048-141BE594245D}"/>
+          <p:cNvPr id="214" name="椭圆 213">
+            <a:extLst>
+              <a:ext uri="{FF2B5EF4-FFF2-40B4-BE49-F238E27FC236}">
+                <a16:creationId xmlns:a16="http://schemas.microsoft.com/office/drawing/2014/main" id="{E1102D7B-00CF-6969-DFDD-09D35908BA29}"/>
               </a:ext>
             </a:extLst>
           </p:cNvPr>
@@ -5700,7 +6341,7 @@
         </p:nvSpPr>
         <p:spPr>
           <a:xfrm rot="376585">
-            <a:off x="7707143" y="2270551"/>
+            <a:off x="2918023" y="1462551"/>
             <a:ext cx="248920" cy="248920"/>
           </a:xfrm>
           <a:prstGeom prst="ellipse">
@@ -5742,10 +6383,10 @@
       </p:sp>
       <p:sp>
         <p:nvSpPr>
-          <p:cNvPr id="51" name="文本框 50">
-            <a:extLst>
-              <a:ext uri="{FF2B5EF4-FFF2-40B4-BE49-F238E27FC236}">
-                <a16:creationId xmlns:a16="http://schemas.microsoft.com/office/drawing/2014/main" id="{DCD9C19D-4DF2-CC4C-D544-1553E8242E6C}"/>
+          <p:cNvPr id="215" name="文本框 214">
+            <a:extLst>
+              <a:ext uri="{FF2B5EF4-FFF2-40B4-BE49-F238E27FC236}">
+                <a16:creationId xmlns:a16="http://schemas.microsoft.com/office/drawing/2014/main" id="{BE0FE87C-D2BE-8432-4BDB-962C927951F9}"/>
               </a:ext>
             </a:extLst>
           </p:cNvPr>
@@ -5754,8 +6395,8 @@
         </p:nvSpPr>
         <p:spPr>
           <a:xfrm>
-            <a:off x="7978199" y="2210345"/>
-            <a:ext cx="3239235" cy="369332"/>
+            <a:off x="1845730" y="2465768"/>
+            <a:ext cx="1614862" cy="369332"/>
           </a:xfrm>
           <a:prstGeom prst="rect">
             <a:avLst/>
@@ -5768,136 +6409,109 @@
           </a:bodyPr>
           <a:lstStyle/>
           <a:p>
+            <a:r>
+              <a:rPr lang="zh-CN" altLang="en-US" kern="100">
+                <a:latin typeface="Times New Roman" panose="02020603050405020304" pitchFamily="18" charset="0"/>
+                <a:ea typeface="华文中宋" panose="02010600040101010101" pitchFamily="2" charset="-122"/>
+                <a:cs typeface="Times New Roman" panose="02020603050405020304" pitchFamily="18" charset="0"/>
+              </a:rPr>
+              <a:t>原始数据</a:t>
+            </a:r>
+            <a:endParaRPr lang="zh-CN" altLang="en-US"/>
+          </a:p>
+        </p:txBody>
+      </p:sp>
+      <p:sp>
+        <p:nvSpPr>
+          <p:cNvPr id="216" name="文本框 215">
+            <a:extLst>
+              <a:ext uri="{FF2B5EF4-FFF2-40B4-BE49-F238E27FC236}">
+                <a16:creationId xmlns:a16="http://schemas.microsoft.com/office/drawing/2014/main" id="{C70A2CB2-49E5-C0FD-321C-DD9BC8AABCD9}"/>
+              </a:ext>
+            </a:extLst>
+          </p:cNvPr>
+          <p:cNvSpPr txBox="1"/>
+          <p:nvPr/>
+        </p:nvSpPr>
+        <p:spPr>
+          <a:xfrm>
+            <a:off x="774503" y="2855658"/>
+            <a:ext cx="4535960" cy="369332"/>
+          </a:xfrm>
+          <a:prstGeom prst="rect">
+            <a:avLst/>
+          </a:prstGeom>
+          <a:noFill/>
+        </p:spPr>
+        <p:txBody>
+          <a:bodyPr wrap="square">
+            <a:spAutoFit/>
+          </a:bodyPr>
+          <a:lstStyle/>
+          <a:p>
+            <a:r>
+              <a:rPr lang="zh-CN" altLang="en-US" kern="100">
+                <a:latin typeface="Times New Roman" panose="02020603050405020304" pitchFamily="18" charset="0"/>
+                <a:ea typeface="华文中宋" panose="02010600040101010101" pitchFamily="2" charset="-122"/>
+                <a:cs typeface="Times New Roman" panose="02020603050405020304" pitchFamily="18" charset="0"/>
+              </a:rPr>
+              <a:t>方：</a:t>
+            </a:r>
             <a:r>
               <a:rPr lang="en-US" altLang="zh-CN" kern="100">
                 <a:latin typeface="Times New Roman" panose="02020603050405020304" pitchFamily="18" charset="0"/>
                 <a:ea typeface="华文中宋" panose="02010600040101010101" pitchFamily="2" charset="-122"/>
                 <a:cs typeface="Times New Roman" panose="02020603050405020304" pitchFamily="18" charset="0"/>
               </a:rPr>
-              <a:t>Stance: 0.1-0.9</a:t>
+              <a:t>Label=Bot, </a:t>
             </a:r>
-            <a:endParaRPr lang="zh-CN" altLang="en-US" i="1"/>
-          </a:p>
-        </p:txBody>
-      </p:sp>
-      <p:sp>
-        <p:nvSpPr>
-          <p:cNvPr id="52" name="椭圆 51">
-            <a:extLst>
-              <a:ext uri="{FF2B5EF4-FFF2-40B4-BE49-F238E27FC236}">
-                <a16:creationId xmlns:a16="http://schemas.microsoft.com/office/drawing/2014/main" id="{2BD6FE37-1161-3EF6-DC57-E771FDF92953}"/>
-              </a:ext>
-            </a:extLst>
-          </p:cNvPr>
-          <p:cNvSpPr/>
-          <p:nvPr/>
-        </p:nvSpPr>
-        <p:spPr>
-          <a:xfrm rot="376585">
-            <a:off x="7716419" y="2713352"/>
-            <a:ext cx="248920" cy="248920"/>
-          </a:xfrm>
-          <a:prstGeom prst="ellipse">
-            <a:avLst/>
-          </a:prstGeom>
-          <a:solidFill>
-            <a:schemeClr val="bg1"/>
-          </a:solidFill>
-          <a:ln w="19050">
-            <a:solidFill>
-              <a:schemeClr val="tx1"/>
-            </a:solidFill>
-          </a:ln>
-        </p:spPr>
-        <p:style>
-          <a:lnRef idx="2">
-            <a:schemeClr val="accent1">
-              <a:shade val="50000"/>
-            </a:schemeClr>
-          </a:lnRef>
-          <a:fillRef idx="1">
-            <a:schemeClr val="accent1"/>
-          </a:fillRef>
-          <a:effectRef idx="0">
-            <a:schemeClr val="accent1"/>
-          </a:effectRef>
-          <a:fontRef idx="minor">
-            <a:schemeClr val="lt1"/>
-          </a:fontRef>
-        </p:style>
-        <p:txBody>
-          <a:bodyPr rtlCol="0" anchor="ctr"/>
-          <a:lstStyle/>
-          <a:p>
-            <a:pPr algn="ctr"/>
-            <a:endParaRPr lang="zh-CN" altLang="en-US"/>
-          </a:p>
-        </p:txBody>
-      </p:sp>
-      <p:sp>
-        <p:nvSpPr>
-          <p:cNvPr id="53" name="文本框 52">
-            <a:extLst>
-              <a:ext uri="{FF2B5EF4-FFF2-40B4-BE49-F238E27FC236}">
-                <a16:creationId xmlns:a16="http://schemas.microsoft.com/office/drawing/2014/main" id="{83F2026C-39F2-4901-C4FB-DA1AAC301642}"/>
-              </a:ext>
-            </a:extLst>
-          </p:cNvPr>
-          <p:cNvSpPr txBox="1"/>
-          <p:nvPr/>
-        </p:nvSpPr>
-        <p:spPr>
-          <a:xfrm>
-            <a:off x="7978199" y="2655471"/>
-            <a:ext cx="3239235" cy="369332"/>
-          </a:xfrm>
-          <a:prstGeom prst="rect">
-            <a:avLst/>
-          </a:prstGeom>
-          <a:noFill/>
-        </p:spPr>
-        <p:txBody>
-          <a:bodyPr wrap="square">
-            <a:spAutoFit/>
-          </a:bodyPr>
-          <a:lstStyle/>
-          <a:p>
+            <a:r>
+              <a:rPr lang="zh-CN" altLang="en-US" kern="100">
+                <a:latin typeface="Times New Roman" panose="02020603050405020304" pitchFamily="18" charset="0"/>
+                <a:ea typeface="华文中宋" panose="02010600040101010101" pitchFamily="2" charset="-122"/>
+                <a:cs typeface="Times New Roman" panose="02020603050405020304" pitchFamily="18" charset="0"/>
+              </a:rPr>
+              <a:t>圆：</a:t>
+            </a:r>
             <a:r>
               <a:rPr lang="en-US" altLang="zh-CN" kern="100">
                 <a:latin typeface="Times New Roman" panose="02020603050405020304" pitchFamily="18" charset="0"/>
                 <a:ea typeface="华文中宋" panose="02010600040101010101" pitchFamily="2" charset="-122"/>
                 <a:cs typeface="Times New Roman" panose="02020603050405020304" pitchFamily="18" charset="0"/>
               </a:rPr>
-              <a:t>Not relevant topic</a:t>
+              <a:t>Label=Human</a:t>
             </a:r>
-            <a:endParaRPr lang="zh-CN" altLang="en-US"/>
           </a:p>
         </p:txBody>
       </p:sp>
       <p:cxnSp>
         <p:nvCxnSpPr>
-          <p:cNvPr id="54" name="直接连接符 53">
-            <a:extLst>
-              <a:ext uri="{FF2B5EF4-FFF2-40B4-BE49-F238E27FC236}">
-                <a16:creationId xmlns:a16="http://schemas.microsoft.com/office/drawing/2014/main" id="{37994D2C-A381-4851-3AD4-EDB6E9EBB2FB}"/>
+          <p:cNvPr id="217" name="直接连接符 216">
+            <a:extLst>
+              <a:ext uri="{FF2B5EF4-FFF2-40B4-BE49-F238E27FC236}">
+                <a16:creationId xmlns:a16="http://schemas.microsoft.com/office/drawing/2014/main" id="{900698F2-C031-6D8A-C247-358F52AB735F}"/>
               </a:ext>
             </a:extLst>
           </p:cNvPr>
           <p:cNvCxnSpPr>
             <a:cxnSpLocks/>
-            <a:stCxn id="18" idx="4"/>
-            <a:endCxn id="57" idx="0"/>
+            <a:stCxn id="182" idx="3"/>
+            <a:endCxn id="177" idx="7"/>
           </p:cNvCxnSpPr>
           <p:nvPr/>
         </p:nvCxnSpPr>
         <p:spPr>
           <a:xfrm flipH="1">
-            <a:off x="3508782" y="2424863"/>
-            <a:ext cx="124374" cy="596113"/>
+            <a:off x="1433208" y="1535651"/>
+            <a:ext cx="338130" cy="133753"/>
           </a:xfrm>
           <a:prstGeom prst="line">
             <a:avLst/>
           </a:prstGeom>
+          <a:ln>
+            <a:headEnd type="none" w="med" len="med"/>
+            <a:tailEnd type="none" w="med" len="med"/>
+          </a:ln>
         </p:spPr>
         <p:style>
           <a:lnRef idx="3">
@@ -5916,10 +6530,10 @@
       </p:cxnSp>
       <p:sp>
         <p:nvSpPr>
-          <p:cNvPr id="57" name="椭圆 56">
-            <a:extLst>
-              <a:ext uri="{FF2B5EF4-FFF2-40B4-BE49-F238E27FC236}">
-                <a16:creationId xmlns:a16="http://schemas.microsoft.com/office/drawing/2014/main" id="{2317C7C5-9014-224B-1D7A-B782FA924313}"/>
+          <p:cNvPr id="222" name="椭圆 221">
+            <a:extLst>
+              <a:ext uri="{FF2B5EF4-FFF2-40B4-BE49-F238E27FC236}">
+                <a16:creationId xmlns:a16="http://schemas.microsoft.com/office/drawing/2014/main" id="{3402B2C4-9A15-2B2E-8238-422AED3DFEA3}"/>
               </a:ext>
             </a:extLst>
           </p:cNvPr>
@@ -5928,179 +6542,7 @@
         </p:nvSpPr>
         <p:spPr>
           <a:xfrm rot="376585">
-            <a:off x="3370715" y="3020230"/>
-            <a:ext cx="248920" cy="248920"/>
-          </a:xfrm>
-          <a:prstGeom prst="ellipse">
-            <a:avLst/>
-          </a:prstGeom>
-          <a:solidFill>
-            <a:schemeClr val="bg1"/>
-          </a:solidFill>
-          <a:ln w="19050">
-            <a:solidFill>
-              <a:schemeClr val="tx1"/>
-            </a:solidFill>
-          </a:ln>
-        </p:spPr>
-        <p:style>
-          <a:lnRef idx="2">
-            <a:schemeClr val="accent1">
-              <a:shade val="50000"/>
-            </a:schemeClr>
-          </a:lnRef>
-          <a:fillRef idx="1">
-            <a:schemeClr val="accent1"/>
-          </a:fillRef>
-          <a:effectRef idx="0">
-            <a:schemeClr val="accent1"/>
-          </a:effectRef>
-          <a:fontRef idx="minor">
-            <a:schemeClr val="lt1"/>
-          </a:fontRef>
-        </p:style>
-        <p:txBody>
-          <a:bodyPr rtlCol="0" anchor="ctr"/>
-          <a:lstStyle/>
-          <a:p>
-            <a:pPr algn="ctr"/>
-            <a:endParaRPr lang="zh-CN" altLang="en-US"/>
-          </a:p>
-        </p:txBody>
-      </p:sp>
-      <p:sp>
-        <p:nvSpPr>
-          <p:cNvPr id="59" name="文本框 58">
-            <a:extLst>
-              <a:ext uri="{FF2B5EF4-FFF2-40B4-BE49-F238E27FC236}">
-                <a16:creationId xmlns:a16="http://schemas.microsoft.com/office/drawing/2014/main" id="{F542F6A6-034B-BD1E-E47F-5EF47238B6D4}"/>
-              </a:ext>
-            </a:extLst>
-          </p:cNvPr>
-          <p:cNvSpPr txBox="1"/>
-          <p:nvPr/>
-        </p:nvSpPr>
-        <p:spPr>
-          <a:xfrm>
-            <a:off x="1951351" y="636649"/>
-            <a:ext cx="3239235" cy="369332"/>
-          </a:xfrm>
-          <a:prstGeom prst="rect">
-            <a:avLst/>
-          </a:prstGeom>
-          <a:noFill/>
-        </p:spPr>
-        <p:txBody>
-          <a:bodyPr wrap="square">
-            <a:spAutoFit/>
-          </a:bodyPr>
-          <a:lstStyle/>
-          <a:p>
-            <a:r>
-              <a:rPr lang="zh-CN" altLang="en-US" kern="100">
-                <a:latin typeface="Times New Roman" panose="02020603050405020304" pitchFamily="18" charset="0"/>
-                <a:ea typeface="华文中宋" panose="02010600040101010101" pitchFamily="2" charset="-122"/>
-                <a:cs typeface="Times New Roman" panose="02020603050405020304" pitchFamily="18" charset="0"/>
-              </a:rPr>
-              <a:t>正向观点影响</a:t>
-            </a:r>
-            <a:endParaRPr lang="zh-CN" altLang="en-US"/>
-          </a:p>
-        </p:txBody>
-      </p:sp>
-      <p:cxnSp>
-        <p:nvCxnSpPr>
-          <p:cNvPr id="60" name="直接连接符 59">
-            <a:extLst>
-              <a:ext uri="{FF2B5EF4-FFF2-40B4-BE49-F238E27FC236}">
-                <a16:creationId xmlns:a16="http://schemas.microsoft.com/office/drawing/2014/main" id="{B2B79BF4-047F-0D44-19C3-6396D30D4BA5}"/>
-              </a:ext>
-            </a:extLst>
-          </p:cNvPr>
-          <p:cNvCxnSpPr>
-            <a:cxnSpLocks/>
-            <a:stCxn id="77" idx="1"/>
-          </p:cNvCxnSpPr>
-          <p:nvPr/>
-        </p:nvCxnSpPr>
-        <p:spPr>
-          <a:xfrm flipH="1" flipV="1">
-            <a:off x="4116291" y="5212935"/>
-            <a:ext cx="59463" cy="481604"/>
-          </a:xfrm>
-          <a:prstGeom prst="line">
-            <a:avLst/>
-          </a:prstGeom>
-        </p:spPr>
-        <p:style>
-          <a:lnRef idx="3">
-            <a:schemeClr val="dk1"/>
-          </a:lnRef>
-          <a:fillRef idx="0">
-            <a:schemeClr val="dk1"/>
-          </a:fillRef>
-          <a:effectRef idx="2">
-            <a:schemeClr val="dk1"/>
-          </a:effectRef>
-          <a:fontRef idx="minor">
-            <a:schemeClr val="tx1"/>
-          </a:fontRef>
-        </p:style>
-      </p:cxnSp>
-      <p:cxnSp>
-        <p:nvCxnSpPr>
-          <p:cNvPr id="61" name="直接连接符 60">
-            <a:extLst>
-              <a:ext uri="{FF2B5EF4-FFF2-40B4-BE49-F238E27FC236}">
-                <a16:creationId xmlns:a16="http://schemas.microsoft.com/office/drawing/2014/main" id="{7B99701D-6810-C845-24A9-2578E57C0783}"/>
-              </a:ext>
-            </a:extLst>
-          </p:cNvPr>
-          <p:cNvCxnSpPr>
-            <a:cxnSpLocks/>
-            <a:endCxn id="67" idx="2"/>
-          </p:cNvCxnSpPr>
-          <p:nvPr/>
-        </p:nvCxnSpPr>
-        <p:spPr>
-          <a:xfrm>
-            <a:off x="2688934" y="5084967"/>
-            <a:ext cx="808186" cy="260886"/>
-          </a:xfrm>
-          <a:prstGeom prst="line">
-            <a:avLst/>
-          </a:prstGeom>
-        </p:spPr>
-        <p:style>
-          <a:lnRef idx="3">
-            <a:schemeClr val="dk1"/>
-          </a:lnRef>
-          <a:fillRef idx="0">
-            <a:schemeClr val="dk1"/>
-          </a:fillRef>
-          <a:effectRef idx="2">
-            <a:schemeClr val="dk1"/>
-          </a:effectRef>
-          <a:fontRef idx="minor">
-            <a:schemeClr val="tx1"/>
-          </a:fontRef>
-        </p:style>
-      </p:cxnSp>
-      <p:sp>
-        <p:nvSpPr>
-          <p:cNvPr id="62" name="椭圆 61">
-            <a:extLst>
-              <a:ext uri="{FF2B5EF4-FFF2-40B4-BE49-F238E27FC236}">
-                <a16:creationId xmlns:a16="http://schemas.microsoft.com/office/drawing/2014/main" id="{43D5E70E-A92A-B3C1-D81B-E4B809993DA1}"/>
-              </a:ext>
-            </a:extLst>
-          </p:cNvPr>
-          <p:cNvSpPr/>
-          <p:nvPr/>
-        </p:nvSpPr>
-        <p:spPr>
-          <a:xfrm rot="376585">
-            <a:off x="2964042" y="5524469"/>
+            <a:off x="1193907" y="4609786"/>
             <a:ext cx="248920" cy="248920"/>
           </a:xfrm>
           <a:prstGeom prst="ellipse">
@@ -6140,128 +6582,12 @@
           </a:p>
         </p:txBody>
       </p:sp>
-      <p:cxnSp>
-        <p:nvCxnSpPr>
-          <p:cNvPr id="63" name="直接连接符 62">
-            <a:extLst>
-              <a:ext uri="{FF2B5EF4-FFF2-40B4-BE49-F238E27FC236}">
-                <a16:creationId xmlns:a16="http://schemas.microsoft.com/office/drawing/2014/main" id="{95F50E00-1121-1956-34E7-D35E8421C6D7}"/>
-              </a:ext>
-            </a:extLst>
-          </p:cNvPr>
-          <p:cNvCxnSpPr>
-            <a:cxnSpLocks/>
-            <a:stCxn id="87" idx="0"/>
-          </p:cNvCxnSpPr>
-          <p:nvPr/>
-        </p:nvCxnSpPr>
-        <p:spPr>
-          <a:xfrm flipV="1">
-            <a:off x="2368626" y="5172974"/>
-            <a:ext cx="107841" cy="329040"/>
-          </a:xfrm>
-          <a:prstGeom prst="line">
-            <a:avLst/>
-          </a:prstGeom>
-        </p:spPr>
-        <p:style>
-          <a:lnRef idx="3">
-            <a:schemeClr val="dk1"/>
-          </a:lnRef>
-          <a:fillRef idx="0">
-            <a:schemeClr val="dk1"/>
-          </a:fillRef>
-          <a:effectRef idx="2">
-            <a:schemeClr val="dk1"/>
-          </a:effectRef>
-          <a:fontRef idx="minor">
-            <a:schemeClr val="tx1"/>
-          </a:fontRef>
-        </p:style>
-      </p:cxnSp>
-      <p:cxnSp>
-        <p:nvCxnSpPr>
-          <p:cNvPr id="64" name="直接连接符 63">
-            <a:extLst>
-              <a:ext uri="{FF2B5EF4-FFF2-40B4-BE49-F238E27FC236}">
-                <a16:creationId xmlns:a16="http://schemas.microsoft.com/office/drawing/2014/main" id="{AB2507F2-9A62-0A80-37CB-A1D8D471954A}"/>
-              </a:ext>
-            </a:extLst>
-          </p:cNvPr>
-          <p:cNvCxnSpPr>
-            <a:cxnSpLocks/>
-            <a:stCxn id="62" idx="1"/>
-          </p:cNvCxnSpPr>
-          <p:nvPr/>
-        </p:nvCxnSpPr>
-        <p:spPr>
-          <a:xfrm flipH="1" flipV="1">
-            <a:off x="2652481" y="5172974"/>
-            <a:ext cx="358163" cy="378854"/>
-          </a:xfrm>
-          <a:prstGeom prst="line">
-            <a:avLst/>
-          </a:prstGeom>
-        </p:spPr>
-        <p:style>
-          <a:lnRef idx="3">
-            <a:schemeClr val="dk1"/>
-          </a:lnRef>
-          <a:fillRef idx="0">
-            <a:schemeClr val="dk1"/>
-          </a:fillRef>
-          <a:effectRef idx="2">
-            <a:schemeClr val="dk1"/>
-          </a:effectRef>
-          <a:fontRef idx="minor">
-            <a:schemeClr val="tx1"/>
-          </a:fontRef>
-        </p:style>
-      </p:cxnSp>
-      <p:cxnSp>
-        <p:nvCxnSpPr>
-          <p:cNvPr id="65" name="直接连接符 64">
-            <a:extLst>
-              <a:ext uri="{FF2B5EF4-FFF2-40B4-BE49-F238E27FC236}">
-                <a16:creationId xmlns:a16="http://schemas.microsoft.com/office/drawing/2014/main" id="{2C7D3BBC-4F36-E625-22A8-34A3298A9FD4}"/>
-              </a:ext>
-            </a:extLst>
-          </p:cNvPr>
-          <p:cNvCxnSpPr>
-            <a:cxnSpLocks/>
-          </p:cNvCxnSpPr>
-          <p:nvPr/>
-        </p:nvCxnSpPr>
-        <p:spPr>
-          <a:xfrm flipV="1">
-            <a:off x="2652481" y="4715168"/>
-            <a:ext cx="203699" cy="281792"/>
-          </a:xfrm>
-          <a:prstGeom prst="line">
-            <a:avLst/>
-          </a:prstGeom>
-        </p:spPr>
-        <p:style>
-          <a:lnRef idx="3">
-            <a:schemeClr val="dk1"/>
-          </a:lnRef>
-          <a:fillRef idx="0">
-            <a:schemeClr val="dk1"/>
-          </a:fillRef>
-          <a:effectRef idx="2">
-            <a:schemeClr val="dk1"/>
-          </a:effectRef>
-          <a:fontRef idx="minor">
-            <a:schemeClr val="tx1"/>
-          </a:fontRef>
-        </p:style>
-      </p:cxnSp>
-      <p:sp>
-        <p:nvSpPr>
-          <p:cNvPr id="66" name="椭圆 65">
-            <a:extLst>
-              <a:ext uri="{FF2B5EF4-FFF2-40B4-BE49-F238E27FC236}">
-                <a16:creationId xmlns:a16="http://schemas.microsoft.com/office/drawing/2014/main" id="{FC167592-9F9C-FCBF-B4F9-F5AAEA9350A6}"/>
+      <p:sp>
+        <p:nvSpPr>
+          <p:cNvPr id="226" name="椭圆 225">
+            <a:extLst>
+              <a:ext uri="{FF2B5EF4-FFF2-40B4-BE49-F238E27FC236}">
+                <a16:creationId xmlns:a16="http://schemas.microsoft.com/office/drawing/2014/main" id="{C4A37BC1-3C56-A995-2E92-8F3F117F0AD4}"/>
               </a:ext>
             </a:extLst>
           </p:cNvPr>
@@ -6270,7 +6596,7 @@
         </p:nvSpPr>
         <p:spPr>
           <a:xfrm>
-            <a:off x="3432807" y="4510330"/>
+            <a:off x="1662672" y="3595647"/>
             <a:ext cx="248920" cy="248920"/>
           </a:xfrm>
           <a:prstGeom prst="ellipse">
@@ -6316,10 +6642,10 @@
       </p:sp>
       <p:sp>
         <p:nvSpPr>
-          <p:cNvPr id="67" name="椭圆 66">
-            <a:extLst>
-              <a:ext uri="{FF2B5EF4-FFF2-40B4-BE49-F238E27FC236}">
-                <a16:creationId xmlns:a16="http://schemas.microsoft.com/office/drawing/2014/main" id="{2AAE7B85-F5C3-4028-666D-731C6C7322A0}"/>
+          <p:cNvPr id="227" name="椭圆 226">
+            <a:extLst>
+              <a:ext uri="{FF2B5EF4-FFF2-40B4-BE49-F238E27FC236}">
+                <a16:creationId xmlns:a16="http://schemas.microsoft.com/office/drawing/2014/main" id="{79359A17-D4EA-1114-C933-E28384A125B4}"/>
               </a:ext>
             </a:extLst>
           </p:cNvPr>
@@ -6328,7 +6654,7 @@
         </p:nvSpPr>
         <p:spPr>
           <a:xfrm rot="376585">
-            <a:off x="3496374" y="5235000"/>
+            <a:off x="1726239" y="4320317"/>
             <a:ext cx="248920" cy="248920"/>
           </a:xfrm>
           <a:prstGeom prst="ellipse">
@@ -6368,55 +6694,12 @@
           </a:p>
         </p:txBody>
       </p:sp>
-      <p:cxnSp>
-        <p:nvCxnSpPr>
-          <p:cNvPr id="68" name="直接连接符 67">
-            <a:extLst>
-              <a:ext uri="{FF2B5EF4-FFF2-40B4-BE49-F238E27FC236}">
-                <a16:creationId xmlns:a16="http://schemas.microsoft.com/office/drawing/2014/main" id="{6A3D9986-FD55-A777-1133-FF5B81A733A5}"/>
-              </a:ext>
-            </a:extLst>
-          </p:cNvPr>
-          <p:cNvCxnSpPr>
-            <a:cxnSpLocks/>
-            <a:endCxn id="66" idx="2"/>
-          </p:cNvCxnSpPr>
-          <p:nvPr/>
-        </p:nvCxnSpPr>
-        <p:spPr>
-          <a:xfrm flipV="1">
-            <a:off x="3076995" y="4634790"/>
-            <a:ext cx="355812" cy="16127"/>
-          </a:xfrm>
-          <a:prstGeom prst="line">
-            <a:avLst/>
-          </a:prstGeom>
-          <a:ln>
-            <a:headEnd type="none" w="med" len="med"/>
-            <a:tailEnd type="none" w="med" len="med"/>
-          </a:ln>
-        </p:spPr>
-        <p:style>
-          <a:lnRef idx="3">
-            <a:schemeClr val="dk1"/>
-          </a:lnRef>
-          <a:fillRef idx="0">
-            <a:schemeClr val="dk1"/>
-          </a:fillRef>
-          <a:effectRef idx="2">
-            <a:schemeClr val="dk1"/>
-          </a:effectRef>
-          <a:fontRef idx="minor">
-            <a:schemeClr val="tx1"/>
-          </a:fontRef>
-        </p:style>
-      </p:cxnSp>
-      <p:sp>
-        <p:nvSpPr>
-          <p:cNvPr id="69" name="椭圆 68">
-            <a:extLst>
-              <a:ext uri="{FF2B5EF4-FFF2-40B4-BE49-F238E27FC236}">
-                <a16:creationId xmlns:a16="http://schemas.microsoft.com/office/drawing/2014/main" id="{F6F13BDD-E426-CF0A-5AFB-7F832EAFD7AA}"/>
+      <p:sp>
+        <p:nvSpPr>
+          <p:cNvPr id="229" name="椭圆 228">
+            <a:extLst>
+              <a:ext uri="{FF2B5EF4-FFF2-40B4-BE49-F238E27FC236}">
+                <a16:creationId xmlns:a16="http://schemas.microsoft.com/office/drawing/2014/main" id="{E9810D53-018E-B9A1-DFA4-5D81AC4559FC}"/>
               </a:ext>
             </a:extLst>
           </p:cNvPr>
@@ -6425,7 +6708,7 @@
         </p:nvSpPr>
         <p:spPr>
           <a:xfrm rot="376585">
-            <a:off x="5810006" y="4836045"/>
+            <a:off x="4039871" y="3921362"/>
             <a:ext cx="248920" cy="248920"/>
           </a:xfrm>
           <a:prstGeom prst="ellipse">
@@ -6467,23 +6750,23 @@
       </p:sp>
       <p:cxnSp>
         <p:nvCxnSpPr>
-          <p:cNvPr id="70" name="直接连接符 69">
-            <a:extLst>
-              <a:ext uri="{FF2B5EF4-FFF2-40B4-BE49-F238E27FC236}">
-                <a16:creationId xmlns:a16="http://schemas.microsoft.com/office/drawing/2014/main" id="{C9096175-9C52-18A0-FB4E-6113D8A5C203}"/>
+          <p:cNvPr id="230" name="直接连接符 229">
+            <a:extLst>
+              <a:ext uri="{FF2B5EF4-FFF2-40B4-BE49-F238E27FC236}">
+                <a16:creationId xmlns:a16="http://schemas.microsoft.com/office/drawing/2014/main" id="{1492FFC2-6E1B-A4E4-F646-957D4299E6EA}"/>
               </a:ext>
             </a:extLst>
           </p:cNvPr>
           <p:cNvCxnSpPr>
             <a:cxnSpLocks/>
-            <a:stCxn id="72" idx="1"/>
-            <a:endCxn id="69" idx="5"/>
+            <a:stCxn id="232" idx="1"/>
+            <a:endCxn id="229" idx="5"/>
           </p:cNvCxnSpPr>
           <p:nvPr/>
         </p:nvCxnSpPr>
         <p:spPr>
           <a:xfrm flipH="1" flipV="1">
-            <a:off x="6012324" y="5057606"/>
+            <a:off x="4242189" y="4142923"/>
             <a:ext cx="120129" cy="338307"/>
           </a:xfrm>
           <a:prstGeom prst="line">
@@ -6507,23 +6790,23 @@
       </p:cxnSp>
       <p:cxnSp>
         <p:nvCxnSpPr>
-          <p:cNvPr id="71" name="直接连接符 70">
-            <a:extLst>
-              <a:ext uri="{FF2B5EF4-FFF2-40B4-BE49-F238E27FC236}">
-                <a16:creationId xmlns:a16="http://schemas.microsoft.com/office/drawing/2014/main" id="{6FDCFD08-96A8-FA56-25EF-8B3DAAB39215}"/>
+          <p:cNvPr id="231" name="直接连接符 230">
+            <a:extLst>
+              <a:ext uri="{FF2B5EF4-FFF2-40B4-BE49-F238E27FC236}">
+                <a16:creationId xmlns:a16="http://schemas.microsoft.com/office/drawing/2014/main" id="{E0C214C3-87A7-BE4A-6A98-68FD7F31DD91}"/>
               </a:ext>
             </a:extLst>
           </p:cNvPr>
           <p:cNvCxnSpPr>
             <a:cxnSpLocks/>
-            <a:stCxn id="74" idx="6"/>
-            <a:endCxn id="69" idx="2"/>
+            <a:stCxn id="234" idx="6"/>
+            <a:endCxn id="229" idx="2"/>
           </p:cNvCxnSpPr>
           <p:nvPr/>
         </p:nvCxnSpPr>
         <p:spPr>
           <a:xfrm flipV="1">
-            <a:off x="5379592" y="4946898"/>
+            <a:off x="3609457" y="4032215"/>
             <a:ext cx="431160" cy="185066"/>
           </a:xfrm>
           <a:prstGeom prst="line">
@@ -6547,10 +6830,10 @@
       </p:cxnSp>
       <p:sp>
         <p:nvSpPr>
-          <p:cNvPr id="72" name="椭圆 71">
-            <a:extLst>
-              <a:ext uri="{FF2B5EF4-FFF2-40B4-BE49-F238E27FC236}">
-                <a16:creationId xmlns:a16="http://schemas.microsoft.com/office/drawing/2014/main" id="{E908483F-81A7-7224-A9C9-9DFBD6022094}"/>
+          <p:cNvPr id="232" name="椭圆 231">
+            <a:extLst>
+              <a:ext uri="{FF2B5EF4-FFF2-40B4-BE49-F238E27FC236}">
+                <a16:creationId xmlns:a16="http://schemas.microsoft.com/office/drawing/2014/main" id="{6C964FB6-8DE4-E65F-0160-6F87DBF632D5}"/>
               </a:ext>
             </a:extLst>
           </p:cNvPr>
@@ -6559,7 +6842,7 @@
         </p:nvSpPr>
         <p:spPr>
           <a:xfrm>
-            <a:off x="6096000" y="5359460"/>
+            <a:off x="4325865" y="4444777"/>
             <a:ext cx="248920" cy="248920"/>
           </a:xfrm>
           <a:prstGeom prst="ellipse">
@@ -6599,51 +6882,12 @@
           </a:p>
         </p:txBody>
       </p:sp>
-      <p:cxnSp>
-        <p:nvCxnSpPr>
-          <p:cNvPr id="73" name="直接连接符 72">
-            <a:extLst>
-              <a:ext uri="{FF2B5EF4-FFF2-40B4-BE49-F238E27FC236}">
-                <a16:creationId xmlns:a16="http://schemas.microsoft.com/office/drawing/2014/main" id="{16A1A747-E8B5-EF03-2D4E-025E97457A4D}"/>
-              </a:ext>
-            </a:extLst>
-          </p:cNvPr>
-          <p:cNvCxnSpPr>
-            <a:cxnSpLocks/>
-            <a:endCxn id="72" idx="3"/>
-          </p:cNvCxnSpPr>
-          <p:nvPr/>
-        </p:nvCxnSpPr>
-        <p:spPr>
-          <a:xfrm flipV="1">
-            <a:off x="6006189" y="5571927"/>
-            <a:ext cx="126264" cy="273786"/>
-          </a:xfrm>
-          <a:prstGeom prst="line">
-            <a:avLst/>
-          </a:prstGeom>
-        </p:spPr>
-        <p:style>
-          <a:lnRef idx="3">
-            <a:schemeClr val="dk1"/>
-          </a:lnRef>
-          <a:fillRef idx="0">
-            <a:schemeClr val="dk1"/>
-          </a:fillRef>
-          <a:effectRef idx="2">
-            <a:schemeClr val="dk1"/>
-          </a:effectRef>
-          <a:fontRef idx="minor">
-            <a:schemeClr val="tx1"/>
-          </a:fontRef>
-        </p:style>
-      </p:cxnSp>
-      <p:sp>
-        <p:nvSpPr>
-          <p:cNvPr id="74" name="椭圆 73">
-            <a:extLst>
-              <a:ext uri="{FF2B5EF4-FFF2-40B4-BE49-F238E27FC236}">
-                <a16:creationId xmlns:a16="http://schemas.microsoft.com/office/drawing/2014/main" id="{9697CEB3-A319-17E4-38D3-FF9EED0DC15B}"/>
+      <p:sp>
+        <p:nvSpPr>
+          <p:cNvPr id="234" name="椭圆 233">
+            <a:extLst>
+              <a:ext uri="{FF2B5EF4-FFF2-40B4-BE49-F238E27FC236}">
+                <a16:creationId xmlns:a16="http://schemas.microsoft.com/office/drawing/2014/main" id="{2142CD38-8F4D-CF60-3B6E-A43BF824DFBE}"/>
               </a:ext>
             </a:extLst>
           </p:cNvPr>
@@ -6652,7 +6896,7 @@
         </p:nvSpPr>
         <p:spPr>
           <a:xfrm rot="376585">
-            <a:off x="5131418" y="4993897"/>
+            <a:off x="3361283" y="4079214"/>
             <a:ext cx="248920" cy="248920"/>
           </a:xfrm>
           <a:prstGeom prst="ellipse">
@@ -6692,50 +6936,12 @@
           </a:p>
         </p:txBody>
       </p:sp>
-      <p:cxnSp>
-        <p:nvCxnSpPr>
-          <p:cNvPr id="75" name="直接连接符 74">
-            <a:extLst>
-              <a:ext uri="{FF2B5EF4-FFF2-40B4-BE49-F238E27FC236}">
-                <a16:creationId xmlns:a16="http://schemas.microsoft.com/office/drawing/2014/main" id="{24A13D01-BF86-5CA4-EDDC-1B716C4DCFC3}"/>
-              </a:ext>
-            </a:extLst>
-          </p:cNvPr>
-          <p:cNvCxnSpPr>
-            <a:cxnSpLocks/>
-          </p:cNvCxnSpPr>
-          <p:nvPr/>
-        </p:nvCxnSpPr>
-        <p:spPr>
-          <a:xfrm flipH="1" flipV="1">
-            <a:off x="4871427" y="5586254"/>
-            <a:ext cx="195843" cy="258007"/>
-          </a:xfrm>
-          <a:prstGeom prst="line">
-            <a:avLst/>
-          </a:prstGeom>
-        </p:spPr>
-        <p:style>
-          <a:lnRef idx="3">
-            <a:schemeClr val="dk1"/>
-          </a:lnRef>
-          <a:fillRef idx="0">
-            <a:schemeClr val="dk1"/>
-          </a:fillRef>
-          <a:effectRef idx="2">
-            <a:schemeClr val="dk1"/>
-          </a:effectRef>
-          <a:fontRef idx="minor">
-            <a:schemeClr val="tx1"/>
-          </a:fontRef>
-        </p:style>
-      </p:cxnSp>
-      <p:sp>
-        <p:nvSpPr>
-          <p:cNvPr id="76" name="矩形 75">
-            <a:extLst>
-              <a:ext uri="{FF2B5EF4-FFF2-40B4-BE49-F238E27FC236}">
-                <a16:creationId xmlns:a16="http://schemas.microsoft.com/office/drawing/2014/main" id="{FCE20966-0394-4C47-7E58-9AE342A391F9}"/>
+      <p:sp>
+        <p:nvSpPr>
+          <p:cNvPr id="237" name="椭圆 236">
+            <a:extLst>
+              <a:ext uri="{FF2B5EF4-FFF2-40B4-BE49-F238E27FC236}">
+                <a16:creationId xmlns:a16="http://schemas.microsoft.com/office/drawing/2014/main" id="{F90AEABE-7EE4-38E9-F332-AEE01618E056}"/>
               </a:ext>
             </a:extLst>
           </p:cNvPr>
@@ -6744,61 +6950,7 @@
         </p:nvSpPr>
         <p:spPr>
           <a:xfrm rot="376585">
-            <a:off x="4005438" y="4964761"/>
-            <a:ext cx="248920" cy="248920"/>
-          </a:xfrm>
-          <a:prstGeom prst="rect">
-            <a:avLst/>
-          </a:prstGeom>
-          <a:solidFill>
-            <a:schemeClr val="bg1"/>
-          </a:solidFill>
-          <a:ln w="19050">
-            <a:solidFill>
-              <a:schemeClr val="tx1"/>
-            </a:solidFill>
-          </a:ln>
-        </p:spPr>
-        <p:style>
-          <a:lnRef idx="2">
-            <a:schemeClr val="accent1">
-              <a:shade val="50000"/>
-            </a:schemeClr>
-          </a:lnRef>
-          <a:fillRef idx="1">
-            <a:schemeClr val="accent1"/>
-          </a:fillRef>
-          <a:effectRef idx="0">
-            <a:schemeClr val="accent1"/>
-          </a:effectRef>
-          <a:fontRef idx="minor">
-            <a:schemeClr val="lt1"/>
-          </a:fontRef>
-        </p:style>
-        <p:txBody>
-          <a:bodyPr rtlCol="0" anchor="ctr"/>
-          <a:lstStyle/>
-          <a:p>
-            <a:pPr algn="ctr"/>
-            <a:endParaRPr lang="zh-CN" altLang="en-US"/>
-          </a:p>
-        </p:txBody>
-      </p:sp>
-      <p:sp>
-        <p:nvSpPr>
-          <p:cNvPr id="77" name="椭圆 76">
-            <a:extLst>
-              <a:ext uri="{FF2B5EF4-FFF2-40B4-BE49-F238E27FC236}">
-                <a16:creationId xmlns:a16="http://schemas.microsoft.com/office/drawing/2014/main" id="{7F6206AF-9BA3-7343-B97C-B5B1E6D3BE8C}"/>
-              </a:ext>
-            </a:extLst>
-          </p:cNvPr>
-          <p:cNvSpPr/>
-          <p:nvPr/>
-        </p:nvSpPr>
-        <p:spPr>
-          <a:xfrm rot="376585">
-            <a:off x="4129152" y="5667180"/>
+            <a:off x="2359017" y="4752497"/>
             <a:ext cx="248920" cy="248920"/>
           </a:xfrm>
           <a:prstGeom prst="ellipse">
@@ -6838,95 +6990,24 @@
           </a:p>
         </p:txBody>
       </p:sp>
-      <p:sp>
-        <p:nvSpPr>
-          <p:cNvPr id="78" name="星形: 七角 77">
-            <a:extLst>
-              <a:ext uri="{FF2B5EF4-FFF2-40B4-BE49-F238E27FC236}">
-                <a16:creationId xmlns:a16="http://schemas.microsoft.com/office/drawing/2014/main" id="{AB5C3B7B-8C2E-CCF2-B5B6-4CA17AD89234}"/>
-              </a:ext>
-            </a:extLst>
-          </p:cNvPr>
-          <p:cNvSpPr/>
-          <p:nvPr/>
-        </p:nvSpPr>
-        <p:spPr>
-          <a:xfrm>
-            <a:off x="4655403" y="5320961"/>
-            <a:ext cx="362105" cy="362105"/>
-          </a:xfrm>
-          <a:prstGeom prst="star7">
-            <a:avLst/>
-          </a:prstGeom>
-          <a:solidFill>
-            <a:schemeClr val="bg2"/>
-          </a:solidFill>
-          <a:ln w="19050">
-            <a:solidFill>
-              <a:schemeClr val="tx1"/>
-            </a:solidFill>
-            <a:prstDash val="sysDot"/>
-          </a:ln>
-        </p:spPr>
-        <p:style>
-          <a:lnRef idx="2">
-            <a:schemeClr val="accent1">
-              <a:shade val="50000"/>
-            </a:schemeClr>
-          </a:lnRef>
-          <a:fillRef idx="1">
-            <a:schemeClr val="accent1"/>
-          </a:fillRef>
-          <a:effectRef idx="0">
-            <a:schemeClr val="accent1"/>
-          </a:effectRef>
-          <a:fontRef idx="minor">
-            <a:schemeClr val="lt1"/>
-          </a:fontRef>
-        </p:style>
-        <p:txBody>
-          <a:bodyPr rtlCol="0" anchor="ctr"/>
-          <a:lstStyle/>
-          <a:p>
-            <a:pPr algn="ctr"/>
-            <a:r>
-              <a:rPr lang="en-US" altLang="zh-CN">
-                <a:solidFill>
-                  <a:schemeClr val="tx1"/>
-                </a:solidFill>
-                <a:latin typeface="Times New Roman" panose="02020603050405020304" pitchFamily="18" charset="0"/>
-                <a:cs typeface="Times New Roman" panose="02020603050405020304" pitchFamily="18" charset="0"/>
-              </a:rPr>
-              <a:t>?</a:t>
-            </a:r>
-            <a:endParaRPr lang="zh-CN" altLang="en-US">
-              <a:solidFill>
-                <a:schemeClr val="tx1"/>
-              </a:solidFill>
-              <a:latin typeface="Times New Roman" panose="02020603050405020304" pitchFamily="18" charset="0"/>
-              <a:cs typeface="Times New Roman" panose="02020603050405020304" pitchFamily="18" charset="0"/>
-            </a:endParaRPr>
-          </a:p>
-        </p:txBody>
-      </p:sp>
       <p:cxnSp>
         <p:nvCxnSpPr>
-          <p:cNvPr id="79" name="直接连接符 78">
-            <a:extLst>
-              <a:ext uri="{FF2B5EF4-FFF2-40B4-BE49-F238E27FC236}">
-                <a16:creationId xmlns:a16="http://schemas.microsoft.com/office/drawing/2014/main" id="{CA05C4EE-D465-7998-ACDC-82FB2612DCB8}"/>
+          <p:cNvPr id="238" name="直接连接符 237">
+            <a:extLst>
+              <a:ext uri="{FF2B5EF4-FFF2-40B4-BE49-F238E27FC236}">
+                <a16:creationId xmlns:a16="http://schemas.microsoft.com/office/drawing/2014/main" id="{F789BC07-8116-5B16-C457-103574D18B59}"/>
               </a:ext>
             </a:extLst>
           </p:cNvPr>
           <p:cNvCxnSpPr>
             <a:cxnSpLocks/>
-            <a:stCxn id="77" idx="7"/>
+            <a:stCxn id="237" idx="7"/>
           </p:cNvCxnSpPr>
           <p:nvPr/>
         </p:nvCxnSpPr>
         <p:spPr>
           <a:xfrm flipV="1">
-            <a:off x="4350713" y="5567011"/>
+            <a:off x="2580578" y="4652328"/>
             <a:ext cx="345755" cy="146771"/>
           </a:xfrm>
           <a:prstGeom prst="line">
@@ -6950,22 +7031,23 @@
       </p:cxnSp>
       <p:cxnSp>
         <p:nvCxnSpPr>
-          <p:cNvPr id="80" name="直接连接符 79">
-            <a:extLst>
-              <a:ext uri="{FF2B5EF4-FFF2-40B4-BE49-F238E27FC236}">
-                <a16:creationId xmlns:a16="http://schemas.microsoft.com/office/drawing/2014/main" id="{BAA0DFFF-749E-F1ED-5C34-977E10B2DE49}"/>
+          <p:cNvPr id="240" name="直接连接符 239">
+            <a:extLst>
+              <a:ext uri="{FF2B5EF4-FFF2-40B4-BE49-F238E27FC236}">
+                <a16:creationId xmlns:a16="http://schemas.microsoft.com/office/drawing/2014/main" id="{B827A4AC-2B50-7950-AEEA-87C6E4CD030E}"/>
               </a:ext>
             </a:extLst>
           </p:cNvPr>
           <p:cNvCxnSpPr>
             <a:cxnSpLocks/>
+            <a:endCxn id="234" idx="3"/>
           </p:cNvCxnSpPr>
           <p:nvPr/>
         </p:nvCxnSpPr>
         <p:spPr>
-          <a:xfrm flipH="1" flipV="1">
-            <a:off x="4253612" y="5102828"/>
-            <a:ext cx="462099" cy="289224"/>
+          <a:xfrm flipV="1">
+            <a:off x="3120535" y="4281532"/>
+            <a:ext cx="268107" cy="215080"/>
           </a:xfrm>
           <a:prstGeom prst="line">
             <a:avLst/>
@@ -6988,23 +7070,24 @@
       </p:cxnSp>
       <p:cxnSp>
         <p:nvCxnSpPr>
-          <p:cNvPr id="81" name="直接连接符 80">
-            <a:extLst>
-              <a:ext uri="{FF2B5EF4-FFF2-40B4-BE49-F238E27FC236}">
-                <a16:creationId xmlns:a16="http://schemas.microsoft.com/office/drawing/2014/main" id="{4963BDAC-4BF7-A97F-4BE7-6886A43D51EA}"/>
+          <p:cNvPr id="241" name="直接连接符 240">
+            <a:extLst>
+              <a:ext uri="{FF2B5EF4-FFF2-40B4-BE49-F238E27FC236}">
+                <a16:creationId xmlns:a16="http://schemas.microsoft.com/office/drawing/2014/main" id="{CF94E3FC-B8DE-97F9-0976-374A3354E1D1}"/>
               </a:ext>
             </a:extLst>
           </p:cNvPr>
           <p:cNvCxnSpPr>
             <a:cxnSpLocks/>
-            <a:endCxn id="74" idx="3"/>
+            <a:stCxn id="227" idx="5"/>
+            <a:endCxn id="237" idx="2"/>
           </p:cNvCxnSpPr>
           <p:nvPr/>
         </p:nvCxnSpPr>
         <p:spPr>
-          <a:xfrm flipV="1">
-            <a:off x="4890670" y="5196215"/>
-            <a:ext cx="268107" cy="215080"/>
+          <a:xfrm>
+            <a:off x="1928557" y="4541878"/>
+            <a:ext cx="431206" cy="321472"/>
           </a:xfrm>
           <a:prstGeom prst="line">
             <a:avLst/>
@@ -7027,63 +7110,23 @@
       </p:cxnSp>
       <p:cxnSp>
         <p:nvCxnSpPr>
-          <p:cNvPr id="82" name="直接连接符 81">
-            <a:extLst>
-              <a:ext uri="{FF2B5EF4-FFF2-40B4-BE49-F238E27FC236}">
-                <a16:creationId xmlns:a16="http://schemas.microsoft.com/office/drawing/2014/main" id="{90C62850-39E5-3272-0F79-91871410968F}"/>
+          <p:cNvPr id="242" name="直接连接符 241">
+            <a:extLst>
+              <a:ext uri="{FF2B5EF4-FFF2-40B4-BE49-F238E27FC236}">
+                <a16:creationId xmlns:a16="http://schemas.microsoft.com/office/drawing/2014/main" id="{4311FCFE-FB0D-10EE-0E2C-527241BE9148}"/>
               </a:ext>
             </a:extLst>
           </p:cNvPr>
           <p:cNvCxnSpPr>
             <a:cxnSpLocks/>
-            <a:stCxn id="67" idx="5"/>
-            <a:endCxn id="77" idx="2"/>
+            <a:stCxn id="227" idx="0"/>
+            <a:endCxn id="226" idx="4"/>
           </p:cNvCxnSpPr>
           <p:nvPr/>
         </p:nvCxnSpPr>
         <p:spPr>
-          <a:xfrm>
-            <a:off x="3698692" y="5456561"/>
-            <a:ext cx="431206" cy="321472"/>
-          </a:xfrm>
-          <a:prstGeom prst="line">
-            <a:avLst/>
-          </a:prstGeom>
-        </p:spPr>
-        <p:style>
-          <a:lnRef idx="3">
-            <a:schemeClr val="dk1"/>
-          </a:lnRef>
-          <a:fillRef idx="0">
-            <a:schemeClr val="dk1"/>
-          </a:fillRef>
-          <a:effectRef idx="2">
-            <a:schemeClr val="dk1"/>
-          </a:effectRef>
-          <a:fontRef idx="minor">
-            <a:schemeClr val="tx1"/>
-          </a:fontRef>
-        </p:style>
-      </p:cxnSp>
-      <p:cxnSp>
-        <p:nvCxnSpPr>
-          <p:cNvPr id="83" name="直接连接符 82">
-            <a:extLst>
-              <a:ext uri="{FF2B5EF4-FFF2-40B4-BE49-F238E27FC236}">
-                <a16:creationId xmlns:a16="http://schemas.microsoft.com/office/drawing/2014/main" id="{48C91FC9-972E-117C-5DB6-9C8C9ADF19E8}"/>
-              </a:ext>
-            </a:extLst>
-          </p:cNvPr>
-          <p:cNvCxnSpPr>
-            <a:cxnSpLocks/>
-            <a:stCxn id="67" idx="0"/>
-            <a:endCxn id="66" idx="4"/>
-          </p:cNvCxnSpPr>
-          <p:nvPr/>
-        </p:nvCxnSpPr>
-        <p:spPr>
           <a:xfrm flipH="1" flipV="1">
-            <a:off x="3557267" y="4759250"/>
+            <a:off x="1787132" y="3844567"/>
             <a:ext cx="77174" cy="476496"/>
           </a:xfrm>
           <a:prstGeom prst="line">
@@ -7111,10 +7154,10 @@
       </p:cxnSp>
       <p:sp>
         <p:nvSpPr>
-          <p:cNvPr id="84" name="矩形 83">
-            <a:extLst>
-              <a:ext uri="{FF2B5EF4-FFF2-40B4-BE49-F238E27FC236}">
-                <a16:creationId xmlns:a16="http://schemas.microsoft.com/office/drawing/2014/main" id="{B8754967-1A6C-43AD-2A67-F223F5AA5911}"/>
+          <p:cNvPr id="243" name="矩形 242">
+            <a:extLst>
+              <a:ext uri="{FF2B5EF4-FFF2-40B4-BE49-F238E27FC236}">
+                <a16:creationId xmlns:a16="http://schemas.microsoft.com/office/drawing/2014/main" id="{288B85D7-BF2A-48E8-FAC6-0286CB895A47}"/>
               </a:ext>
             </a:extLst>
           </p:cNvPr>
@@ -7123,7 +7166,7 @@
         </p:nvSpPr>
         <p:spPr>
           <a:xfrm>
-            <a:off x="4806430" y="4510330"/>
+            <a:off x="3036295" y="3595647"/>
             <a:ext cx="248920" cy="248920"/>
           </a:xfrm>
           <a:prstGeom prst="rect">
@@ -7165,22 +7208,22 @@
       </p:sp>
       <p:cxnSp>
         <p:nvCxnSpPr>
-          <p:cNvPr id="85" name="直接连接符 84">
-            <a:extLst>
-              <a:ext uri="{FF2B5EF4-FFF2-40B4-BE49-F238E27FC236}">
-                <a16:creationId xmlns:a16="http://schemas.microsoft.com/office/drawing/2014/main" id="{5E9D1549-3182-DA0B-268B-1C8AF4502046}"/>
+          <p:cNvPr id="244" name="直接连接符 243">
+            <a:extLst>
+              <a:ext uri="{FF2B5EF4-FFF2-40B4-BE49-F238E27FC236}">
+                <a16:creationId xmlns:a16="http://schemas.microsoft.com/office/drawing/2014/main" id="{1E439726-50AB-C203-1F8D-11830129853A}"/>
               </a:ext>
             </a:extLst>
           </p:cNvPr>
           <p:cNvCxnSpPr>
             <a:cxnSpLocks/>
-            <a:endCxn id="84" idx="2"/>
+            <a:endCxn id="243" idx="2"/>
           </p:cNvCxnSpPr>
           <p:nvPr/>
         </p:nvCxnSpPr>
         <p:spPr>
           <a:xfrm flipV="1">
-            <a:off x="4807176" y="4759250"/>
+            <a:off x="3037041" y="3844567"/>
             <a:ext cx="123714" cy="606189"/>
           </a:xfrm>
           <a:prstGeom prst="line">
@@ -7204,23 +7247,23 @@
       </p:cxnSp>
       <p:cxnSp>
         <p:nvCxnSpPr>
-          <p:cNvPr id="86" name="直接连接符 85">
-            <a:extLst>
-              <a:ext uri="{FF2B5EF4-FFF2-40B4-BE49-F238E27FC236}">
-                <a16:creationId xmlns:a16="http://schemas.microsoft.com/office/drawing/2014/main" id="{FEBB953C-83CA-AB4B-A6A2-50FB0F3A15DD}"/>
+          <p:cNvPr id="245" name="直接连接符 244">
+            <a:extLst>
+              <a:ext uri="{FF2B5EF4-FFF2-40B4-BE49-F238E27FC236}">
+                <a16:creationId xmlns:a16="http://schemas.microsoft.com/office/drawing/2014/main" id="{02F4CCC0-2BB7-5A03-387D-B8C562B9EE55}"/>
               </a:ext>
             </a:extLst>
           </p:cNvPr>
           <p:cNvCxnSpPr>
             <a:cxnSpLocks/>
-            <a:stCxn id="69" idx="1"/>
-            <a:endCxn id="84" idx="3"/>
+            <a:stCxn id="229" idx="1"/>
+            <a:endCxn id="243" idx="3"/>
           </p:cNvCxnSpPr>
           <p:nvPr/>
         </p:nvCxnSpPr>
         <p:spPr>
           <a:xfrm flipH="1" flipV="1">
-            <a:off x="5055350" y="4634790"/>
+            <a:off x="3285215" y="3720107"/>
             <a:ext cx="801258" cy="228614"/>
           </a:xfrm>
           <a:prstGeom prst="line">
@@ -7244,10 +7287,10 @@
       </p:cxnSp>
       <p:sp>
         <p:nvSpPr>
-          <p:cNvPr id="87" name="矩形 86">
-            <a:extLst>
-              <a:ext uri="{FF2B5EF4-FFF2-40B4-BE49-F238E27FC236}">
-                <a16:creationId xmlns:a16="http://schemas.microsoft.com/office/drawing/2014/main" id="{B03637A9-B6D3-4711-4B9A-D73AC1147B64}"/>
+          <p:cNvPr id="246" name="矩形 245">
+            <a:extLst>
+              <a:ext uri="{FF2B5EF4-FFF2-40B4-BE49-F238E27FC236}">
+                <a16:creationId xmlns:a16="http://schemas.microsoft.com/office/drawing/2014/main" id="{53874673-4D11-A687-C8B6-4CDA082680F6}"/>
               </a:ext>
             </a:extLst>
           </p:cNvPr>
@@ -7256,7 +7299,7 @@
         </p:nvSpPr>
         <p:spPr>
           <a:xfrm>
-            <a:off x="2244166" y="5502014"/>
+            <a:off x="474031" y="4587331"/>
             <a:ext cx="248920" cy="248920"/>
           </a:xfrm>
           <a:prstGeom prst="rect">
@@ -7298,23 +7341,23 @@
       </p:sp>
       <p:cxnSp>
         <p:nvCxnSpPr>
-          <p:cNvPr id="88" name="直接连接符 87">
-            <a:extLst>
-              <a:ext uri="{FF2B5EF4-FFF2-40B4-BE49-F238E27FC236}">
-                <a16:creationId xmlns:a16="http://schemas.microsoft.com/office/drawing/2014/main" id="{BBBEAD99-B60D-844E-D8C8-695F53F870A0}"/>
+          <p:cNvPr id="247" name="直接连接符 246">
+            <a:extLst>
+              <a:ext uri="{FF2B5EF4-FFF2-40B4-BE49-F238E27FC236}">
+                <a16:creationId xmlns:a16="http://schemas.microsoft.com/office/drawing/2014/main" id="{4FB6880B-B873-5D6F-6B76-9D513316A47B}"/>
               </a:ext>
             </a:extLst>
           </p:cNvPr>
           <p:cNvCxnSpPr>
             <a:cxnSpLocks/>
-            <a:stCxn id="87" idx="3"/>
-            <a:endCxn id="62" idx="2"/>
+            <a:stCxn id="246" idx="3"/>
+            <a:endCxn id="222" idx="2"/>
           </p:cNvCxnSpPr>
           <p:nvPr/>
         </p:nvCxnSpPr>
         <p:spPr>
           <a:xfrm>
-            <a:off x="2493086" y="5626474"/>
+            <a:off x="722951" y="4711791"/>
             <a:ext cx="471702" cy="8848"/>
           </a:xfrm>
           <a:prstGeom prst="line">
@@ -7338,10 +7381,10 @@
       </p:cxnSp>
       <p:sp>
         <p:nvSpPr>
-          <p:cNvPr id="89" name="椭圆 88">
-            <a:extLst>
-              <a:ext uri="{FF2B5EF4-FFF2-40B4-BE49-F238E27FC236}">
-                <a16:creationId xmlns:a16="http://schemas.microsoft.com/office/drawing/2014/main" id="{0E52EC69-DE66-FBE6-C2AE-F63E50496A6C}"/>
+          <p:cNvPr id="254" name="椭圆 253">
+            <a:extLst>
+              <a:ext uri="{FF2B5EF4-FFF2-40B4-BE49-F238E27FC236}">
+                <a16:creationId xmlns:a16="http://schemas.microsoft.com/office/drawing/2014/main" id="{DAFC0D2F-F81C-2463-28BF-FACD944B2B58}"/>
               </a:ext>
             </a:extLst>
           </p:cNvPr>
@@ -7349,8 +7392,353 @@
           <p:nvPr/>
         </p:nvSpPr>
         <p:spPr>
+          <a:xfrm rot="376585">
+            <a:off x="2900283" y="4449535"/>
+            <a:ext cx="248920" cy="248920"/>
+          </a:xfrm>
+          <a:prstGeom prst="ellipse">
+            <a:avLst/>
+          </a:prstGeom>
+          <a:solidFill>
+            <a:schemeClr val="bg2"/>
+          </a:solidFill>
+          <a:ln w="19050">
+            <a:solidFill>
+              <a:schemeClr val="tx1"/>
+            </a:solidFill>
+          </a:ln>
+        </p:spPr>
+        <p:style>
+          <a:lnRef idx="2">
+            <a:schemeClr val="accent1">
+              <a:shade val="50000"/>
+            </a:schemeClr>
+          </a:lnRef>
+          <a:fillRef idx="1">
+            <a:schemeClr val="accent1"/>
+          </a:fillRef>
+          <a:effectRef idx="0">
+            <a:schemeClr val="accent1"/>
+          </a:effectRef>
+          <a:fontRef idx="minor">
+            <a:schemeClr val="lt1"/>
+          </a:fontRef>
+        </p:style>
+        <p:txBody>
+          <a:bodyPr rtlCol="0" anchor="ctr"/>
+          <a:lstStyle/>
+          <a:p>
+            <a:pPr algn="ctr"/>
+            <a:endParaRPr lang="zh-CN" altLang="en-US"/>
+          </a:p>
+        </p:txBody>
+      </p:sp>
+      <p:sp>
+        <p:nvSpPr>
+          <p:cNvPr id="255" name="文本框 254">
+            <a:extLst>
+              <a:ext uri="{FF2B5EF4-FFF2-40B4-BE49-F238E27FC236}">
+                <a16:creationId xmlns:a16="http://schemas.microsoft.com/office/drawing/2014/main" id="{C801B6D1-8FE1-6B74-4C36-0325BA513A2D}"/>
+              </a:ext>
+            </a:extLst>
+          </p:cNvPr>
+          <p:cNvSpPr txBox="1"/>
+          <p:nvPr/>
+        </p:nvSpPr>
+        <p:spPr>
           <a:xfrm>
-            <a:off x="7668415" y="4481910"/>
+            <a:off x="130286" y="5216600"/>
+            <a:ext cx="6345338" cy="1477328"/>
+          </a:xfrm>
+          <a:prstGeom prst="rect">
+            <a:avLst/>
+          </a:prstGeom>
+          <a:noFill/>
+        </p:spPr>
+        <p:txBody>
+          <a:bodyPr wrap="square">
+            <a:spAutoFit/>
+          </a:bodyPr>
+          <a:lstStyle/>
+          <a:p>
+            <a:pPr algn="ctr"/>
+            <a:r>
+              <a:rPr lang="zh-CN" altLang="en-US" kern="100">
+                <a:latin typeface="Times New Roman" panose="02020603050405020304" pitchFamily="18" charset="0"/>
+                <a:ea typeface="华文中宋" panose="02010600040101010101" pitchFamily="2" charset="-122"/>
+                <a:cs typeface="Times New Roman" panose="02020603050405020304" pitchFamily="18" charset="0"/>
+              </a:rPr>
+              <a:t>保留网络</a:t>
+            </a:r>
+            <a:endParaRPr lang="en-US" altLang="zh-CN" kern="100">
+              <a:latin typeface="Times New Roman" panose="02020603050405020304" pitchFamily="18" charset="0"/>
+              <a:ea typeface="华文中宋" panose="02010600040101010101" pitchFamily="2" charset="-122"/>
+              <a:cs typeface="Times New Roman" panose="02020603050405020304" pitchFamily="18" charset="0"/>
+            </a:endParaRPr>
+          </a:p>
+          <a:p>
+            <a:r>
+              <a:rPr lang="en-US" altLang="zh-CN" kern="100">
+                <a:latin typeface="Times New Roman" panose="02020603050405020304" pitchFamily="18" charset="0"/>
+                <a:ea typeface="华文中宋" panose="02010600040101010101" pitchFamily="2" charset="-122"/>
+                <a:cs typeface="Times New Roman" panose="02020603050405020304" pitchFamily="18" charset="0"/>
+              </a:rPr>
+              <a:t>1</a:t>
+            </a:r>
+            <a:r>
+              <a:rPr lang="zh-CN" altLang="en-US" kern="100">
+                <a:latin typeface="Times New Roman" panose="02020603050405020304" pitchFamily="18" charset="0"/>
+                <a:ea typeface="华文中宋" panose="02010600040101010101" pitchFamily="2" charset="-122"/>
+                <a:cs typeface="Times New Roman" panose="02020603050405020304" pitchFamily="18" charset="0"/>
+              </a:rPr>
+              <a:t>、必须有节点身份信息：因为是算“对人的影响”（</a:t>
+            </a:r>
+            <a:r>
+              <a:rPr lang="en-US" altLang="zh-CN" kern="100">
+                <a:latin typeface="Times New Roman" panose="02020603050405020304" pitchFamily="18" charset="0"/>
+                <a:ea typeface="华文中宋" panose="02010600040101010101" pitchFamily="2" charset="-122"/>
+                <a:cs typeface="Times New Roman" panose="02020603050405020304" pitchFamily="18" charset="0"/>
+              </a:rPr>
+              <a:t>Twi22</a:t>
+            </a:r>
+            <a:r>
+              <a:rPr lang="zh-CN" altLang="en-US" kern="100">
+                <a:latin typeface="Times New Roman" panose="02020603050405020304" pitchFamily="18" charset="0"/>
+                <a:ea typeface="华文中宋" panose="02010600040101010101" pitchFamily="2" charset="-122"/>
+                <a:cs typeface="Times New Roman" panose="02020603050405020304" pitchFamily="18" charset="0"/>
+              </a:rPr>
+              <a:t>中全部有身份信息）</a:t>
+            </a:r>
+            <a:endParaRPr lang="en-US" altLang="zh-CN" kern="100">
+              <a:latin typeface="Times New Roman" panose="02020603050405020304" pitchFamily="18" charset="0"/>
+              <a:ea typeface="华文中宋" panose="02010600040101010101" pitchFamily="2" charset="-122"/>
+              <a:cs typeface="Times New Roman" panose="02020603050405020304" pitchFamily="18" charset="0"/>
+            </a:endParaRPr>
+          </a:p>
+          <a:p>
+            <a:r>
+              <a:rPr lang="en-US" altLang="zh-CN" kern="100">
+                <a:latin typeface="Times New Roman" panose="02020603050405020304" pitchFamily="18" charset="0"/>
+                <a:ea typeface="华文中宋" panose="02010600040101010101" pitchFamily="2" charset="-122"/>
+                <a:cs typeface="Times New Roman" panose="02020603050405020304" pitchFamily="18" charset="0"/>
+              </a:rPr>
+              <a:t>2</a:t>
+            </a:r>
+            <a:r>
+              <a:rPr lang="zh-CN" altLang="en-US" kern="100">
+                <a:latin typeface="Times New Roman" panose="02020603050405020304" pitchFamily="18" charset="0"/>
+                <a:ea typeface="华文中宋" panose="02010600040101010101" pitchFamily="2" charset="-122"/>
+                <a:cs typeface="Times New Roman" panose="02020603050405020304" pitchFamily="18" charset="0"/>
+              </a:rPr>
+              <a:t>、必须有</a:t>
+            </a:r>
+            <a:r>
+              <a:rPr lang="en-US" altLang="zh-CN" kern="100">
+                <a:latin typeface="Times New Roman" panose="02020603050405020304" pitchFamily="18" charset="0"/>
+                <a:ea typeface="华文中宋" panose="02010600040101010101" pitchFamily="2" charset="-122"/>
+                <a:cs typeface="Times New Roman" panose="02020603050405020304" pitchFamily="18" charset="0"/>
+              </a:rPr>
+              <a:t>relevant topic</a:t>
+            </a:r>
+            <a:r>
+              <a:rPr lang="zh-CN" altLang="en-US" kern="100">
+                <a:latin typeface="Times New Roman" panose="02020603050405020304" pitchFamily="18" charset="0"/>
+                <a:ea typeface="华文中宋" panose="02010600040101010101" pitchFamily="2" charset="-122"/>
+                <a:cs typeface="Times New Roman" panose="02020603050405020304" pitchFamily="18" charset="0"/>
+              </a:rPr>
+              <a:t>的贴子：否则这个话题的</a:t>
+            </a:r>
+            <a:r>
+              <a:rPr lang="en-US" altLang="zh-CN" kern="100">
+                <a:latin typeface="Times New Roman" panose="02020603050405020304" pitchFamily="18" charset="0"/>
+                <a:ea typeface="华文中宋" panose="02010600040101010101" pitchFamily="2" charset="-122"/>
+                <a:cs typeface="Times New Roman" panose="02020603050405020304" pitchFamily="18" charset="0"/>
+              </a:rPr>
+              <a:t>opinion</a:t>
+            </a:r>
+            <a:r>
+              <a:rPr lang="zh-CN" altLang="en-US" kern="100">
+                <a:latin typeface="Times New Roman" panose="02020603050405020304" pitchFamily="18" charset="0"/>
+                <a:ea typeface="华文中宋" panose="02010600040101010101" pitchFamily="2" charset="-122"/>
+                <a:cs typeface="Times New Roman" panose="02020603050405020304" pitchFamily="18" charset="0"/>
+              </a:rPr>
+              <a:t>可能不会产生影响（代码中则是先选贴子，再根据贴子选人） </a:t>
+            </a:r>
+            <a:endParaRPr lang="zh-CN" altLang="en-US"/>
+          </a:p>
+        </p:txBody>
+      </p:sp>
+      <p:cxnSp>
+        <p:nvCxnSpPr>
+          <p:cNvPr id="256" name="直接连接符 255">
+            <a:extLst>
+              <a:ext uri="{FF2B5EF4-FFF2-40B4-BE49-F238E27FC236}">
+                <a16:creationId xmlns:a16="http://schemas.microsoft.com/office/drawing/2014/main" id="{C7B240CA-4486-0218-567B-AAA6D3C52811}"/>
+              </a:ext>
+            </a:extLst>
+          </p:cNvPr>
+          <p:cNvCxnSpPr>
+            <a:cxnSpLocks/>
+            <a:stCxn id="227" idx="3"/>
+            <a:endCxn id="222" idx="7"/>
+          </p:cNvCxnSpPr>
+          <p:nvPr/>
+        </p:nvCxnSpPr>
+        <p:spPr>
+          <a:xfrm flipH="1">
+            <a:off x="1415468" y="4522635"/>
+            <a:ext cx="338130" cy="133753"/>
+          </a:xfrm>
+          <a:prstGeom prst="line">
+            <a:avLst/>
+          </a:prstGeom>
+          <a:ln>
+            <a:headEnd type="none" w="med" len="med"/>
+            <a:tailEnd type="none" w="med" len="med"/>
+          </a:ln>
+        </p:spPr>
+        <p:style>
+          <a:lnRef idx="3">
+            <a:schemeClr val="dk1"/>
+          </a:lnRef>
+          <a:fillRef idx="0">
+            <a:schemeClr val="dk1"/>
+          </a:fillRef>
+          <a:effectRef idx="2">
+            <a:schemeClr val="dk1"/>
+          </a:effectRef>
+          <a:fontRef idx="minor">
+            <a:schemeClr val="tx1"/>
+          </a:fontRef>
+        </p:style>
+      </p:cxnSp>
+      <p:sp>
+        <p:nvSpPr>
+          <p:cNvPr id="257" name="椭圆 256">
+            <a:extLst>
+              <a:ext uri="{FF2B5EF4-FFF2-40B4-BE49-F238E27FC236}">
+                <a16:creationId xmlns:a16="http://schemas.microsoft.com/office/drawing/2014/main" id="{3AFF7BF1-F9DD-AAA6-4A58-FEAA1908F84C}"/>
+              </a:ext>
+            </a:extLst>
+          </p:cNvPr>
+          <p:cNvSpPr/>
+          <p:nvPr/>
+        </p:nvSpPr>
+        <p:spPr>
+          <a:xfrm rot="376585">
+            <a:off x="8161079" y="2602754"/>
+            <a:ext cx="248920" cy="248920"/>
+          </a:xfrm>
+          <a:prstGeom prst="ellipse">
+            <a:avLst/>
+          </a:prstGeom>
+          <a:solidFill>
+            <a:schemeClr val="bg2"/>
+          </a:solidFill>
+          <a:ln w="19050">
+            <a:solidFill>
+              <a:schemeClr val="tx1"/>
+            </a:solidFill>
+          </a:ln>
+        </p:spPr>
+        <p:style>
+          <a:lnRef idx="2">
+            <a:schemeClr val="accent1">
+              <a:shade val="50000"/>
+            </a:schemeClr>
+          </a:lnRef>
+          <a:fillRef idx="1">
+            <a:schemeClr val="accent1"/>
+          </a:fillRef>
+          <a:effectRef idx="0">
+            <a:schemeClr val="accent1"/>
+          </a:effectRef>
+          <a:fontRef idx="minor">
+            <a:schemeClr val="lt1"/>
+          </a:fontRef>
+        </p:style>
+        <p:txBody>
+          <a:bodyPr rtlCol="0" anchor="ctr"/>
+          <a:lstStyle/>
+          <a:p>
+            <a:pPr algn="ctr"/>
+            <a:endParaRPr lang="zh-CN" altLang="en-US"/>
+          </a:p>
+        </p:txBody>
+      </p:sp>
+      <p:sp>
+        <p:nvSpPr>
+          <p:cNvPr id="258" name="椭圆 257">
+            <a:extLst>
+              <a:ext uri="{FF2B5EF4-FFF2-40B4-BE49-F238E27FC236}">
+                <a16:creationId xmlns:a16="http://schemas.microsoft.com/office/drawing/2014/main" id="{9E2253E6-9D97-01E3-BE13-D434B0E1D5D4}"/>
+              </a:ext>
+            </a:extLst>
+          </p:cNvPr>
+          <p:cNvSpPr/>
+          <p:nvPr/>
+        </p:nvSpPr>
+        <p:spPr>
+          <a:xfrm>
+            <a:off x="8629844" y="1588615"/>
+            <a:ext cx="248920" cy="248920"/>
+          </a:xfrm>
+          <a:prstGeom prst="ellipse">
+            <a:avLst/>
+          </a:prstGeom>
+          <a:solidFill>
+            <a:schemeClr val="bg2"/>
+          </a:solidFill>
+          <a:ln w="19050">
+            <a:solidFill>
+              <a:schemeClr val="tx1"/>
+            </a:solidFill>
+          </a:ln>
+        </p:spPr>
+        <p:style>
+          <a:lnRef idx="2">
+            <a:schemeClr val="accent1">
+              <a:shade val="50000"/>
+            </a:schemeClr>
+          </a:lnRef>
+          <a:fillRef idx="1">
+            <a:schemeClr val="accent1"/>
+          </a:fillRef>
+          <a:effectRef idx="0">
+            <a:schemeClr val="accent1"/>
+          </a:effectRef>
+          <a:fontRef idx="minor">
+            <a:schemeClr val="lt1"/>
+          </a:fontRef>
+        </p:style>
+        <p:txBody>
+          <a:bodyPr rtlCol="0" anchor="ctr"/>
+          <a:lstStyle/>
+          <a:p>
+            <a:pPr algn="ctr"/>
+            <a:endParaRPr lang="zh-CN" altLang="en-US" b="1">
+              <a:solidFill>
+                <a:schemeClr val="tx1"/>
+              </a:solidFill>
+            </a:endParaRPr>
+          </a:p>
+        </p:txBody>
+      </p:sp>
+      <p:sp>
+        <p:nvSpPr>
+          <p:cNvPr id="259" name="椭圆 258">
+            <a:extLst>
+              <a:ext uri="{FF2B5EF4-FFF2-40B4-BE49-F238E27FC236}">
+                <a16:creationId xmlns:a16="http://schemas.microsoft.com/office/drawing/2014/main" id="{68C4FA56-1D0E-3464-8DC4-DD9B9BC48BA0}"/>
+              </a:ext>
+            </a:extLst>
+          </p:cNvPr>
+          <p:cNvSpPr/>
+          <p:nvPr/>
+        </p:nvSpPr>
+        <p:spPr>
+          <a:xfrm rot="376585">
+            <a:off x="8693411" y="2313285"/>
             <a:ext cx="248920" cy="248920"/>
           </a:xfrm>
           <a:prstGeom prst="ellipse">
@@ -7386,20 +7774,16 @@
           <a:lstStyle/>
           <a:p>
             <a:pPr algn="ctr"/>
-            <a:endParaRPr lang="zh-CN" altLang="en-US" b="1">
-              <a:solidFill>
-                <a:schemeClr val="tx1"/>
-              </a:solidFill>
-            </a:endParaRPr>
-          </a:p>
-        </p:txBody>
-      </p:sp>
-      <p:sp>
-        <p:nvSpPr>
-          <p:cNvPr id="90" name="椭圆 89">
-            <a:extLst>
-              <a:ext uri="{FF2B5EF4-FFF2-40B4-BE49-F238E27FC236}">
-                <a16:creationId xmlns:a16="http://schemas.microsoft.com/office/drawing/2014/main" id="{043A1D09-B634-3AF0-4EBC-778E87A413AA}"/>
+            <a:endParaRPr lang="zh-CN" altLang="en-US"/>
+          </a:p>
+        </p:txBody>
+      </p:sp>
+      <p:sp>
+        <p:nvSpPr>
+          <p:cNvPr id="260" name="椭圆 259">
+            <a:extLst>
+              <a:ext uri="{FF2B5EF4-FFF2-40B4-BE49-F238E27FC236}">
+                <a16:creationId xmlns:a16="http://schemas.microsoft.com/office/drawing/2014/main" id="{789083DF-FB41-E833-C793-249C1E0683CC}"/>
               </a:ext>
             </a:extLst>
           </p:cNvPr>
@@ -7408,7 +7792,141 @@
         </p:nvSpPr>
         <p:spPr>
           <a:xfrm rot="376585">
-            <a:off x="7681215" y="4898956"/>
+            <a:off x="11007043" y="1914330"/>
+            <a:ext cx="248920" cy="248920"/>
+          </a:xfrm>
+          <a:prstGeom prst="ellipse">
+            <a:avLst/>
+          </a:prstGeom>
+          <a:solidFill>
+            <a:schemeClr val="bg2"/>
+          </a:solidFill>
+          <a:ln w="19050">
+            <a:solidFill>
+              <a:schemeClr val="tx1"/>
+            </a:solidFill>
+          </a:ln>
+        </p:spPr>
+        <p:style>
+          <a:lnRef idx="2">
+            <a:schemeClr val="accent1">
+              <a:shade val="50000"/>
+            </a:schemeClr>
+          </a:lnRef>
+          <a:fillRef idx="1">
+            <a:schemeClr val="accent1"/>
+          </a:fillRef>
+          <a:effectRef idx="0">
+            <a:schemeClr val="accent1"/>
+          </a:effectRef>
+          <a:fontRef idx="minor">
+            <a:schemeClr val="lt1"/>
+          </a:fontRef>
+        </p:style>
+        <p:txBody>
+          <a:bodyPr rtlCol="0" anchor="ctr"/>
+          <a:lstStyle/>
+          <a:p>
+            <a:pPr algn="ctr"/>
+            <a:endParaRPr lang="zh-CN" altLang="en-US"/>
+          </a:p>
+        </p:txBody>
+      </p:sp>
+      <p:cxnSp>
+        <p:nvCxnSpPr>
+          <p:cNvPr id="261" name="直接连接符 260">
+            <a:extLst>
+              <a:ext uri="{FF2B5EF4-FFF2-40B4-BE49-F238E27FC236}">
+                <a16:creationId xmlns:a16="http://schemas.microsoft.com/office/drawing/2014/main" id="{0475263B-581C-4B31-63DB-9B63D960812F}"/>
+              </a:ext>
+            </a:extLst>
+          </p:cNvPr>
+          <p:cNvCxnSpPr>
+            <a:cxnSpLocks/>
+            <a:stCxn id="263" idx="1"/>
+            <a:endCxn id="260" idx="5"/>
+          </p:cNvCxnSpPr>
+          <p:nvPr/>
+        </p:nvCxnSpPr>
+        <p:spPr>
+          <a:xfrm flipH="1" flipV="1">
+            <a:off x="11209361" y="2135891"/>
+            <a:ext cx="120129" cy="338307"/>
+          </a:xfrm>
+          <a:prstGeom prst="line">
+            <a:avLst/>
+          </a:prstGeom>
+        </p:spPr>
+        <p:style>
+          <a:lnRef idx="3">
+            <a:schemeClr val="dk1"/>
+          </a:lnRef>
+          <a:fillRef idx="0">
+            <a:schemeClr val="dk1"/>
+          </a:fillRef>
+          <a:effectRef idx="2">
+            <a:schemeClr val="dk1"/>
+          </a:effectRef>
+          <a:fontRef idx="minor">
+            <a:schemeClr val="tx1"/>
+          </a:fontRef>
+        </p:style>
+      </p:cxnSp>
+      <p:cxnSp>
+        <p:nvCxnSpPr>
+          <p:cNvPr id="262" name="直接连接符 261">
+            <a:extLst>
+              <a:ext uri="{FF2B5EF4-FFF2-40B4-BE49-F238E27FC236}">
+                <a16:creationId xmlns:a16="http://schemas.microsoft.com/office/drawing/2014/main" id="{3ED3EC8C-338B-E5DF-34A3-14112BCAB1B5}"/>
+              </a:ext>
+            </a:extLst>
+          </p:cNvPr>
+          <p:cNvCxnSpPr>
+            <a:cxnSpLocks/>
+            <a:stCxn id="264" idx="6"/>
+            <a:endCxn id="260" idx="2"/>
+          </p:cNvCxnSpPr>
+          <p:nvPr/>
+        </p:nvCxnSpPr>
+        <p:spPr>
+          <a:xfrm flipV="1">
+            <a:off x="10576629" y="2025183"/>
+            <a:ext cx="431160" cy="185066"/>
+          </a:xfrm>
+          <a:prstGeom prst="line">
+            <a:avLst/>
+          </a:prstGeom>
+        </p:spPr>
+        <p:style>
+          <a:lnRef idx="3">
+            <a:schemeClr val="dk1"/>
+          </a:lnRef>
+          <a:fillRef idx="0">
+            <a:schemeClr val="dk1"/>
+          </a:fillRef>
+          <a:effectRef idx="2">
+            <a:schemeClr val="dk1"/>
+          </a:effectRef>
+          <a:fontRef idx="minor">
+            <a:schemeClr val="tx1"/>
+          </a:fontRef>
+        </p:style>
+      </p:cxnSp>
+      <p:sp>
+        <p:nvSpPr>
+          <p:cNvPr id="263" name="椭圆 262">
+            <a:extLst>
+              <a:ext uri="{FF2B5EF4-FFF2-40B4-BE49-F238E27FC236}">
+                <a16:creationId xmlns:a16="http://schemas.microsoft.com/office/drawing/2014/main" id="{A3198CBE-2385-EB94-ACA7-EC4E37364E67}"/>
+              </a:ext>
+            </a:extLst>
+          </p:cNvPr>
+          <p:cNvSpPr/>
+          <p:nvPr/>
+        </p:nvSpPr>
+        <p:spPr>
+          <a:xfrm>
+            <a:off x="11293037" y="2437745"/>
             <a:ext cx="248920" cy="248920"/>
           </a:xfrm>
           <a:prstGeom prst="ellipse">
@@ -7450,90 +7968,10 @@
       </p:sp>
       <p:sp>
         <p:nvSpPr>
-          <p:cNvPr id="91" name="文本框 90">
-            <a:extLst>
-              <a:ext uri="{FF2B5EF4-FFF2-40B4-BE49-F238E27FC236}">
-                <a16:creationId xmlns:a16="http://schemas.microsoft.com/office/drawing/2014/main" id="{560B64F8-0592-DAFE-8BB4-00FE6DC9A2FE}"/>
-              </a:ext>
-            </a:extLst>
-          </p:cNvPr>
-          <p:cNvSpPr txBox="1"/>
-          <p:nvPr/>
-        </p:nvSpPr>
-        <p:spPr>
-          <a:xfrm>
-            <a:off x="7952270" y="4401678"/>
-            <a:ext cx="3239235" cy="369332"/>
-          </a:xfrm>
-          <a:prstGeom prst="rect">
-            <a:avLst/>
-          </a:prstGeom>
-          <a:noFill/>
-        </p:spPr>
-        <p:txBody>
-          <a:bodyPr wrap="square">
-            <a:spAutoFit/>
-          </a:bodyPr>
-          <a:lstStyle/>
-          <a:p>
-            <a:r>
-              <a:rPr lang="en-US" altLang="zh-CN" kern="100">
-                <a:latin typeface="Times New Roman" panose="02020603050405020304" pitchFamily="18" charset="0"/>
-                <a:ea typeface="华文中宋" panose="02010600040101010101" pitchFamily="2" charset="-122"/>
-                <a:cs typeface="Times New Roman" panose="02020603050405020304" pitchFamily="18" charset="0"/>
-              </a:rPr>
-              <a:t>Stance: 0.9-1</a:t>
-            </a:r>
-            <a:endParaRPr lang="zh-CN" altLang="en-US" i="1"/>
-          </a:p>
-        </p:txBody>
-      </p:sp>
-      <p:sp>
-        <p:nvSpPr>
-          <p:cNvPr id="92" name="文本框 91">
-            <a:extLst>
-              <a:ext uri="{FF2B5EF4-FFF2-40B4-BE49-F238E27FC236}">
-                <a16:creationId xmlns:a16="http://schemas.microsoft.com/office/drawing/2014/main" id="{B8BE189B-6EE0-3B58-C80B-AB8AD04C6825}"/>
-              </a:ext>
-            </a:extLst>
-          </p:cNvPr>
-          <p:cNvSpPr txBox="1"/>
-          <p:nvPr/>
-        </p:nvSpPr>
-        <p:spPr>
-          <a:xfrm>
-            <a:off x="7952933" y="4817788"/>
-            <a:ext cx="3239235" cy="369332"/>
-          </a:xfrm>
-          <a:prstGeom prst="rect">
-            <a:avLst/>
-          </a:prstGeom>
-          <a:noFill/>
-        </p:spPr>
-        <p:txBody>
-          <a:bodyPr wrap="square">
-            <a:spAutoFit/>
-          </a:bodyPr>
-          <a:lstStyle/>
-          <a:p>
-            <a:r>
-              <a:rPr lang="en-US" altLang="zh-CN" kern="100">
-                <a:latin typeface="Times New Roman" panose="02020603050405020304" pitchFamily="18" charset="0"/>
-                <a:ea typeface="华文中宋" panose="02010600040101010101" pitchFamily="2" charset="-122"/>
-                <a:cs typeface="Times New Roman" panose="02020603050405020304" pitchFamily="18" charset="0"/>
-              </a:rPr>
-              <a:t>Stance: 0-0.1</a:t>
-            </a:r>
-            <a:endParaRPr lang="zh-CN" altLang="en-US" i="1"/>
-          </a:p>
-        </p:txBody>
-      </p:sp>
-      <p:sp>
-        <p:nvSpPr>
-          <p:cNvPr id="93" name="星形: 七角 92">
-            <a:extLst>
-              <a:ext uri="{FF2B5EF4-FFF2-40B4-BE49-F238E27FC236}">
-                <a16:creationId xmlns:a16="http://schemas.microsoft.com/office/drawing/2014/main" id="{A07FB93A-48BA-6915-364C-750B59070AFA}"/>
+          <p:cNvPr id="264" name="椭圆 263">
+            <a:extLst>
+              <a:ext uri="{FF2B5EF4-FFF2-40B4-BE49-F238E27FC236}">
+                <a16:creationId xmlns:a16="http://schemas.microsoft.com/office/drawing/2014/main" id="{157E2A99-C9C2-E571-024C-E41AD06F74C7}"/>
               </a:ext>
             </a:extLst>
           </p:cNvPr>
@@ -7541,21 +7979,20 @@
           <p:nvPr/>
         </p:nvSpPr>
         <p:spPr>
-          <a:xfrm>
-            <a:off x="2343286" y="4905487"/>
-            <a:ext cx="362105" cy="362105"/>
-          </a:xfrm>
-          <a:prstGeom prst="star7">
+          <a:xfrm rot="376585">
+            <a:off x="10328455" y="2072182"/>
+            <a:ext cx="248920" cy="248920"/>
+          </a:xfrm>
+          <a:prstGeom prst="ellipse">
             <a:avLst/>
           </a:prstGeom>
           <a:solidFill>
-            <a:schemeClr val="bg2"/>
+            <a:srgbClr val="B7F1FF"/>
           </a:solidFill>
           <a:ln w="19050">
             <a:solidFill>
               <a:schemeClr val="tx1"/>
             </a:solidFill>
-            <a:prstDash val="sysDot"/>
           </a:ln>
         </p:spPr>
         <p:style>
@@ -7579,32 +8016,16 @@
           <a:lstStyle/>
           <a:p>
             <a:pPr algn="ctr"/>
-            <a:r>
-              <a:rPr lang="en-US" altLang="zh-CN">
-                <a:solidFill>
-                  <a:schemeClr val="tx1"/>
-                </a:solidFill>
-                <a:latin typeface="Times New Roman" panose="02020603050405020304" pitchFamily="18" charset="0"/>
-                <a:cs typeface="Times New Roman" panose="02020603050405020304" pitchFamily="18" charset="0"/>
-              </a:rPr>
-              <a:t>?</a:t>
-            </a:r>
-            <a:endParaRPr lang="zh-CN" altLang="en-US">
-              <a:solidFill>
-                <a:schemeClr val="tx1"/>
-              </a:solidFill>
-              <a:latin typeface="Times New Roman" panose="02020603050405020304" pitchFamily="18" charset="0"/>
-              <a:cs typeface="Times New Roman" panose="02020603050405020304" pitchFamily="18" charset="0"/>
-            </a:endParaRPr>
-          </a:p>
-        </p:txBody>
-      </p:sp>
-      <p:sp>
-        <p:nvSpPr>
-          <p:cNvPr id="94" name="星形: 七角 93">
-            <a:extLst>
-              <a:ext uri="{FF2B5EF4-FFF2-40B4-BE49-F238E27FC236}">
-                <a16:creationId xmlns:a16="http://schemas.microsoft.com/office/drawing/2014/main" id="{8705CF67-406E-56B8-AC4C-F0CC21F42B9B}"/>
+            <a:endParaRPr lang="zh-CN" altLang="en-US"/>
+          </a:p>
+        </p:txBody>
+      </p:sp>
+      <p:sp>
+        <p:nvSpPr>
+          <p:cNvPr id="265" name="椭圆 264">
+            <a:extLst>
+              <a:ext uri="{FF2B5EF4-FFF2-40B4-BE49-F238E27FC236}">
+                <a16:creationId xmlns:a16="http://schemas.microsoft.com/office/drawing/2014/main" id="{70841575-6DA9-9C72-18DB-4FEB31831C94}"/>
               </a:ext>
             </a:extLst>
           </p:cNvPr>
@@ -7612,79 +8033,8 @@
           <p:nvPr/>
         </p:nvSpPr>
         <p:spPr>
-          <a:xfrm>
-            <a:off x="2748085" y="4471886"/>
-            <a:ext cx="362105" cy="362105"/>
-          </a:xfrm>
-          <a:prstGeom prst="star7">
-            <a:avLst/>
-          </a:prstGeom>
-          <a:solidFill>
-            <a:srgbClr val="FF9933"/>
-          </a:solidFill>
-          <a:ln w="19050">
-            <a:solidFill>
-              <a:schemeClr val="tx1"/>
-            </a:solidFill>
-            <a:prstDash val="sysDot"/>
-          </a:ln>
-        </p:spPr>
-        <p:style>
-          <a:lnRef idx="2">
-            <a:schemeClr val="accent1">
-              <a:shade val="50000"/>
-            </a:schemeClr>
-          </a:lnRef>
-          <a:fillRef idx="1">
-            <a:schemeClr val="accent1"/>
-          </a:fillRef>
-          <a:effectRef idx="0">
-            <a:schemeClr val="accent1"/>
-          </a:effectRef>
-          <a:fontRef idx="minor">
-            <a:schemeClr val="lt1"/>
-          </a:fontRef>
-        </p:style>
-        <p:txBody>
-          <a:bodyPr rtlCol="0" anchor="ctr"/>
-          <a:lstStyle/>
-          <a:p>
-            <a:pPr algn="ctr"/>
-            <a:r>
-              <a:rPr lang="en-US" altLang="zh-CN">
-                <a:solidFill>
-                  <a:schemeClr val="tx1"/>
-                </a:solidFill>
-                <a:latin typeface="Times New Roman" panose="02020603050405020304" pitchFamily="18" charset="0"/>
-                <a:cs typeface="Times New Roman" panose="02020603050405020304" pitchFamily="18" charset="0"/>
-              </a:rPr>
-              <a:t>?</a:t>
-            </a:r>
-            <a:endParaRPr lang="zh-CN" altLang="en-US">
-              <a:solidFill>
-                <a:schemeClr val="tx1"/>
-              </a:solidFill>
-              <a:latin typeface="Times New Roman" panose="02020603050405020304" pitchFamily="18" charset="0"/>
-              <a:cs typeface="Times New Roman" panose="02020603050405020304" pitchFamily="18" charset="0"/>
-            </a:endParaRPr>
-          </a:p>
-        </p:txBody>
-      </p:sp>
-      <p:sp>
-        <p:nvSpPr>
-          <p:cNvPr id="95" name="椭圆 94">
-            <a:extLst>
-              <a:ext uri="{FF2B5EF4-FFF2-40B4-BE49-F238E27FC236}">
-                <a16:creationId xmlns:a16="http://schemas.microsoft.com/office/drawing/2014/main" id="{71C7F183-1AB8-13E9-4E53-0E2CAED993E6}"/>
-              </a:ext>
-            </a:extLst>
-          </p:cNvPr>
-          <p:cNvSpPr/>
-          <p:nvPr/>
-        </p:nvSpPr>
-        <p:spPr>
           <a:xfrm rot="376585">
-            <a:off x="7681214" y="5328862"/>
+            <a:off x="9326189" y="2745465"/>
             <a:ext cx="248920" cy="248920"/>
           </a:xfrm>
           <a:prstGeom prst="ellipse">
@@ -7724,68 +8074,190 @@
           </a:p>
         </p:txBody>
       </p:sp>
-      <p:sp>
-        <p:nvSpPr>
-          <p:cNvPr id="96" name="文本框 95">
-            <a:extLst>
-              <a:ext uri="{FF2B5EF4-FFF2-40B4-BE49-F238E27FC236}">
-                <a16:creationId xmlns:a16="http://schemas.microsoft.com/office/drawing/2014/main" id="{BFAAAD40-9165-496E-646B-6B4968FFCCD3}"/>
-              </a:ext>
-            </a:extLst>
-          </p:cNvPr>
-          <p:cNvSpPr txBox="1"/>
-          <p:nvPr/>
-        </p:nvSpPr>
+      <p:cxnSp>
+        <p:nvCxnSpPr>
+          <p:cNvPr id="266" name="直接连接符 265">
+            <a:extLst>
+              <a:ext uri="{FF2B5EF4-FFF2-40B4-BE49-F238E27FC236}">
+                <a16:creationId xmlns:a16="http://schemas.microsoft.com/office/drawing/2014/main" id="{79F7E1DF-4171-056F-C12D-241F3F061C7D}"/>
+              </a:ext>
+            </a:extLst>
+          </p:cNvPr>
+          <p:cNvCxnSpPr>
+            <a:cxnSpLocks/>
+            <a:stCxn id="265" idx="7"/>
+          </p:cNvCxnSpPr>
+          <p:nvPr/>
+        </p:nvCxnSpPr>
+        <p:spPr>
+          <a:xfrm flipV="1">
+            <a:off x="9547750" y="2645296"/>
+            <a:ext cx="345755" cy="146771"/>
+          </a:xfrm>
+          <a:prstGeom prst="line">
+            <a:avLst/>
+          </a:prstGeom>
+        </p:spPr>
+        <p:style>
+          <a:lnRef idx="3">
+            <a:schemeClr val="dk1"/>
+          </a:lnRef>
+          <a:fillRef idx="0">
+            <a:schemeClr val="dk1"/>
+          </a:fillRef>
+          <a:effectRef idx="2">
+            <a:schemeClr val="dk1"/>
+          </a:effectRef>
+          <a:fontRef idx="minor">
+            <a:schemeClr val="tx1"/>
+          </a:fontRef>
+        </p:style>
+      </p:cxnSp>
+      <p:cxnSp>
+        <p:nvCxnSpPr>
+          <p:cNvPr id="267" name="直接连接符 266">
+            <a:extLst>
+              <a:ext uri="{FF2B5EF4-FFF2-40B4-BE49-F238E27FC236}">
+                <a16:creationId xmlns:a16="http://schemas.microsoft.com/office/drawing/2014/main" id="{DC11EA31-4D25-48D7-F19A-EAE2DE053EAF}"/>
+              </a:ext>
+            </a:extLst>
+          </p:cNvPr>
+          <p:cNvCxnSpPr>
+            <a:cxnSpLocks/>
+            <a:endCxn id="264" idx="3"/>
+          </p:cNvCxnSpPr>
+          <p:nvPr/>
+        </p:nvCxnSpPr>
+        <p:spPr>
+          <a:xfrm flipV="1">
+            <a:off x="10087707" y="2274500"/>
+            <a:ext cx="268107" cy="215080"/>
+          </a:xfrm>
+          <a:prstGeom prst="line">
+            <a:avLst/>
+          </a:prstGeom>
+        </p:spPr>
+        <p:style>
+          <a:lnRef idx="3">
+            <a:schemeClr val="dk1"/>
+          </a:lnRef>
+          <a:fillRef idx="0">
+            <a:schemeClr val="dk1"/>
+          </a:fillRef>
+          <a:effectRef idx="2">
+            <a:schemeClr val="dk1"/>
+          </a:effectRef>
+          <a:fontRef idx="minor">
+            <a:schemeClr val="tx1"/>
+          </a:fontRef>
+        </p:style>
+      </p:cxnSp>
+      <p:cxnSp>
+        <p:nvCxnSpPr>
+          <p:cNvPr id="268" name="直接连接符 267">
+            <a:extLst>
+              <a:ext uri="{FF2B5EF4-FFF2-40B4-BE49-F238E27FC236}">
+                <a16:creationId xmlns:a16="http://schemas.microsoft.com/office/drawing/2014/main" id="{25B7C321-57C2-D263-C365-4F0D70040D76}"/>
+              </a:ext>
+            </a:extLst>
+          </p:cNvPr>
+          <p:cNvCxnSpPr>
+            <a:cxnSpLocks/>
+            <a:stCxn id="259" idx="5"/>
+            <a:endCxn id="265" idx="2"/>
+          </p:cNvCxnSpPr>
+          <p:nvPr/>
+        </p:nvCxnSpPr>
         <p:spPr>
           <a:xfrm>
-            <a:off x="7952270" y="5268656"/>
-            <a:ext cx="3239235" cy="369332"/>
+            <a:off x="8895729" y="2534846"/>
+            <a:ext cx="431206" cy="321472"/>
+          </a:xfrm>
+          <a:prstGeom prst="line">
+            <a:avLst/>
+          </a:prstGeom>
+        </p:spPr>
+        <p:style>
+          <a:lnRef idx="3">
+            <a:schemeClr val="dk1"/>
+          </a:lnRef>
+          <a:fillRef idx="0">
+            <a:schemeClr val="dk1"/>
+          </a:fillRef>
+          <a:effectRef idx="2">
+            <a:schemeClr val="dk1"/>
+          </a:effectRef>
+          <a:fontRef idx="minor">
+            <a:schemeClr val="tx1"/>
+          </a:fontRef>
+        </p:style>
+      </p:cxnSp>
+      <p:cxnSp>
+        <p:nvCxnSpPr>
+          <p:cNvPr id="269" name="直接连接符 268">
+            <a:extLst>
+              <a:ext uri="{FF2B5EF4-FFF2-40B4-BE49-F238E27FC236}">
+                <a16:creationId xmlns:a16="http://schemas.microsoft.com/office/drawing/2014/main" id="{6354D03C-A329-0770-8536-C9170F371C0A}"/>
+              </a:ext>
+            </a:extLst>
+          </p:cNvPr>
+          <p:cNvCxnSpPr>
+            <a:cxnSpLocks/>
+            <a:stCxn id="259" idx="0"/>
+            <a:endCxn id="258" idx="4"/>
+          </p:cNvCxnSpPr>
+          <p:nvPr/>
+        </p:nvCxnSpPr>
+        <p:spPr>
+          <a:xfrm flipH="1" flipV="1">
+            <a:off x="8754304" y="1837535"/>
+            <a:ext cx="77174" cy="476496"/>
+          </a:xfrm>
+          <a:prstGeom prst="line">
+            <a:avLst/>
+          </a:prstGeom>
+          <a:ln>
+            <a:headEnd type="none" w="med" len="med"/>
+            <a:tailEnd type="none" w="med" len="med"/>
+          </a:ln>
+        </p:spPr>
+        <p:style>
+          <a:lnRef idx="3">
+            <a:schemeClr val="dk1"/>
+          </a:lnRef>
+          <a:fillRef idx="0">
+            <a:schemeClr val="dk1"/>
+          </a:fillRef>
+          <a:effectRef idx="2">
+            <a:schemeClr val="dk1"/>
+          </a:effectRef>
+          <a:fontRef idx="minor">
+            <a:schemeClr val="tx1"/>
+          </a:fontRef>
+        </p:style>
+      </p:cxnSp>
+      <p:sp>
+        <p:nvSpPr>
+          <p:cNvPr id="270" name="矩形 269">
+            <a:extLst>
+              <a:ext uri="{FF2B5EF4-FFF2-40B4-BE49-F238E27FC236}">
+                <a16:creationId xmlns:a16="http://schemas.microsoft.com/office/drawing/2014/main" id="{267D1375-03A3-414E-1419-89C7AA306E19}"/>
+              </a:ext>
+            </a:extLst>
+          </p:cNvPr>
+          <p:cNvSpPr/>
+          <p:nvPr/>
+        </p:nvSpPr>
+        <p:spPr>
+          <a:xfrm>
+            <a:off x="10003467" y="1588615"/>
+            <a:ext cx="248920" cy="248920"/>
           </a:xfrm>
           <a:prstGeom prst="rect">
             <a:avLst/>
           </a:prstGeom>
-          <a:noFill/>
-        </p:spPr>
-        <p:txBody>
-          <a:bodyPr wrap="square">
-            <a:spAutoFit/>
-          </a:bodyPr>
-          <a:lstStyle/>
-          <a:p>
-            <a:r>
-              <a:rPr lang="en-US" altLang="zh-CN" kern="100">
-                <a:latin typeface="Times New Roman" panose="02020603050405020304" pitchFamily="18" charset="0"/>
-                <a:ea typeface="华文中宋" panose="02010600040101010101" pitchFamily="2" charset="-122"/>
-                <a:cs typeface="Times New Roman" panose="02020603050405020304" pitchFamily="18" charset="0"/>
-              </a:rPr>
-              <a:t>Stance: 0.1-0.9</a:t>
-            </a:r>
-            <a:endParaRPr lang="zh-CN" altLang="en-US" i="1"/>
-          </a:p>
-        </p:txBody>
-      </p:sp>
-      <p:sp>
-        <p:nvSpPr>
-          <p:cNvPr id="97" name="椭圆 96">
-            <a:extLst>
-              <a:ext uri="{FF2B5EF4-FFF2-40B4-BE49-F238E27FC236}">
-                <a16:creationId xmlns:a16="http://schemas.microsoft.com/office/drawing/2014/main" id="{27C9A5BA-AF2D-6B05-AF51-1105D60A6EF0}"/>
-              </a:ext>
-            </a:extLst>
-          </p:cNvPr>
-          <p:cNvSpPr/>
-          <p:nvPr/>
-        </p:nvSpPr>
-        <p:spPr>
-          <a:xfrm rot="376585">
-            <a:off x="7690490" y="5771663"/>
-            <a:ext cx="248920" cy="248920"/>
-          </a:xfrm>
-          <a:prstGeom prst="ellipse">
-            <a:avLst/>
-          </a:prstGeom>
           <a:solidFill>
-            <a:schemeClr val="bg1"/>
+            <a:srgbClr val="FF9933"/>
           </a:solidFill>
           <a:ln w="19050">
             <a:solidFill>
@@ -7818,66 +8290,25 @@
           </a:p>
         </p:txBody>
       </p:sp>
-      <p:sp>
-        <p:nvSpPr>
-          <p:cNvPr id="98" name="文本框 97">
-            <a:extLst>
-              <a:ext uri="{FF2B5EF4-FFF2-40B4-BE49-F238E27FC236}">
-                <a16:creationId xmlns:a16="http://schemas.microsoft.com/office/drawing/2014/main" id="{913C9A1E-3035-9BD1-2EBD-91C9087CCAF6}"/>
-              </a:ext>
-            </a:extLst>
-          </p:cNvPr>
-          <p:cNvSpPr txBox="1"/>
-          <p:nvPr/>
-        </p:nvSpPr>
-        <p:spPr>
-          <a:xfrm>
-            <a:off x="7952270" y="5713782"/>
-            <a:ext cx="3239235" cy="369332"/>
-          </a:xfrm>
-          <a:prstGeom prst="rect">
-            <a:avLst/>
-          </a:prstGeom>
-          <a:noFill/>
-        </p:spPr>
-        <p:txBody>
-          <a:bodyPr wrap="square">
-            <a:spAutoFit/>
-          </a:bodyPr>
-          <a:lstStyle/>
-          <a:p>
-            <a:r>
-              <a:rPr lang="en-US" altLang="zh-CN" kern="100">
-                <a:latin typeface="Times New Roman" panose="02020603050405020304" pitchFamily="18" charset="0"/>
-                <a:ea typeface="华文中宋" panose="02010600040101010101" pitchFamily="2" charset="-122"/>
-                <a:cs typeface="Times New Roman" panose="02020603050405020304" pitchFamily="18" charset="0"/>
-              </a:rPr>
-              <a:t>Not relevant topic</a:t>
-            </a:r>
-            <a:endParaRPr lang="zh-CN" altLang="en-US"/>
-          </a:p>
-        </p:txBody>
-      </p:sp>
       <p:cxnSp>
         <p:nvCxnSpPr>
-          <p:cNvPr id="99" name="直接连接符 98">
-            <a:extLst>
-              <a:ext uri="{FF2B5EF4-FFF2-40B4-BE49-F238E27FC236}">
-                <a16:creationId xmlns:a16="http://schemas.microsoft.com/office/drawing/2014/main" id="{C92806EC-A595-AE34-E3F2-902B64E9BC06}"/>
+          <p:cNvPr id="271" name="直接连接符 270">
+            <a:extLst>
+              <a:ext uri="{FF2B5EF4-FFF2-40B4-BE49-F238E27FC236}">
+                <a16:creationId xmlns:a16="http://schemas.microsoft.com/office/drawing/2014/main" id="{D5011E4B-8C80-E99E-3A73-47FFE3FDC8A8}"/>
               </a:ext>
             </a:extLst>
           </p:cNvPr>
           <p:cNvCxnSpPr>
             <a:cxnSpLocks/>
-            <a:stCxn id="67" idx="4"/>
-            <a:endCxn id="100" idx="0"/>
+            <a:endCxn id="270" idx="2"/>
           </p:cNvCxnSpPr>
           <p:nvPr/>
         </p:nvCxnSpPr>
         <p:spPr>
-          <a:xfrm flipH="1">
-            <a:off x="3482853" y="5483174"/>
-            <a:ext cx="124374" cy="596113"/>
+          <a:xfrm flipV="1">
+            <a:off x="10004213" y="1837535"/>
+            <a:ext cx="123714" cy="606189"/>
           </a:xfrm>
           <a:prstGeom prst="line">
             <a:avLst/>
@@ -7898,12 +8329,52 @@
           </a:fontRef>
         </p:style>
       </p:cxnSp>
-      <p:sp>
-        <p:nvSpPr>
-          <p:cNvPr id="100" name="椭圆 99">
-            <a:extLst>
-              <a:ext uri="{FF2B5EF4-FFF2-40B4-BE49-F238E27FC236}">
-                <a16:creationId xmlns:a16="http://schemas.microsoft.com/office/drawing/2014/main" id="{5EBE451E-222E-0798-8E78-544B6F443D08}"/>
+      <p:cxnSp>
+        <p:nvCxnSpPr>
+          <p:cNvPr id="272" name="直接连接符 271">
+            <a:extLst>
+              <a:ext uri="{FF2B5EF4-FFF2-40B4-BE49-F238E27FC236}">
+                <a16:creationId xmlns:a16="http://schemas.microsoft.com/office/drawing/2014/main" id="{D093F3AF-C99D-99C4-69A6-2BF9BF13ED99}"/>
+              </a:ext>
+            </a:extLst>
+          </p:cNvPr>
+          <p:cNvCxnSpPr>
+            <a:cxnSpLocks/>
+            <a:stCxn id="260" idx="1"/>
+            <a:endCxn id="270" idx="3"/>
+          </p:cNvCxnSpPr>
+          <p:nvPr/>
+        </p:nvCxnSpPr>
+        <p:spPr>
+          <a:xfrm flipH="1" flipV="1">
+            <a:off x="10252387" y="1713075"/>
+            <a:ext cx="801258" cy="228614"/>
+          </a:xfrm>
+          <a:prstGeom prst="line">
+            <a:avLst/>
+          </a:prstGeom>
+        </p:spPr>
+        <p:style>
+          <a:lnRef idx="3">
+            <a:schemeClr val="dk1"/>
+          </a:lnRef>
+          <a:fillRef idx="0">
+            <a:schemeClr val="dk1"/>
+          </a:fillRef>
+          <a:effectRef idx="2">
+            <a:schemeClr val="dk1"/>
+          </a:effectRef>
+          <a:fontRef idx="minor">
+            <a:schemeClr val="tx1"/>
+          </a:fontRef>
+        </p:style>
+      </p:cxnSp>
+      <p:sp>
+        <p:nvSpPr>
+          <p:cNvPr id="273" name="矩形 272">
+            <a:extLst>
+              <a:ext uri="{FF2B5EF4-FFF2-40B4-BE49-F238E27FC236}">
+                <a16:creationId xmlns:a16="http://schemas.microsoft.com/office/drawing/2014/main" id="{0593F779-FAA7-CA23-0E27-70AA4D717F5D}"/>
               </a:ext>
             </a:extLst>
           </p:cNvPr>
@@ -7911,15 +8382,15 @@
           <p:nvPr/>
         </p:nvSpPr>
         <p:spPr>
-          <a:xfrm rot="376585">
-            <a:off x="3344786" y="6078541"/>
+          <a:xfrm>
+            <a:off x="7441203" y="2580299"/>
             <a:ext cx="248920" cy="248920"/>
           </a:xfrm>
-          <a:prstGeom prst="ellipse">
+          <a:prstGeom prst="rect">
             <a:avLst/>
           </a:prstGeom>
           <a:solidFill>
-            <a:schemeClr val="bg1"/>
+            <a:srgbClr val="B7F1FF"/>
           </a:solidFill>
           <a:ln w="19050">
             <a:solidFill>
@@ -7952,12 +8423,150 @@
           </a:p>
         </p:txBody>
       </p:sp>
-      <p:sp>
-        <p:nvSpPr>
-          <p:cNvPr id="101" name="文本框 100">
-            <a:extLst>
-              <a:ext uri="{FF2B5EF4-FFF2-40B4-BE49-F238E27FC236}">
-                <a16:creationId xmlns:a16="http://schemas.microsoft.com/office/drawing/2014/main" id="{4478DF8E-E22D-800F-3605-0B522F515BE6}"/>
+      <p:cxnSp>
+        <p:nvCxnSpPr>
+          <p:cNvPr id="274" name="直接连接符 273">
+            <a:extLst>
+              <a:ext uri="{FF2B5EF4-FFF2-40B4-BE49-F238E27FC236}">
+                <a16:creationId xmlns:a16="http://schemas.microsoft.com/office/drawing/2014/main" id="{665E6A92-612C-2295-35E5-8A3B7A013B09}"/>
+              </a:ext>
+            </a:extLst>
+          </p:cNvPr>
+          <p:cNvCxnSpPr>
+            <a:cxnSpLocks/>
+            <a:stCxn id="273" idx="3"/>
+            <a:endCxn id="257" idx="2"/>
+          </p:cNvCxnSpPr>
+          <p:nvPr/>
+        </p:nvCxnSpPr>
+        <p:spPr>
+          <a:xfrm>
+            <a:off x="7690123" y="2704759"/>
+            <a:ext cx="471702" cy="8848"/>
+          </a:xfrm>
+          <a:prstGeom prst="line">
+            <a:avLst/>
+          </a:prstGeom>
+        </p:spPr>
+        <p:style>
+          <a:lnRef idx="3">
+            <a:schemeClr val="dk1"/>
+          </a:lnRef>
+          <a:fillRef idx="0">
+            <a:schemeClr val="dk1"/>
+          </a:fillRef>
+          <a:effectRef idx="2">
+            <a:schemeClr val="dk1"/>
+          </a:effectRef>
+          <a:fontRef idx="minor">
+            <a:schemeClr val="tx1"/>
+          </a:fontRef>
+        </p:style>
+      </p:cxnSp>
+      <p:sp>
+        <p:nvSpPr>
+          <p:cNvPr id="275" name="椭圆 274">
+            <a:extLst>
+              <a:ext uri="{FF2B5EF4-FFF2-40B4-BE49-F238E27FC236}">
+                <a16:creationId xmlns:a16="http://schemas.microsoft.com/office/drawing/2014/main" id="{79BE53FE-9036-9122-9641-BA496FEAC32D}"/>
+              </a:ext>
+            </a:extLst>
+          </p:cNvPr>
+          <p:cNvSpPr/>
+          <p:nvPr/>
+        </p:nvSpPr>
+        <p:spPr>
+          <a:xfrm rot="376585">
+            <a:off x="9867455" y="2442503"/>
+            <a:ext cx="248920" cy="248920"/>
+          </a:xfrm>
+          <a:prstGeom prst="ellipse">
+            <a:avLst/>
+          </a:prstGeom>
+          <a:solidFill>
+            <a:schemeClr val="bg2"/>
+          </a:solidFill>
+          <a:ln w="19050">
+            <a:solidFill>
+              <a:schemeClr val="tx1"/>
+            </a:solidFill>
+          </a:ln>
+        </p:spPr>
+        <p:style>
+          <a:lnRef idx="2">
+            <a:schemeClr val="accent1">
+              <a:shade val="50000"/>
+            </a:schemeClr>
+          </a:lnRef>
+          <a:fillRef idx="1">
+            <a:schemeClr val="accent1"/>
+          </a:fillRef>
+          <a:effectRef idx="0">
+            <a:schemeClr val="accent1"/>
+          </a:effectRef>
+          <a:fontRef idx="minor">
+            <a:schemeClr val="lt1"/>
+          </a:fontRef>
+        </p:style>
+        <p:txBody>
+          <a:bodyPr rtlCol="0" anchor="ctr"/>
+          <a:lstStyle/>
+          <a:p>
+            <a:pPr algn="ctr"/>
+            <a:endParaRPr lang="zh-CN" altLang="en-US"/>
+          </a:p>
+        </p:txBody>
+      </p:sp>
+      <p:cxnSp>
+        <p:nvCxnSpPr>
+          <p:cNvPr id="276" name="直接连接符 275">
+            <a:extLst>
+              <a:ext uri="{FF2B5EF4-FFF2-40B4-BE49-F238E27FC236}">
+                <a16:creationId xmlns:a16="http://schemas.microsoft.com/office/drawing/2014/main" id="{ED91DD54-7BDA-D922-42DE-BE5F8EA1C81C}"/>
+              </a:ext>
+            </a:extLst>
+          </p:cNvPr>
+          <p:cNvCxnSpPr>
+            <a:cxnSpLocks/>
+            <a:stCxn id="259" idx="3"/>
+            <a:endCxn id="257" idx="7"/>
+          </p:cNvCxnSpPr>
+          <p:nvPr/>
+        </p:nvCxnSpPr>
+        <p:spPr>
+          <a:xfrm flipH="1">
+            <a:off x="8382640" y="2515603"/>
+            <a:ext cx="338130" cy="133753"/>
+          </a:xfrm>
+          <a:prstGeom prst="line">
+            <a:avLst/>
+          </a:prstGeom>
+          <a:ln>
+            <a:headEnd type="none" w="med" len="med"/>
+            <a:tailEnd type="none" w="med" len="med"/>
+          </a:ln>
+        </p:spPr>
+        <p:style>
+          <a:lnRef idx="3">
+            <a:schemeClr val="dk1"/>
+          </a:lnRef>
+          <a:fillRef idx="0">
+            <a:schemeClr val="dk1"/>
+          </a:fillRef>
+          <a:effectRef idx="2">
+            <a:schemeClr val="dk1"/>
+          </a:effectRef>
+          <a:fontRef idx="minor">
+            <a:schemeClr val="tx1"/>
+          </a:fontRef>
+        </p:style>
+      </p:cxnSp>
+      <p:sp>
+        <p:nvSpPr>
+          <p:cNvPr id="277" name="文本框 276">
+            <a:extLst>
+              <a:ext uri="{FF2B5EF4-FFF2-40B4-BE49-F238E27FC236}">
+                <a16:creationId xmlns:a16="http://schemas.microsoft.com/office/drawing/2014/main" id="{17E71B59-5305-193D-B2D7-22198E021DCB}"/>
               </a:ext>
             </a:extLst>
           </p:cNvPr>
@@ -7966,8 +8575,8 @@
         </p:nvSpPr>
         <p:spPr>
           <a:xfrm>
-            <a:off x="1925422" y="3694960"/>
-            <a:ext cx="3239235" cy="369332"/>
+            <a:off x="8683032" y="2244976"/>
+            <a:ext cx="274642" cy="369332"/>
           </a:xfrm>
           <a:prstGeom prst="rect">
             <a:avLst/>
@@ -7981,23 +8590,73 @@
           <a:lstStyle/>
           <a:p>
             <a:r>
-              <a:rPr lang="zh-CN" altLang="en-US" kern="100">
+              <a:rPr lang="zh-CN" altLang="en-US" b="1">
+                <a:solidFill>
+                  <a:srgbClr val="7030A0"/>
+                </a:solidFill>
+              </a:rPr>
+              <a:t>*</a:t>
+            </a:r>
+          </a:p>
+        </p:txBody>
+      </p:sp>
+      <p:sp>
+        <p:nvSpPr>
+          <p:cNvPr id="278" name="文本框 277">
+            <a:extLst>
+              <a:ext uri="{FF2B5EF4-FFF2-40B4-BE49-F238E27FC236}">
+                <a16:creationId xmlns:a16="http://schemas.microsoft.com/office/drawing/2014/main" id="{5D60DF93-2AE2-610C-3D38-B32BBDC93C44}"/>
+              </a:ext>
+            </a:extLst>
+          </p:cNvPr>
+          <p:cNvSpPr txBox="1"/>
+          <p:nvPr/>
+        </p:nvSpPr>
+        <p:spPr>
+          <a:xfrm>
+            <a:off x="9965314" y="1571795"/>
+            <a:ext cx="390500" cy="369332"/>
+          </a:xfrm>
+          <a:prstGeom prst="rect">
+            <a:avLst/>
+          </a:prstGeom>
+          <a:noFill/>
+        </p:spPr>
+        <p:txBody>
+          <a:bodyPr wrap="square">
+            <a:spAutoFit/>
+          </a:bodyPr>
+          <a:lstStyle/>
+          <a:p>
+            <a:r>
+              <a:rPr lang="zh-CN" altLang="en-US" b="1" kern="100">
+                <a:solidFill>
+                  <a:schemeClr val="accent4">
+                    <a:lumMod val="50000"/>
+                  </a:schemeClr>
+                </a:solidFill>
                 <a:latin typeface="Times New Roman" panose="02020603050405020304" pitchFamily="18" charset="0"/>
                 <a:ea typeface="华文中宋" panose="02010600040101010101" pitchFamily="2" charset="-122"/>
                 <a:cs typeface="Times New Roman" panose="02020603050405020304" pitchFamily="18" charset="0"/>
               </a:rPr>
-              <a:t>负向观点影响</a:t>
+              <a:t>*</a:t>
             </a:r>
-            <a:endParaRPr lang="zh-CN" altLang="en-US"/>
-          </a:p>
-        </p:txBody>
-      </p:sp>
-      <p:sp>
-        <p:nvSpPr>
-          <p:cNvPr id="102" name="文本框 101">
-            <a:extLst>
-              <a:ext uri="{FF2B5EF4-FFF2-40B4-BE49-F238E27FC236}">
-                <a16:creationId xmlns:a16="http://schemas.microsoft.com/office/drawing/2014/main" id="{5A61A3AA-F6C6-2EA4-6C4F-C61461E21BA1}"/>
+            <a:endParaRPr lang="zh-CN" altLang="en-US" b="1" i="1">
+              <a:solidFill>
+                <a:schemeClr val="accent4">
+                  <a:lumMod val="50000"/>
+                </a:schemeClr>
+              </a:solidFill>
+            </a:endParaRPr>
+          </a:p>
+        </p:txBody>
+      </p:sp>
+      <p:sp>
+        <p:nvSpPr>
+          <p:cNvPr id="282" name="文本框 281">
+            <a:extLst>
+              <a:ext uri="{FF2B5EF4-FFF2-40B4-BE49-F238E27FC236}">
+                <a16:creationId xmlns:a16="http://schemas.microsoft.com/office/drawing/2014/main" id="{D21192E4-D0AF-BF93-06A0-A0113F762E91}"/>
               </a:ext>
             </a:extLst>
           </p:cNvPr>
@@ -8006,7 +8665,7 @@
         </p:nvSpPr>
         <p:spPr>
           <a:xfrm>
-            <a:off x="5796483" y="1466588"/>
+            <a:off x="9833332" y="1147191"/>
             <a:ext cx="756904" cy="369332"/>
           </a:xfrm>
           <a:prstGeom prst="rect">
@@ -8045,10 +8704,959 @@
       </p:sp>
       <p:sp>
         <p:nvSpPr>
-          <p:cNvPr id="103" name="文本框 102">
-            <a:extLst>
-              <a:ext uri="{FF2B5EF4-FFF2-40B4-BE49-F238E27FC236}">
-                <a16:creationId xmlns:a16="http://schemas.microsoft.com/office/drawing/2014/main" id="{5C813BDF-5D4C-DB52-F2A7-CF1815EBAB13}"/>
+          <p:cNvPr id="285" name="椭圆 284">
+            <a:extLst>
+              <a:ext uri="{FF2B5EF4-FFF2-40B4-BE49-F238E27FC236}">
+                <a16:creationId xmlns:a16="http://schemas.microsoft.com/office/drawing/2014/main" id="{CACEC5E2-9532-74E2-DCC2-DF256F20012C}"/>
+              </a:ext>
+            </a:extLst>
+          </p:cNvPr>
+          <p:cNvSpPr/>
+          <p:nvPr/>
+        </p:nvSpPr>
+        <p:spPr>
+          <a:xfrm rot="376585">
+            <a:off x="8423133" y="4994678"/>
+            <a:ext cx="248920" cy="248920"/>
+          </a:xfrm>
+          <a:prstGeom prst="ellipse">
+            <a:avLst/>
+          </a:prstGeom>
+          <a:solidFill>
+            <a:schemeClr val="bg2"/>
+          </a:solidFill>
+          <a:ln w="19050">
+            <a:solidFill>
+              <a:schemeClr val="tx1"/>
+            </a:solidFill>
+          </a:ln>
+        </p:spPr>
+        <p:style>
+          <a:lnRef idx="2">
+            <a:schemeClr val="accent1">
+              <a:shade val="50000"/>
+            </a:schemeClr>
+          </a:lnRef>
+          <a:fillRef idx="1">
+            <a:schemeClr val="accent1"/>
+          </a:fillRef>
+          <a:effectRef idx="0">
+            <a:schemeClr val="accent1"/>
+          </a:effectRef>
+          <a:fontRef idx="minor">
+            <a:schemeClr val="lt1"/>
+          </a:fontRef>
+        </p:style>
+        <p:txBody>
+          <a:bodyPr rtlCol="0" anchor="ctr"/>
+          <a:lstStyle/>
+          <a:p>
+            <a:pPr algn="ctr"/>
+            <a:endParaRPr lang="zh-CN" altLang="en-US"/>
+          </a:p>
+        </p:txBody>
+      </p:sp>
+      <p:sp>
+        <p:nvSpPr>
+          <p:cNvPr id="286" name="椭圆 285">
+            <a:extLst>
+              <a:ext uri="{FF2B5EF4-FFF2-40B4-BE49-F238E27FC236}">
+                <a16:creationId xmlns:a16="http://schemas.microsoft.com/office/drawing/2014/main" id="{428EB15F-FF66-5D78-5760-3429095C35D9}"/>
+              </a:ext>
+            </a:extLst>
+          </p:cNvPr>
+          <p:cNvSpPr/>
+          <p:nvPr/>
+        </p:nvSpPr>
+        <p:spPr>
+          <a:xfrm>
+            <a:off x="8891898" y="3980539"/>
+            <a:ext cx="248920" cy="248920"/>
+          </a:xfrm>
+          <a:prstGeom prst="ellipse">
+            <a:avLst/>
+          </a:prstGeom>
+          <a:solidFill>
+            <a:schemeClr val="bg2"/>
+          </a:solidFill>
+          <a:ln w="19050">
+            <a:solidFill>
+              <a:schemeClr val="tx1"/>
+            </a:solidFill>
+          </a:ln>
+        </p:spPr>
+        <p:style>
+          <a:lnRef idx="2">
+            <a:schemeClr val="accent1">
+              <a:shade val="50000"/>
+            </a:schemeClr>
+          </a:lnRef>
+          <a:fillRef idx="1">
+            <a:schemeClr val="accent1"/>
+          </a:fillRef>
+          <a:effectRef idx="0">
+            <a:schemeClr val="accent1"/>
+          </a:effectRef>
+          <a:fontRef idx="minor">
+            <a:schemeClr val="lt1"/>
+          </a:fontRef>
+        </p:style>
+        <p:txBody>
+          <a:bodyPr rtlCol="0" anchor="ctr"/>
+          <a:lstStyle/>
+          <a:p>
+            <a:pPr algn="ctr"/>
+            <a:endParaRPr lang="zh-CN" altLang="en-US" b="1">
+              <a:solidFill>
+                <a:schemeClr val="tx1"/>
+              </a:solidFill>
+            </a:endParaRPr>
+          </a:p>
+        </p:txBody>
+      </p:sp>
+      <p:sp>
+        <p:nvSpPr>
+          <p:cNvPr id="287" name="椭圆 286">
+            <a:extLst>
+              <a:ext uri="{FF2B5EF4-FFF2-40B4-BE49-F238E27FC236}">
+                <a16:creationId xmlns:a16="http://schemas.microsoft.com/office/drawing/2014/main" id="{4F86006F-D107-B09A-D892-2DAB8D692D93}"/>
+              </a:ext>
+            </a:extLst>
+          </p:cNvPr>
+          <p:cNvSpPr/>
+          <p:nvPr/>
+        </p:nvSpPr>
+        <p:spPr>
+          <a:xfrm rot="376585">
+            <a:off x="8955465" y="4705209"/>
+            <a:ext cx="248920" cy="248920"/>
+          </a:xfrm>
+          <a:prstGeom prst="ellipse">
+            <a:avLst/>
+          </a:prstGeom>
+          <a:solidFill>
+            <a:srgbClr val="FF9933"/>
+          </a:solidFill>
+          <a:ln w="19050">
+            <a:solidFill>
+              <a:schemeClr val="tx1"/>
+            </a:solidFill>
+          </a:ln>
+        </p:spPr>
+        <p:style>
+          <a:lnRef idx="2">
+            <a:schemeClr val="accent1">
+              <a:shade val="50000"/>
+            </a:schemeClr>
+          </a:lnRef>
+          <a:fillRef idx="1">
+            <a:schemeClr val="accent1"/>
+          </a:fillRef>
+          <a:effectRef idx="0">
+            <a:schemeClr val="accent1"/>
+          </a:effectRef>
+          <a:fontRef idx="minor">
+            <a:schemeClr val="lt1"/>
+          </a:fontRef>
+        </p:style>
+        <p:txBody>
+          <a:bodyPr rtlCol="0" anchor="ctr"/>
+          <a:lstStyle/>
+          <a:p>
+            <a:pPr algn="ctr"/>
+            <a:endParaRPr lang="zh-CN" altLang="en-US"/>
+          </a:p>
+        </p:txBody>
+      </p:sp>
+      <p:sp>
+        <p:nvSpPr>
+          <p:cNvPr id="288" name="椭圆 287">
+            <a:extLst>
+              <a:ext uri="{FF2B5EF4-FFF2-40B4-BE49-F238E27FC236}">
+                <a16:creationId xmlns:a16="http://schemas.microsoft.com/office/drawing/2014/main" id="{A4A35267-198C-A105-EDD0-6B3ED9123814}"/>
+              </a:ext>
+            </a:extLst>
+          </p:cNvPr>
+          <p:cNvSpPr/>
+          <p:nvPr/>
+        </p:nvSpPr>
+        <p:spPr>
+          <a:xfrm rot="376585">
+            <a:off x="11269097" y="4306254"/>
+            <a:ext cx="248920" cy="248920"/>
+          </a:xfrm>
+          <a:prstGeom prst="ellipse">
+            <a:avLst/>
+          </a:prstGeom>
+          <a:solidFill>
+            <a:schemeClr val="bg2"/>
+          </a:solidFill>
+          <a:ln w="19050">
+            <a:solidFill>
+              <a:schemeClr val="tx1"/>
+            </a:solidFill>
+          </a:ln>
+        </p:spPr>
+        <p:style>
+          <a:lnRef idx="2">
+            <a:schemeClr val="accent1">
+              <a:shade val="50000"/>
+            </a:schemeClr>
+          </a:lnRef>
+          <a:fillRef idx="1">
+            <a:schemeClr val="accent1"/>
+          </a:fillRef>
+          <a:effectRef idx="0">
+            <a:schemeClr val="accent1"/>
+          </a:effectRef>
+          <a:fontRef idx="minor">
+            <a:schemeClr val="lt1"/>
+          </a:fontRef>
+        </p:style>
+        <p:txBody>
+          <a:bodyPr rtlCol="0" anchor="ctr"/>
+          <a:lstStyle/>
+          <a:p>
+            <a:pPr algn="ctr"/>
+            <a:endParaRPr lang="zh-CN" altLang="en-US"/>
+          </a:p>
+        </p:txBody>
+      </p:sp>
+      <p:cxnSp>
+        <p:nvCxnSpPr>
+          <p:cNvPr id="289" name="直接连接符 288">
+            <a:extLst>
+              <a:ext uri="{FF2B5EF4-FFF2-40B4-BE49-F238E27FC236}">
+                <a16:creationId xmlns:a16="http://schemas.microsoft.com/office/drawing/2014/main" id="{410B3A1E-8AF6-75A9-06F9-D25F29022339}"/>
+              </a:ext>
+            </a:extLst>
+          </p:cNvPr>
+          <p:cNvCxnSpPr>
+            <a:cxnSpLocks/>
+            <a:stCxn id="291" idx="1"/>
+            <a:endCxn id="288" idx="5"/>
+          </p:cNvCxnSpPr>
+          <p:nvPr/>
+        </p:nvCxnSpPr>
+        <p:spPr>
+          <a:xfrm flipH="1" flipV="1">
+            <a:off x="11471415" y="4527815"/>
+            <a:ext cx="120129" cy="338307"/>
+          </a:xfrm>
+          <a:prstGeom prst="line">
+            <a:avLst/>
+          </a:prstGeom>
+        </p:spPr>
+        <p:style>
+          <a:lnRef idx="3">
+            <a:schemeClr val="dk1"/>
+          </a:lnRef>
+          <a:fillRef idx="0">
+            <a:schemeClr val="dk1"/>
+          </a:fillRef>
+          <a:effectRef idx="2">
+            <a:schemeClr val="dk1"/>
+          </a:effectRef>
+          <a:fontRef idx="minor">
+            <a:schemeClr val="tx1"/>
+          </a:fontRef>
+        </p:style>
+      </p:cxnSp>
+      <p:cxnSp>
+        <p:nvCxnSpPr>
+          <p:cNvPr id="290" name="直接连接符 289">
+            <a:extLst>
+              <a:ext uri="{FF2B5EF4-FFF2-40B4-BE49-F238E27FC236}">
+                <a16:creationId xmlns:a16="http://schemas.microsoft.com/office/drawing/2014/main" id="{B8283CD3-0535-3A80-9F21-2F57B27C91EE}"/>
+              </a:ext>
+            </a:extLst>
+          </p:cNvPr>
+          <p:cNvCxnSpPr>
+            <a:cxnSpLocks/>
+            <a:stCxn id="292" idx="6"/>
+            <a:endCxn id="288" idx="2"/>
+          </p:cNvCxnSpPr>
+          <p:nvPr/>
+        </p:nvCxnSpPr>
+        <p:spPr>
+          <a:xfrm flipV="1">
+            <a:off x="10838683" y="4417107"/>
+            <a:ext cx="431160" cy="185066"/>
+          </a:xfrm>
+          <a:prstGeom prst="line">
+            <a:avLst/>
+          </a:prstGeom>
+        </p:spPr>
+        <p:style>
+          <a:lnRef idx="3">
+            <a:schemeClr val="dk1"/>
+          </a:lnRef>
+          <a:fillRef idx="0">
+            <a:schemeClr val="dk1"/>
+          </a:fillRef>
+          <a:effectRef idx="2">
+            <a:schemeClr val="dk1"/>
+          </a:effectRef>
+          <a:fontRef idx="minor">
+            <a:schemeClr val="tx1"/>
+          </a:fontRef>
+        </p:style>
+      </p:cxnSp>
+      <p:sp>
+        <p:nvSpPr>
+          <p:cNvPr id="291" name="椭圆 290">
+            <a:extLst>
+              <a:ext uri="{FF2B5EF4-FFF2-40B4-BE49-F238E27FC236}">
+                <a16:creationId xmlns:a16="http://schemas.microsoft.com/office/drawing/2014/main" id="{A3FADF68-4970-8EBE-E9E9-CD52BA2C836E}"/>
+              </a:ext>
+            </a:extLst>
+          </p:cNvPr>
+          <p:cNvSpPr/>
+          <p:nvPr/>
+        </p:nvSpPr>
+        <p:spPr>
+          <a:xfrm>
+            <a:off x="11555091" y="4829669"/>
+            <a:ext cx="248920" cy="248920"/>
+          </a:xfrm>
+          <a:prstGeom prst="ellipse">
+            <a:avLst/>
+          </a:prstGeom>
+          <a:solidFill>
+            <a:srgbClr val="B7F1FF"/>
+          </a:solidFill>
+          <a:ln w="19050">
+            <a:solidFill>
+              <a:schemeClr val="tx1"/>
+            </a:solidFill>
+          </a:ln>
+        </p:spPr>
+        <p:style>
+          <a:lnRef idx="2">
+            <a:schemeClr val="accent1">
+              <a:shade val="50000"/>
+            </a:schemeClr>
+          </a:lnRef>
+          <a:fillRef idx="1">
+            <a:schemeClr val="accent1"/>
+          </a:fillRef>
+          <a:effectRef idx="0">
+            <a:schemeClr val="accent1"/>
+          </a:effectRef>
+          <a:fontRef idx="minor">
+            <a:schemeClr val="lt1"/>
+          </a:fontRef>
+        </p:style>
+        <p:txBody>
+          <a:bodyPr rtlCol="0" anchor="ctr"/>
+          <a:lstStyle/>
+          <a:p>
+            <a:pPr algn="ctr"/>
+            <a:endParaRPr lang="zh-CN" altLang="en-US"/>
+          </a:p>
+        </p:txBody>
+      </p:sp>
+      <p:sp>
+        <p:nvSpPr>
+          <p:cNvPr id="292" name="椭圆 291">
+            <a:extLst>
+              <a:ext uri="{FF2B5EF4-FFF2-40B4-BE49-F238E27FC236}">
+                <a16:creationId xmlns:a16="http://schemas.microsoft.com/office/drawing/2014/main" id="{1665939A-F614-96C8-C5E2-5DF6D09ADA8A}"/>
+              </a:ext>
+            </a:extLst>
+          </p:cNvPr>
+          <p:cNvSpPr/>
+          <p:nvPr/>
+        </p:nvSpPr>
+        <p:spPr>
+          <a:xfrm rot="376585">
+            <a:off x="10590509" y="4464106"/>
+            <a:ext cx="248920" cy="248920"/>
+          </a:xfrm>
+          <a:prstGeom prst="ellipse">
+            <a:avLst/>
+          </a:prstGeom>
+          <a:solidFill>
+            <a:srgbClr val="B7F1FF"/>
+          </a:solidFill>
+          <a:ln w="19050">
+            <a:solidFill>
+              <a:schemeClr val="tx1"/>
+            </a:solidFill>
+          </a:ln>
+        </p:spPr>
+        <p:style>
+          <a:lnRef idx="2">
+            <a:schemeClr val="accent1">
+              <a:shade val="50000"/>
+            </a:schemeClr>
+          </a:lnRef>
+          <a:fillRef idx="1">
+            <a:schemeClr val="accent1"/>
+          </a:fillRef>
+          <a:effectRef idx="0">
+            <a:schemeClr val="accent1"/>
+          </a:effectRef>
+          <a:fontRef idx="minor">
+            <a:schemeClr val="lt1"/>
+          </a:fontRef>
+        </p:style>
+        <p:txBody>
+          <a:bodyPr rtlCol="0" anchor="ctr"/>
+          <a:lstStyle/>
+          <a:p>
+            <a:pPr algn="ctr"/>
+            <a:endParaRPr lang="zh-CN" altLang="en-US"/>
+          </a:p>
+        </p:txBody>
+      </p:sp>
+      <p:sp>
+        <p:nvSpPr>
+          <p:cNvPr id="293" name="椭圆 292">
+            <a:extLst>
+              <a:ext uri="{FF2B5EF4-FFF2-40B4-BE49-F238E27FC236}">
+                <a16:creationId xmlns:a16="http://schemas.microsoft.com/office/drawing/2014/main" id="{F9372D51-A3B5-E7E6-F61F-61F5F77BA7A0}"/>
+              </a:ext>
+            </a:extLst>
+          </p:cNvPr>
+          <p:cNvSpPr/>
+          <p:nvPr/>
+        </p:nvSpPr>
+        <p:spPr>
+          <a:xfrm rot="376585">
+            <a:off x="9588243" y="5137389"/>
+            <a:ext cx="248920" cy="248920"/>
+          </a:xfrm>
+          <a:prstGeom prst="ellipse">
+            <a:avLst/>
+          </a:prstGeom>
+          <a:solidFill>
+            <a:schemeClr val="bg2"/>
+          </a:solidFill>
+          <a:ln w="19050">
+            <a:solidFill>
+              <a:schemeClr val="tx1"/>
+            </a:solidFill>
+          </a:ln>
+        </p:spPr>
+        <p:style>
+          <a:lnRef idx="2">
+            <a:schemeClr val="accent1">
+              <a:shade val="50000"/>
+            </a:schemeClr>
+          </a:lnRef>
+          <a:fillRef idx="1">
+            <a:schemeClr val="accent1"/>
+          </a:fillRef>
+          <a:effectRef idx="0">
+            <a:schemeClr val="accent1"/>
+          </a:effectRef>
+          <a:fontRef idx="minor">
+            <a:schemeClr val="lt1"/>
+          </a:fontRef>
+        </p:style>
+        <p:txBody>
+          <a:bodyPr rtlCol="0" anchor="ctr"/>
+          <a:lstStyle/>
+          <a:p>
+            <a:pPr algn="ctr"/>
+            <a:endParaRPr lang="zh-CN" altLang="en-US"/>
+          </a:p>
+        </p:txBody>
+      </p:sp>
+      <p:cxnSp>
+        <p:nvCxnSpPr>
+          <p:cNvPr id="294" name="直接连接符 293">
+            <a:extLst>
+              <a:ext uri="{FF2B5EF4-FFF2-40B4-BE49-F238E27FC236}">
+                <a16:creationId xmlns:a16="http://schemas.microsoft.com/office/drawing/2014/main" id="{6DEA2B45-17B0-288C-ACD2-AADD8D575D1B}"/>
+              </a:ext>
+            </a:extLst>
+          </p:cNvPr>
+          <p:cNvCxnSpPr>
+            <a:cxnSpLocks/>
+            <a:stCxn id="293" idx="7"/>
+          </p:cNvCxnSpPr>
+          <p:nvPr/>
+        </p:nvCxnSpPr>
+        <p:spPr>
+          <a:xfrm flipV="1">
+            <a:off x="9809804" y="5037220"/>
+            <a:ext cx="345755" cy="146771"/>
+          </a:xfrm>
+          <a:prstGeom prst="line">
+            <a:avLst/>
+          </a:prstGeom>
+        </p:spPr>
+        <p:style>
+          <a:lnRef idx="3">
+            <a:schemeClr val="dk1"/>
+          </a:lnRef>
+          <a:fillRef idx="0">
+            <a:schemeClr val="dk1"/>
+          </a:fillRef>
+          <a:effectRef idx="2">
+            <a:schemeClr val="dk1"/>
+          </a:effectRef>
+          <a:fontRef idx="minor">
+            <a:schemeClr val="tx1"/>
+          </a:fontRef>
+        </p:style>
+      </p:cxnSp>
+      <p:cxnSp>
+        <p:nvCxnSpPr>
+          <p:cNvPr id="295" name="直接连接符 294">
+            <a:extLst>
+              <a:ext uri="{FF2B5EF4-FFF2-40B4-BE49-F238E27FC236}">
+                <a16:creationId xmlns:a16="http://schemas.microsoft.com/office/drawing/2014/main" id="{F72FF76F-7778-285B-E20C-23C83811DC0D}"/>
+              </a:ext>
+            </a:extLst>
+          </p:cNvPr>
+          <p:cNvCxnSpPr>
+            <a:cxnSpLocks/>
+            <a:endCxn id="292" idx="3"/>
+          </p:cNvCxnSpPr>
+          <p:nvPr/>
+        </p:nvCxnSpPr>
+        <p:spPr>
+          <a:xfrm flipV="1">
+            <a:off x="10349761" y="4666424"/>
+            <a:ext cx="268107" cy="215080"/>
+          </a:xfrm>
+          <a:prstGeom prst="line">
+            <a:avLst/>
+          </a:prstGeom>
+        </p:spPr>
+        <p:style>
+          <a:lnRef idx="3">
+            <a:schemeClr val="dk1"/>
+          </a:lnRef>
+          <a:fillRef idx="0">
+            <a:schemeClr val="dk1"/>
+          </a:fillRef>
+          <a:effectRef idx="2">
+            <a:schemeClr val="dk1"/>
+          </a:effectRef>
+          <a:fontRef idx="minor">
+            <a:schemeClr val="tx1"/>
+          </a:fontRef>
+        </p:style>
+      </p:cxnSp>
+      <p:cxnSp>
+        <p:nvCxnSpPr>
+          <p:cNvPr id="296" name="直接连接符 295">
+            <a:extLst>
+              <a:ext uri="{FF2B5EF4-FFF2-40B4-BE49-F238E27FC236}">
+                <a16:creationId xmlns:a16="http://schemas.microsoft.com/office/drawing/2014/main" id="{64BB67DA-AE26-ECFF-6BBB-F2FAC2361DA1}"/>
+              </a:ext>
+            </a:extLst>
+          </p:cNvPr>
+          <p:cNvCxnSpPr>
+            <a:cxnSpLocks/>
+            <a:stCxn id="287" idx="5"/>
+            <a:endCxn id="293" idx="2"/>
+          </p:cNvCxnSpPr>
+          <p:nvPr/>
+        </p:nvCxnSpPr>
+        <p:spPr>
+          <a:xfrm>
+            <a:off x="9157783" y="4926770"/>
+            <a:ext cx="431206" cy="321472"/>
+          </a:xfrm>
+          <a:prstGeom prst="line">
+            <a:avLst/>
+          </a:prstGeom>
+        </p:spPr>
+        <p:style>
+          <a:lnRef idx="3">
+            <a:schemeClr val="dk1"/>
+          </a:lnRef>
+          <a:fillRef idx="0">
+            <a:schemeClr val="dk1"/>
+          </a:fillRef>
+          <a:effectRef idx="2">
+            <a:schemeClr val="dk1"/>
+          </a:effectRef>
+          <a:fontRef idx="minor">
+            <a:schemeClr val="tx1"/>
+          </a:fontRef>
+        </p:style>
+      </p:cxnSp>
+      <p:cxnSp>
+        <p:nvCxnSpPr>
+          <p:cNvPr id="297" name="直接连接符 296">
+            <a:extLst>
+              <a:ext uri="{FF2B5EF4-FFF2-40B4-BE49-F238E27FC236}">
+                <a16:creationId xmlns:a16="http://schemas.microsoft.com/office/drawing/2014/main" id="{3FBF08BA-3214-5485-258E-72F77A188E14}"/>
+              </a:ext>
+            </a:extLst>
+          </p:cNvPr>
+          <p:cNvCxnSpPr>
+            <a:cxnSpLocks/>
+            <a:stCxn id="287" idx="0"/>
+            <a:endCxn id="286" idx="4"/>
+          </p:cNvCxnSpPr>
+          <p:nvPr/>
+        </p:nvCxnSpPr>
+        <p:spPr>
+          <a:xfrm flipH="1" flipV="1">
+            <a:off x="9016358" y="4229459"/>
+            <a:ext cx="77174" cy="476496"/>
+          </a:xfrm>
+          <a:prstGeom prst="line">
+            <a:avLst/>
+          </a:prstGeom>
+          <a:ln>
+            <a:headEnd type="none" w="med" len="med"/>
+            <a:tailEnd type="none" w="med" len="med"/>
+          </a:ln>
+        </p:spPr>
+        <p:style>
+          <a:lnRef idx="3">
+            <a:schemeClr val="dk1"/>
+          </a:lnRef>
+          <a:fillRef idx="0">
+            <a:schemeClr val="dk1"/>
+          </a:fillRef>
+          <a:effectRef idx="2">
+            <a:schemeClr val="dk1"/>
+          </a:effectRef>
+          <a:fontRef idx="minor">
+            <a:schemeClr val="tx1"/>
+          </a:fontRef>
+        </p:style>
+      </p:cxnSp>
+      <p:sp>
+        <p:nvSpPr>
+          <p:cNvPr id="298" name="矩形 297">
+            <a:extLst>
+              <a:ext uri="{FF2B5EF4-FFF2-40B4-BE49-F238E27FC236}">
+                <a16:creationId xmlns:a16="http://schemas.microsoft.com/office/drawing/2014/main" id="{4E65B71B-A667-B409-C3BF-C8A1169D1112}"/>
+              </a:ext>
+            </a:extLst>
+          </p:cNvPr>
+          <p:cNvSpPr/>
+          <p:nvPr/>
+        </p:nvSpPr>
+        <p:spPr>
+          <a:xfrm>
+            <a:off x="10265521" y="3980539"/>
+            <a:ext cx="248920" cy="248920"/>
+          </a:xfrm>
+          <a:prstGeom prst="rect">
+            <a:avLst/>
+          </a:prstGeom>
+          <a:solidFill>
+            <a:srgbClr val="FF9933"/>
+          </a:solidFill>
+          <a:ln w="19050">
+            <a:solidFill>
+              <a:schemeClr val="tx1"/>
+            </a:solidFill>
+          </a:ln>
+        </p:spPr>
+        <p:style>
+          <a:lnRef idx="2">
+            <a:schemeClr val="accent1">
+              <a:shade val="50000"/>
+            </a:schemeClr>
+          </a:lnRef>
+          <a:fillRef idx="1">
+            <a:schemeClr val="accent1"/>
+          </a:fillRef>
+          <a:effectRef idx="0">
+            <a:schemeClr val="accent1"/>
+          </a:effectRef>
+          <a:fontRef idx="minor">
+            <a:schemeClr val="lt1"/>
+          </a:fontRef>
+        </p:style>
+        <p:txBody>
+          <a:bodyPr rtlCol="0" anchor="ctr"/>
+          <a:lstStyle/>
+          <a:p>
+            <a:pPr algn="ctr"/>
+            <a:endParaRPr lang="zh-CN" altLang="en-US"/>
+          </a:p>
+        </p:txBody>
+      </p:sp>
+      <p:cxnSp>
+        <p:nvCxnSpPr>
+          <p:cNvPr id="299" name="直接连接符 298">
+            <a:extLst>
+              <a:ext uri="{FF2B5EF4-FFF2-40B4-BE49-F238E27FC236}">
+                <a16:creationId xmlns:a16="http://schemas.microsoft.com/office/drawing/2014/main" id="{2A2E9695-C79F-FC16-688C-8C828B60ECFE}"/>
+              </a:ext>
+            </a:extLst>
+          </p:cNvPr>
+          <p:cNvCxnSpPr>
+            <a:cxnSpLocks/>
+            <a:endCxn id="298" idx="2"/>
+          </p:cNvCxnSpPr>
+          <p:nvPr/>
+        </p:nvCxnSpPr>
+        <p:spPr>
+          <a:xfrm flipV="1">
+            <a:off x="10266267" y="4229459"/>
+            <a:ext cx="123714" cy="606189"/>
+          </a:xfrm>
+          <a:prstGeom prst="line">
+            <a:avLst/>
+          </a:prstGeom>
+        </p:spPr>
+        <p:style>
+          <a:lnRef idx="3">
+            <a:schemeClr val="dk1"/>
+          </a:lnRef>
+          <a:fillRef idx="0">
+            <a:schemeClr val="dk1"/>
+          </a:fillRef>
+          <a:effectRef idx="2">
+            <a:schemeClr val="dk1"/>
+          </a:effectRef>
+          <a:fontRef idx="minor">
+            <a:schemeClr val="tx1"/>
+          </a:fontRef>
+        </p:style>
+      </p:cxnSp>
+      <p:cxnSp>
+        <p:nvCxnSpPr>
+          <p:cNvPr id="300" name="直接连接符 299">
+            <a:extLst>
+              <a:ext uri="{FF2B5EF4-FFF2-40B4-BE49-F238E27FC236}">
+                <a16:creationId xmlns:a16="http://schemas.microsoft.com/office/drawing/2014/main" id="{A8F1BF40-BB7F-C7E1-44A1-F2FC5D0610B1}"/>
+              </a:ext>
+            </a:extLst>
+          </p:cNvPr>
+          <p:cNvCxnSpPr>
+            <a:cxnSpLocks/>
+            <a:stCxn id="288" idx="1"/>
+            <a:endCxn id="298" idx="3"/>
+          </p:cNvCxnSpPr>
+          <p:nvPr/>
+        </p:nvCxnSpPr>
+        <p:spPr>
+          <a:xfrm flipH="1" flipV="1">
+            <a:off x="10514441" y="4104999"/>
+            <a:ext cx="801258" cy="228614"/>
+          </a:xfrm>
+          <a:prstGeom prst="line">
+            <a:avLst/>
+          </a:prstGeom>
+        </p:spPr>
+        <p:style>
+          <a:lnRef idx="3">
+            <a:schemeClr val="dk1"/>
+          </a:lnRef>
+          <a:fillRef idx="0">
+            <a:schemeClr val="dk1"/>
+          </a:fillRef>
+          <a:effectRef idx="2">
+            <a:schemeClr val="dk1"/>
+          </a:effectRef>
+          <a:fontRef idx="minor">
+            <a:schemeClr val="tx1"/>
+          </a:fontRef>
+        </p:style>
+      </p:cxnSp>
+      <p:sp>
+        <p:nvSpPr>
+          <p:cNvPr id="301" name="矩形 300">
+            <a:extLst>
+              <a:ext uri="{FF2B5EF4-FFF2-40B4-BE49-F238E27FC236}">
+                <a16:creationId xmlns:a16="http://schemas.microsoft.com/office/drawing/2014/main" id="{F42F5154-BA46-42AA-60ED-E66CA1487E19}"/>
+              </a:ext>
+            </a:extLst>
+          </p:cNvPr>
+          <p:cNvSpPr/>
+          <p:nvPr/>
+        </p:nvSpPr>
+        <p:spPr>
+          <a:xfrm>
+            <a:off x="7703257" y="4972223"/>
+            <a:ext cx="248920" cy="248920"/>
+          </a:xfrm>
+          <a:prstGeom prst="rect">
+            <a:avLst/>
+          </a:prstGeom>
+          <a:solidFill>
+            <a:srgbClr val="B7F1FF"/>
+          </a:solidFill>
+          <a:ln w="19050">
+            <a:solidFill>
+              <a:schemeClr val="tx1"/>
+            </a:solidFill>
+          </a:ln>
+        </p:spPr>
+        <p:style>
+          <a:lnRef idx="2">
+            <a:schemeClr val="accent1">
+              <a:shade val="50000"/>
+            </a:schemeClr>
+          </a:lnRef>
+          <a:fillRef idx="1">
+            <a:schemeClr val="accent1"/>
+          </a:fillRef>
+          <a:effectRef idx="0">
+            <a:schemeClr val="accent1"/>
+          </a:effectRef>
+          <a:fontRef idx="minor">
+            <a:schemeClr val="lt1"/>
+          </a:fontRef>
+        </p:style>
+        <p:txBody>
+          <a:bodyPr rtlCol="0" anchor="ctr"/>
+          <a:lstStyle/>
+          <a:p>
+            <a:pPr algn="ctr"/>
+            <a:endParaRPr lang="zh-CN" altLang="en-US"/>
+          </a:p>
+        </p:txBody>
+      </p:sp>
+      <p:cxnSp>
+        <p:nvCxnSpPr>
+          <p:cNvPr id="302" name="直接连接符 301">
+            <a:extLst>
+              <a:ext uri="{FF2B5EF4-FFF2-40B4-BE49-F238E27FC236}">
+                <a16:creationId xmlns:a16="http://schemas.microsoft.com/office/drawing/2014/main" id="{AABC29C0-6E22-3FFC-A326-EE3B0BB7F0EC}"/>
+              </a:ext>
+            </a:extLst>
+          </p:cNvPr>
+          <p:cNvCxnSpPr>
+            <a:cxnSpLocks/>
+            <a:stCxn id="301" idx="3"/>
+            <a:endCxn id="285" idx="2"/>
+          </p:cNvCxnSpPr>
+          <p:nvPr/>
+        </p:nvCxnSpPr>
+        <p:spPr>
+          <a:xfrm>
+            <a:off x="7952177" y="5096683"/>
+            <a:ext cx="471702" cy="8848"/>
+          </a:xfrm>
+          <a:prstGeom prst="line">
+            <a:avLst/>
+          </a:prstGeom>
+        </p:spPr>
+        <p:style>
+          <a:lnRef idx="3">
+            <a:schemeClr val="dk1"/>
+          </a:lnRef>
+          <a:fillRef idx="0">
+            <a:schemeClr val="dk1"/>
+          </a:fillRef>
+          <a:effectRef idx="2">
+            <a:schemeClr val="dk1"/>
+          </a:effectRef>
+          <a:fontRef idx="minor">
+            <a:schemeClr val="tx1"/>
+          </a:fontRef>
+        </p:style>
+      </p:cxnSp>
+      <p:sp>
+        <p:nvSpPr>
+          <p:cNvPr id="303" name="椭圆 302">
+            <a:extLst>
+              <a:ext uri="{FF2B5EF4-FFF2-40B4-BE49-F238E27FC236}">
+                <a16:creationId xmlns:a16="http://schemas.microsoft.com/office/drawing/2014/main" id="{D0BA81A5-DC98-F732-2B19-30ABFA6D5DEE}"/>
+              </a:ext>
+            </a:extLst>
+          </p:cNvPr>
+          <p:cNvSpPr/>
+          <p:nvPr/>
+        </p:nvSpPr>
+        <p:spPr>
+          <a:xfrm rot="376585">
+            <a:off x="10129509" y="4834427"/>
+            <a:ext cx="248920" cy="248920"/>
+          </a:xfrm>
+          <a:prstGeom prst="ellipse">
+            <a:avLst/>
+          </a:prstGeom>
+          <a:solidFill>
+            <a:schemeClr val="bg2"/>
+          </a:solidFill>
+          <a:ln w="19050">
+            <a:solidFill>
+              <a:schemeClr val="tx1"/>
+            </a:solidFill>
+          </a:ln>
+        </p:spPr>
+        <p:style>
+          <a:lnRef idx="2">
+            <a:schemeClr val="accent1">
+              <a:shade val="50000"/>
+            </a:schemeClr>
+          </a:lnRef>
+          <a:fillRef idx="1">
+            <a:schemeClr val="accent1"/>
+          </a:fillRef>
+          <a:effectRef idx="0">
+            <a:schemeClr val="accent1"/>
+          </a:effectRef>
+          <a:fontRef idx="minor">
+            <a:schemeClr val="lt1"/>
+          </a:fontRef>
+        </p:style>
+        <p:txBody>
+          <a:bodyPr rtlCol="0" anchor="ctr"/>
+          <a:lstStyle/>
+          <a:p>
+            <a:pPr algn="ctr"/>
+            <a:endParaRPr lang="zh-CN" altLang="en-US"/>
+          </a:p>
+        </p:txBody>
+      </p:sp>
+      <p:cxnSp>
+        <p:nvCxnSpPr>
+          <p:cNvPr id="304" name="直接连接符 303">
+            <a:extLst>
+              <a:ext uri="{FF2B5EF4-FFF2-40B4-BE49-F238E27FC236}">
+                <a16:creationId xmlns:a16="http://schemas.microsoft.com/office/drawing/2014/main" id="{E7BF54CE-7B32-3B58-EF39-C2FA9C18E3BA}"/>
+              </a:ext>
+            </a:extLst>
+          </p:cNvPr>
+          <p:cNvCxnSpPr>
+            <a:cxnSpLocks/>
+            <a:stCxn id="287" idx="3"/>
+            <a:endCxn id="285" idx="7"/>
+          </p:cNvCxnSpPr>
+          <p:nvPr/>
+        </p:nvCxnSpPr>
+        <p:spPr>
+          <a:xfrm flipH="1">
+            <a:off x="8644694" y="4907527"/>
+            <a:ext cx="338130" cy="133753"/>
+          </a:xfrm>
+          <a:prstGeom prst="line">
+            <a:avLst/>
+          </a:prstGeom>
+          <a:ln>
+            <a:headEnd type="none" w="med" len="med"/>
+            <a:tailEnd type="none" w="med" len="med"/>
+          </a:ln>
+        </p:spPr>
+        <p:style>
+          <a:lnRef idx="3">
+            <a:schemeClr val="dk1"/>
+          </a:lnRef>
+          <a:fillRef idx="0">
+            <a:schemeClr val="dk1"/>
+          </a:fillRef>
+          <a:effectRef idx="2">
+            <a:schemeClr val="dk1"/>
+          </a:effectRef>
+          <a:fontRef idx="minor">
+            <a:schemeClr val="tx1"/>
+          </a:fontRef>
+        </p:style>
+      </p:cxnSp>
+      <p:sp>
+        <p:nvSpPr>
+          <p:cNvPr id="305" name="文本框 304">
+            <a:extLst>
+              <a:ext uri="{FF2B5EF4-FFF2-40B4-BE49-F238E27FC236}">
+                <a16:creationId xmlns:a16="http://schemas.microsoft.com/office/drawing/2014/main" id="{E1902D89-A832-839A-A94F-B111FE5B5BBC}"/>
               </a:ext>
             </a:extLst>
           </p:cNvPr>
@@ -8057,8 +9665,8 @@
         </p:nvSpPr>
         <p:spPr>
           <a:xfrm>
-            <a:off x="3221372" y="1107392"/>
-            <a:ext cx="1148733" cy="369332"/>
+            <a:off x="10570845" y="4397432"/>
+            <a:ext cx="274642" cy="369332"/>
           </a:xfrm>
           <a:prstGeom prst="rect">
             <a:avLst/>
@@ -8072,19 +9680,101 @@
           <a:lstStyle/>
           <a:p>
             <a:r>
-              <a:rPr lang="en-US" altLang="zh-CN" b="1" kern="100">
+              <a:rPr lang="zh-CN" altLang="en-US" b="1">
                 <a:solidFill>
                   <a:srgbClr val="7030A0"/>
+                </a:solidFill>
+              </a:rPr>
+              <a:t>*</a:t>
+            </a:r>
+          </a:p>
+        </p:txBody>
+      </p:sp>
+      <p:sp>
+        <p:nvSpPr>
+          <p:cNvPr id="306" name="文本框 305">
+            <a:extLst>
+              <a:ext uri="{FF2B5EF4-FFF2-40B4-BE49-F238E27FC236}">
+                <a16:creationId xmlns:a16="http://schemas.microsoft.com/office/drawing/2014/main" id="{FC7E0C2D-D9E1-A0D6-67EA-B0112CB2E54E}"/>
+              </a:ext>
+            </a:extLst>
+          </p:cNvPr>
+          <p:cNvSpPr txBox="1"/>
+          <p:nvPr/>
+        </p:nvSpPr>
+        <p:spPr>
+          <a:xfrm>
+            <a:off x="11541957" y="4769463"/>
+            <a:ext cx="274642" cy="369332"/>
+          </a:xfrm>
+          <a:prstGeom prst="rect">
+            <a:avLst/>
+          </a:prstGeom>
+          <a:noFill/>
+        </p:spPr>
+        <p:txBody>
+          <a:bodyPr wrap="square">
+            <a:spAutoFit/>
+          </a:bodyPr>
+          <a:lstStyle/>
+          <a:p>
+            <a:r>
+              <a:rPr lang="zh-CN" altLang="en-US" b="1">
+                <a:solidFill>
+                  <a:srgbClr val="7030A0"/>
+                </a:solidFill>
+              </a:rPr>
+              <a:t>*</a:t>
+            </a:r>
+          </a:p>
+        </p:txBody>
+      </p:sp>
+      <p:sp>
+        <p:nvSpPr>
+          <p:cNvPr id="307" name="文本框 306">
+            <a:extLst>
+              <a:ext uri="{FF2B5EF4-FFF2-40B4-BE49-F238E27FC236}">
+                <a16:creationId xmlns:a16="http://schemas.microsoft.com/office/drawing/2014/main" id="{138FA226-0762-A8A6-CFFD-4E79B185E9D9}"/>
+              </a:ext>
+            </a:extLst>
+          </p:cNvPr>
+          <p:cNvSpPr txBox="1"/>
+          <p:nvPr/>
+        </p:nvSpPr>
+        <p:spPr>
+          <a:xfrm>
+            <a:off x="7666772" y="4954129"/>
+            <a:ext cx="390500" cy="369332"/>
+          </a:xfrm>
+          <a:prstGeom prst="rect">
+            <a:avLst/>
+          </a:prstGeom>
+          <a:noFill/>
+        </p:spPr>
+        <p:txBody>
+          <a:bodyPr wrap="square">
+            <a:spAutoFit/>
+          </a:bodyPr>
+          <a:lstStyle/>
+          <a:p>
+            <a:r>
+              <a:rPr lang="zh-CN" altLang="en-US" b="1" kern="100">
+                <a:solidFill>
+                  <a:schemeClr val="accent4">
+                    <a:lumMod val="50000"/>
+                  </a:schemeClr>
                 </a:solidFill>
                 <a:latin typeface="Times New Roman" panose="02020603050405020304" pitchFamily="18" charset="0"/>
                 <a:ea typeface="华文中宋" panose="02010600040101010101" pitchFamily="2" charset="-122"/>
                 <a:cs typeface="Times New Roman" panose="02020603050405020304" pitchFamily="18" charset="0"/>
               </a:rPr>
-              <a:t>Control</a:t>
+              <a:t>*</a:t>
             </a:r>
             <a:endParaRPr lang="zh-CN" altLang="en-US" b="1" i="1">
               <a:solidFill>
-                <a:srgbClr val="7030A0"/>
+                <a:schemeClr val="accent4">
+                  <a:lumMod val="50000"/>
+                </a:schemeClr>
               </a:solidFill>
             </a:endParaRPr>
           </a:p>
@@ -8092,10 +9782,10 @@
       </p:sp>
       <p:sp>
         <p:nvSpPr>
-          <p:cNvPr id="104" name="文本框 103">
-            <a:extLst>
-              <a:ext uri="{FF2B5EF4-FFF2-40B4-BE49-F238E27FC236}">
-                <a16:creationId xmlns:a16="http://schemas.microsoft.com/office/drawing/2014/main" id="{935FE0EE-3A91-EC32-525C-46604595C5B1}"/>
+          <p:cNvPr id="308" name="文本框 307">
+            <a:extLst>
+              <a:ext uri="{FF2B5EF4-FFF2-40B4-BE49-F238E27FC236}">
+                <a16:creationId xmlns:a16="http://schemas.microsoft.com/office/drawing/2014/main" id="{B45E8ED8-0B21-9A4F-7F71-3C2FA1B74483}"/>
               </a:ext>
             </a:extLst>
           </p:cNvPr>
@@ -8104,7 +9794,7 @@
         </p:nvSpPr>
         <p:spPr>
           <a:xfrm>
-            <a:off x="2667082" y="5685243"/>
+            <a:off x="7907087" y="4541123"/>
             <a:ext cx="756904" cy="369332"/>
           </a:xfrm>
           <a:prstGeom prst="rect">
@@ -8143,10 +9833,10 @@
       </p:sp>
       <p:sp>
         <p:nvSpPr>
-          <p:cNvPr id="105" name="文本框 104">
-            <a:extLst>
-              <a:ext uri="{FF2B5EF4-FFF2-40B4-BE49-F238E27FC236}">
-                <a16:creationId xmlns:a16="http://schemas.microsoft.com/office/drawing/2014/main" id="{C5FA8277-285C-A28C-3FC2-E251275A4758}"/>
+          <p:cNvPr id="309" name="文本框 308">
+            <a:extLst>
+              <a:ext uri="{FF2B5EF4-FFF2-40B4-BE49-F238E27FC236}">
+                <a16:creationId xmlns:a16="http://schemas.microsoft.com/office/drawing/2014/main" id="{C1AB55B8-DACD-C9C8-C002-E434ABE3C9DE}"/>
               </a:ext>
             </a:extLst>
           </p:cNvPr>
@@ -8155,7 +9845,7 @@
         </p:nvSpPr>
         <p:spPr>
           <a:xfrm>
-            <a:off x="3816566" y="2761234"/>
+            <a:off x="10618352" y="4878910"/>
             <a:ext cx="1148733" cy="369332"/>
           </a:xfrm>
           <a:prstGeom prst="rect">
@@ -8185,312 +9875,6 @@
                 <a:srgbClr val="7030A0"/>
               </a:solidFill>
             </a:endParaRPr>
-          </a:p>
-        </p:txBody>
-      </p:sp>
-      <p:sp>
-        <p:nvSpPr>
-          <p:cNvPr id="106" name="文本框 105">
-            <a:extLst>
-              <a:ext uri="{FF2B5EF4-FFF2-40B4-BE49-F238E27FC236}">
-                <a16:creationId xmlns:a16="http://schemas.microsoft.com/office/drawing/2014/main" id="{05A52351-6630-E6BA-5A75-5CF097F25FA0}"/>
-              </a:ext>
-            </a:extLst>
-          </p:cNvPr>
-          <p:cNvSpPr txBox="1"/>
-          <p:nvPr/>
-        </p:nvSpPr>
-        <p:spPr>
-          <a:xfrm>
-            <a:off x="5646093" y="4458776"/>
-            <a:ext cx="1148733" cy="369332"/>
-          </a:xfrm>
-          <a:prstGeom prst="rect">
-            <a:avLst/>
-          </a:prstGeom>
-          <a:noFill/>
-        </p:spPr>
-        <p:txBody>
-          <a:bodyPr wrap="square">
-            <a:spAutoFit/>
-          </a:bodyPr>
-          <a:lstStyle/>
-          <a:p>
-            <a:r>
-              <a:rPr lang="en-US" altLang="zh-CN" b="1" kern="100">
-                <a:solidFill>
-                  <a:srgbClr val="7030A0"/>
-                </a:solidFill>
-                <a:latin typeface="Times New Roman" panose="02020603050405020304" pitchFamily="18" charset="0"/>
-                <a:ea typeface="华文中宋" panose="02010600040101010101" pitchFamily="2" charset="-122"/>
-                <a:cs typeface="Times New Roman" panose="02020603050405020304" pitchFamily="18" charset="0"/>
-              </a:rPr>
-              <a:t>Control</a:t>
-            </a:r>
-            <a:endParaRPr lang="zh-CN" altLang="en-US" b="1" i="1">
-              <a:solidFill>
-                <a:srgbClr val="7030A0"/>
-              </a:solidFill>
-            </a:endParaRPr>
-          </a:p>
-        </p:txBody>
-      </p:sp>
-      <p:sp>
-        <p:nvSpPr>
-          <p:cNvPr id="108" name="文本框 107">
-            <a:extLst>
-              <a:ext uri="{FF2B5EF4-FFF2-40B4-BE49-F238E27FC236}">
-                <a16:creationId xmlns:a16="http://schemas.microsoft.com/office/drawing/2014/main" id="{B5E40E87-460F-7498-B0FE-3390948359A3}"/>
-              </a:ext>
-            </a:extLst>
-          </p:cNvPr>
-          <p:cNvSpPr txBox="1"/>
-          <p:nvPr/>
-        </p:nvSpPr>
-        <p:spPr>
-          <a:xfrm>
-            <a:off x="5115454" y="4929225"/>
-            <a:ext cx="274642" cy="369332"/>
-          </a:xfrm>
-          <a:prstGeom prst="rect">
-            <a:avLst/>
-          </a:prstGeom>
-          <a:noFill/>
-        </p:spPr>
-        <p:txBody>
-          <a:bodyPr wrap="square">
-            <a:spAutoFit/>
-          </a:bodyPr>
-          <a:lstStyle/>
-          <a:p>
-            <a:r>
-              <a:rPr lang="zh-CN" altLang="en-US" b="1">
-                <a:solidFill>
-                  <a:srgbClr val="7030A0"/>
-                </a:solidFill>
-              </a:rPr>
-              <a:t>*</a:t>
-            </a:r>
-          </a:p>
-        </p:txBody>
-      </p:sp>
-      <p:sp>
-        <p:nvSpPr>
-          <p:cNvPr id="110" name="文本框 109">
-            <a:extLst>
-              <a:ext uri="{FF2B5EF4-FFF2-40B4-BE49-F238E27FC236}">
-                <a16:creationId xmlns:a16="http://schemas.microsoft.com/office/drawing/2014/main" id="{A90661E8-38A5-ACB8-2E56-7E891FDE9733}"/>
-              </a:ext>
-            </a:extLst>
-          </p:cNvPr>
-          <p:cNvSpPr txBox="1"/>
-          <p:nvPr/>
-        </p:nvSpPr>
-        <p:spPr>
-          <a:xfrm>
-            <a:off x="6069321" y="5304255"/>
-            <a:ext cx="274642" cy="369332"/>
-          </a:xfrm>
-          <a:prstGeom prst="rect">
-            <a:avLst/>
-          </a:prstGeom>
-          <a:noFill/>
-        </p:spPr>
-        <p:txBody>
-          <a:bodyPr wrap="square">
-            <a:spAutoFit/>
-          </a:bodyPr>
-          <a:lstStyle/>
-          <a:p>
-            <a:r>
-              <a:rPr lang="zh-CN" altLang="en-US" b="1">
-                <a:solidFill>
-                  <a:srgbClr val="7030A0"/>
-                </a:solidFill>
-              </a:rPr>
-              <a:t>*</a:t>
-            </a:r>
-          </a:p>
-        </p:txBody>
-      </p:sp>
-      <p:sp>
-        <p:nvSpPr>
-          <p:cNvPr id="111" name="文本框 110">
-            <a:extLst>
-              <a:ext uri="{FF2B5EF4-FFF2-40B4-BE49-F238E27FC236}">
-                <a16:creationId xmlns:a16="http://schemas.microsoft.com/office/drawing/2014/main" id="{B1DFC540-AAB7-60A7-03BD-5E761407BBB6}"/>
-              </a:ext>
-            </a:extLst>
-          </p:cNvPr>
-          <p:cNvSpPr txBox="1"/>
-          <p:nvPr/>
-        </p:nvSpPr>
-        <p:spPr>
-          <a:xfrm>
-            <a:off x="3504040" y="2109729"/>
-            <a:ext cx="274642" cy="369332"/>
-          </a:xfrm>
-          <a:prstGeom prst="rect">
-            <a:avLst/>
-          </a:prstGeom>
-          <a:noFill/>
-        </p:spPr>
-        <p:txBody>
-          <a:bodyPr wrap="square">
-            <a:spAutoFit/>
-          </a:bodyPr>
-          <a:lstStyle/>
-          <a:p>
-            <a:r>
-              <a:rPr lang="zh-CN" altLang="en-US" b="1">
-                <a:solidFill>
-                  <a:srgbClr val="7030A0"/>
-                </a:solidFill>
-              </a:rPr>
-              <a:t>*</a:t>
-            </a:r>
-          </a:p>
-        </p:txBody>
-      </p:sp>
-      <p:sp>
-        <p:nvSpPr>
-          <p:cNvPr id="112" name="文本框 111">
-            <a:extLst>
-              <a:ext uri="{FF2B5EF4-FFF2-40B4-BE49-F238E27FC236}">
-                <a16:creationId xmlns:a16="http://schemas.microsoft.com/office/drawing/2014/main" id="{CC4EFD2C-6579-1B26-8291-0F66CAFE3E4D}"/>
-              </a:ext>
-            </a:extLst>
-          </p:cNvPr>
-          <p:cNvSpPr txBox="1"/>
-          <p:nvPr/>
-        </p:nvSpPr>
-        <p:spPr>
-          <a:xfrm>
-            <a:off x="2212219" y="5498400"/>
-            <a:ext cx="390500" cy="369332"/>
-          </a:xfrm>
-          <a:prstGeom prst="rect">
-            <a:avLst/>
-          </a:prstGeom>
-          <a:noFill/>
-        </p:spPr>
-        <p:txBody>
-          <a:bodyPr wrap="square">
-            <a:spAutoFit/>
-          </a:bodyPr>
-          <a:lstStyle/>
-          <a:p>
-            <a:r>
-              <a:rPr lang="zh-CN" altLang="en-US" b="1" kern="100">
-                <a:solidFill>
-                  <a:schemeClr val="accent4">
-                    <a:lumMod val="50000"/>
-                  </a:schemeClr>
-                </a:solidFill>
-                <a:latin typeface="Times New Roman" panose="02020603050405020304" pitchFamily="18" charset="0"/>
-                <a:ea typeface="华文中宋" panose="02010600040101010101" pitchFamily="2" charset="-122"/>
-                <a:cs typeface="Times New Roman" panose="02020603050405020304" pitchFamily="18" charset="0"/>
-              </a:rPr>
-              <a:t>*</a:t>
-            </a:r>
-            <a:endParaRPr lang="zh-CN" altLang="en-US" b="1" i="1">
-              <a:solidFill>
-                <a:schemeClr val="accent4">
-                  <a:lumMod val="50000"/>
-                </a:schemeClr>
-              </a:solidFill>
-            </a:endParaRPr>
-          </a:p>
-        </p:txBody>
-      </p:sp>
-      <p:sp>
-        <p:nvSpPr>
-          <p:cNvPr id="113" name="文本框 112">
-            <a:extLst>
-              <a:ext uri="{FF2B5EF4-FFF2-40B4-BE49-F238E27FC236}">
-                <a16:creationId xmlns:a16="http://schemas.microsoft.com/office/drawing/2014/main" id="{A076CA52-D196-9726-FCF0-21BDB5BEB18A}"/>
-              </a:ext>
-            </a:extLst>
-          </p:cNvPr>
-          <p:cNvSpPr txBox="1"/>
-          <p:nvPr/>
-        </p:nvSpPr>
-        <p:spPr>
-          <a:xfrm>
-            <a:off x="4761724" y="1442946"/>
-            <a:ext cx="390500" cy="369332"/>
-          </a:xfrm>
-          <a:prstGeom prst="rect">
-            <a:avLst/>
-          </a:prstGeom>
-          <a:noFill/>
-        </p:spPr>
-        <p:txBody>
-          <a:bodyPr wrap="square">
-            <a:spAutoFit/>
-          </a:bodyPr>
-          <a:lstStyle/>
-          <a:p>
-            <a:r>
-              <a:rPr lang="zh-CN" altLang="en-US" b="1" kern="100">
-                <a:solidFill>
-                  <a:schemeClr val="accent4">
-                    <a:lumMod val="50000"/>
-                  </a:schemeClr>
-                </a:solidFill>
-                <a:latin typeface="Times New Roman" panose="02020603050405020304" pitchFamily="18" charset="0"/>
-                <a:ea typeface="华文中宋" panose="02010600040101010101" pitchFamily="2" charset="-122"/>
-                <a:cs typeface="Times New Roman" panose="02020603050405020304" pitchFamily="18" charset="0"/>
-              </a:rPr>
-              <a:t>*</a:t>
-            </a:r>
-            <a:endParaRPr lang="zh-CN" altLang="en-US" b="1" i="1">
-              <a:solidFill>
-                <a:schemeClr val="accent4">
-                  <a:lumMod val="50000"/>
-                </a:schemeClr>
-              </a:solidFill>
-            </a:endParaRPr>
-          </a:p>
-        </p:txBody>
-      </p:sp>
-      <p:sp>
-        <p:nvSpPr>
-          <p:cNvPr id="2" name="文本框 1">
-            <a:extLst>
-              <a:ext uri="{FF2B5EF4-FFF2-40B4-BE49-F238E27FC236}">
-                <a16:creationId xmlns:a16="http://schemas.microsoft.com/office/drawing/2014/main" id="{0F701B96-EB61-E7F9-446A-97A6703165F9}"/>
-              </a:ext>
-            </a:extLst>
-          </p:cNvPr>
-          <p:cNvSpPr txBox="1"/>
-          <p:nvPr/>
-        </p:nvSpPr>
-        <p:spPr>
-          <a:xfrm>
-            <a:off x="7703558" y="346203"/>
-            <a:ext cx="3239235" cy="646331"/>
-          </a:xfrm>
-          <a:prstGeom prst="rect">
-            <a:avLst/>
-          </a:prstGeom>
-          <a:noFill/>
-        </p:spPr>
-        <p:txBody>
-          <a:bodyPr wrap="square">
-            <a:spAutoFit/>
-          </a:bodyPr>
-          <a:lstStyle/>
-          <a:p>
-            <a:r>
-              <a:rPr lang="zh-CN" altLang="en-US" kern="100">
-                <a:latin typeface="Times New Roman" panose="02020603050405020304" pitchFamily="18" charset="0"/>
-                <a:ea typeface="华文中宋" panose="02010600040101010101" pitchFamily="2" charset="-122"/>
-                <a:cs typeface="Times New Roman" panose="02020603050405020304" pitchFamily="18" charset="0"/>
-              </a:rPr>
-              <a:t>因为是算“对人的影响”，所以节点必须有身份信息</a:t>
-            </a:r>
-            <a:endParaRPr lang="zh-CN" altLang="en-US"/>
           </a:p>
         </p:txBody>
       </p:sp>

--- a/Dataset/data requirement.pptx
+++ b/Dataset/data requirement.pptx
@@ -197,7 +197,7 @@
           <a:p>
             <a:fld id="{2ACF75EE-67FD-444E-B088-52DF721FE3A9}" type="datetimeFigureOut">
               <a:rPr lang="zh-CN" altLang="en-US" smtClean="0"/>
-              <a:t>2024/3/2</a:t>
+              <a:t>2024/3/4</a:t>
             </a:fld>
             <a:endParaRPr lang="zh-CN" altLang="en-US"/>
           </a:p>
@@ -695,7 +695,7 @@
           <a:p>
             <a:fld id="{CCF1B61A-FA75-45B0-8D94-AB13C90562C5}" type="datetimeFigureOut">
               <a:rPr lang="zh-CN" altLang="en-US" smtClean="0"/>
-              <a:t>2024/3/2</a:t>
+              <a:t>2024/3/4</a:t>
             </a:fld>
             <a:endParaRPr lang="zh-CN" altLang="en-US"/>
           </a:p>
@@ -896,7 +896,7 @@
           <a:p>
             <a:fld id="{CCF1B61A-FA75-45B0-8D94-AB13C90562C5}" type="datetimeFigureOut">
               <a:rPr lang="zh-CN" altLang="en-US" smtClean="0"/>
-              <a:t>2024/3/2</a:t>
+              <a:t>2024/3/4</a:t>
             </a:fld>
             <a:endParaRPr lang="zh-CN" altLang="en-US"/>
           </a:p>
@@ -1107,7 +1107,7 @@
           <a:p>
             <a:fld id="{CCF1B61A-FA75-45B0-8D94-AB13C90562C5}" type="datetimeFigureOut">
               <a:rPr lang="zh-CN" altLang="en-US" smtClean="0"/>
-              <a:t>2024/3/2</a:t>
+              <a:t>2024/3/4</a:t>
             </a:fld>
             <a:endParaRPr lang="zh-CN" altLang="en-US"/>
           </a:p>
@@ -1308,7 +1308,7 @@
           <a:p>
             <a:fld id="{CCF1B61A-FA75-45B0-8D94-AB13C90562C5}" type="datetimeFigureOut">
               <a:rPr lang="zh-CN" altLang="en-US" smtClean="0"/>
-              <a:t>2024/3/2</a:t>
+              <a:t>2024/3/4</a:t>
             </a:fld>
             <a:endParaRPr lang="zh-CN" altLang="en-US"/>
           </a:p>
@@ -1586,7 +1586,7 @@
           <a:p>
             <a:fld id="{CCF1B61A-FA75-45B0-8D94-AB13C90562C5}" type="datetimeFigureOut">
               <a:rPr lang="zh-CN" altLang="en-US" smtClean="0"/>
-              <a:t>2024/3/2</a:t>
+              <a:t>2024/3/4</a:t>
             </a:fld>
             <a:endParaRPr lang="zh-CN" altLang="en-US"/>
           </a:p>
@@ -1854,7 +1854,7 @@
           <a:p>
             <a:fld id="{CCF1B61A-FA75-45B0-8D94-AB13C90562C5}" type="datetimeFigureOut">
               <a:rPr lang="zh-CN" altLang="en-US" smtClean="0"/>
-              <a:t>2024/3/2</a:t>
+              <a:t>2024/3/4</a:t>
             </a:fld>
             <a:endParaRPr lang="zh-CN" altLang="en-US"/>
           </a:p>
@@ -2269,7 +2269,7 @@
           <a:p>
             <a:fld id="{CCF1B61A-FA75-45B0-8D94-AB13C90562C5}" type="datetimeFigureOut">
               <a:rPr lang="zh-CN" altLang="en-US" smtClean="0"/>
-              <a:t>2024/3/2</a:t>
+              <a:t>2024/3/4</a:t>
             </a:fld>
             <a:endParaRPr lang="zh-CN" altLang="en-US"/>
           </a:p>
@@ -2413,7 +2413,7 @@
           <a:p>
             <a:fld id="{CCF1B61A-FA75-45B0-8D94-AB13C90562C5}" type="datetimeFigureOut">
               <a:rPr lang="zh-CN" altLang="en-US" smtClean="0"/>
-              <a:t>2024/3/2</a:t>
+              <a:t>2024/3/4</a:t>
             </a:fld>
             <a:endParaRPr lang="zh-CN" altLang="en-US"/>
           </a:p>
@@ -2529,7 +2529,7 @@
           <a:p>
             <a:fld id="{CCF1B61A-FA75-45B0-8D94-AB13C90562C5}" type="datetimeFigureOut">
               <a:rPr lang="zh-CN" altLang="en-US" smtClean="0"/>
-              <a:t>2024/3/2</a:t>
+              <a:t>2024/3/4</a:t>
             </a:fld>
             <a:endParaRPr lang="zh-CN" altLang="en-US"/>
           </a:p>
@@ -2843,7 +2843,7 @@
           <a:p>
             <a:fld id="{CCF1B61A-FA75-45B0-8D94-AB13C90562C5}" type="datetimeFigureOut">
               <a:rPr lang="zh-CN" altLang="en-US" smtClean="0"/>
-              <a:t>2024/3/2</a:t>
+              <a:t>2024/3/4</a:t>
             </a:fld>
             <a:endParaRPr lang="zh-CN" altLang="en-US"/>
           </a:p>
@@ -3134,7 +3134,7 @@
           <a:p>
             <a:fld id="{CCF1B61A-FA75-45B0-8D94-AB13C90562C5}" type="datetimeFigureOut">
               <a:rPr lang="zh-CN" altLang="en-US" smtClean="0"/>
-              <a:t>2024/3/2</a:t>
+              <a:t>2024/3/4</a:t>
             </a:fld>
             <a:endParaRPr lang="zh-CN" altLang="en-US"/>
           </a:p>
@@ -3378,7 +3378,7 @@
           <a:p>
             <a:fld id="{CCF1B61A-FA75-45B0-8D94-AB13C90562C5}" type="datetimeFigureOut">
               <a:rPr lang="zh-CN" altLang="en-US" smtClean="0"/>
-              <a:t>2024/3/2</a:t>
+              <a:t>2024/3/4</a:t>
             </a:fld>
             <a:endParaRPr lang="zh-CN" altLang="en-US"/>
           </a:p>
@@ -4228,7 +4228,7 @@
         </p:nvSpPr>
         <p:spPr>
           <a:xfrm>
-            <a:off x="4885108" y="2879663"/>
+            <a:off x="4831105" y="2862591"/>
             <a:ext cx="248920" cy="248920"/>
           </a:xfrm>
           <a:prstGeom prst="ellipse">
@@ -4286,7 +4286,7 @@
         </p:nvSpPr>
         <p:spPr>
           <a:xfrm rot="376585">
-            <a:off x="4897908" y="3296709"/>
+            <a:off x="4843905" y="3279637"/>
             <a:ext cx="248920" cy="248920"/>
           </a:xfrm>
           <a:prstGeom prst="ellipse">
@@ -4420,7 +4420,7 @@
         </p:nvSpPr>
         <p:spPr>
           <a:xfrm rot="376585">
-            <a:off x="4897907" y="3726615"/>
+            <a:off x="4843904" y="3709543"/>
             <a:ext cx="248920" cy="248920"/>
           </a:xfrm>
           <a:prstGeom prst="ellipse">
@@ -4514,7 +4514,7 @@
         </p:nvSpPr>
         <p:spPr>
           <a:xfrm rot="376585">
-            <a:off x="4907183" y="4169416"/>
+            <a:off x="4853180" y="4152344"/>
             <a:ext cx="248920" cy="248920"/>
           </a:xfrm>
           <a:prstGeom prst="ellipse">
@@ -4738,7 +4738,7 @@
         </p:nvCxnSpPr>
         <p:spPr>
           <a:xfrm flipH="1" flipV="1">
-            <a:off x="2363896" y="1311268"/>
+            <a:off x="2445785" y="1880826"/>
             <a:ext cx="59463" cy="481604"/>
           </a:xfrm>
           <a:prstGeom prst="line">
@@ -4777,7 +4777,7 @@
         </p:nvCxnSpPr>
         <p:spPr>
           <a:xfrm>
-            <a:off x="936539" y="1183300"/>
+            <a:off x="1018428" y="1752858"/>
             <a:ext cx="808186" cy="260886"/>
           </a:xfrm>
           <a:prstGeom prst="line">
@@ -4813,7 +4813,7 @@
         </p:nvSpPr>
         <p:spPr>
           <a:xfrm rot="376585">
-            <a:off x="1211647" y="1622802"/>
+            <a:off x="1293536" y="2192360"/>
             <a:ext cx="248920" cy="248920"/>
           </a:xfrm>
           <a:prstGeom prst="ellipse">
@@ -4870,7 +4870,7 @@
         </p:nvCxnSpPr>
         <p:spPr>
           <a:xfrm flipV="1">
-            <a:off x="616231" y="1271307"/>
+            <a:off x="698120" y="1840865"/>
             <a:ext cx="107841" cy="329040"/>
           </a:xfrm>
           <a:prstGeom prst="line">
@@ -4909,7 +4909,7 @@
         </p:nvCxnSpPr>
         <p:spPr>
           <a:xfrm flipH="1" flipV="1">
-            <a:off x="900086" y="1271307"/>
+            <a:off x="981975" y="1840865"/>
             <a:ext cx="358163" cy="378854"/>
           </a:xfrm>
           <a:prstGeom prst="line">
@@ -4947,7 +4947,7 @@
         </p:nvCxnSpPr>
         <p:spPr>
           <a:xfrm flipV="1">
-            <a:off x="900086" y="813501"/>
+            <a:off x="981975" y="1383059"/>
             <a:ext cx="203699" cy="281792"/>
           </a:xfrm>
           <a:prstGeom prst="line">
@@ -4983,7 +4983,7 @@
         </p:nvSpPr>
         <p:spPr>
           <a:xfrm>
-            <a:off x="1680412" y="608663"/>
+            <a:off x="1762301" y="1178221"/>
             <a:ext cx="248920" cy="248920"/>
           </a:xfrm>
           <a:prstGeom prst="ellipse">
@@ -5041,7 +5041,7 @@
         </p:nvSpPr>
         <p:spPr>
           <a:xfrm rot="376585">
-            <a:off x="1743979" y="1333333"/>
+            <a:off x="1825868" y="1902891"/>
             <a:ext cx="248920" cy="248920"/>
           </a:xfrm>
           <a:prstGeom prst="ellipse">
@@ -5098,7 +5098,7 @@
         </p:nvCxnSpPr>
         <p:spPr>
           <a:xfrm flipV="1">
-            <a:off x="1324600" y="733123"/>
+            <a:off x="1406489" y="1302681"/>
             <a:ext cx="355812" cy="16127"/>
           </a:xfrm>
           <a:prstGeom prst="line">
@@ -5138,7 +5138,7 @@
         </p:nvSpPr>
         <p:spPr>
           <a:xfrm rot="376585">
-            <a:off x="4057611" y="934378"/>
+            <a:off x="4139500" y="1503936"/>
             <a:ext cx="248920" cy="248920"/>
           </a:xfrm>
           <a:prstGeom prst="ellipse">
@@ -5196,7 +5196,7 @@
         </p:nvCxnSpPr>
         <p:spPr>
           <a:xfrm flipH="1" flipV="1">
-            <a:off x="4259929" y="1155939"/>
+            <a:off x="4341818" y="1725497"/>
             <a:ext cx="120129" cy="338307"/>
           </a:xfrm>
           <a:prstGeom prst="line">
@@ -5236,7 +5236,7 @@
         </p:nvCxnSpPr>
         <p:spPr>
           <a:xfrm flipV="1">
-            <a:off x="3627197" y="1045231"/>
+            <a:off x="3709086" y="1614789"/>
             <a:ext cx="431160" cy="185066"/>
           </a:xfrm>
           <a:prstGeom prst="line">
@@ -5272,7 +5272,7 @@
         </p:nvSpPr>
         <p:spPr>
           <a:xfrm>
-            <a:off x="4343605" y="1457793"/>
+            <a:off x="4425494" y="2027351"/>
             <a:ext cx="248920" cy="248920"/>
           </a:xfrm>
           <a:prstGeom prst="ellipse">
@@ -5330,7 +5330,7 @@
         </p:nvCxnSpPr>
         <p:spPr>
           <a:xfrm flipV="1">
-            <a:off x="3982300" y="1670260"/>
+            <a:off x="4064189" y="2239818"/>
             <a:ext cx="397758" cy="409605"/>
           </a:xfrm>
           <a:prstGeom prst="line">
@@ -5366,7 +5366,7 @@
         </p:nvSpPr>
         <p:spPr>
           <a:xfrm rot="376585">
-            <a:off x="3379023" y="1092230"/>
+            <a:off x="3460912" y="1661788"/>
             <a:ext cx="248920" cy="248920"/>
           </a:xfrm>
           <a:prstGeom prst="ellipse">
@@ -5423,7 +5423,7 @@
         </p:nvCxnSpPr>
         <p:spPr>
           <a:xfrm flipH="1" flipV="1">
-            <a:off x="3119032" y="1684587"/>
+            <a:off x="3200921" y="2254145"/>
             <a:ext cx="572881" cy="395278"/>
           </a:xfrm>
           <a:prstGeom prst="line">
@@ -5459,7 +5459,7 @@
         </p:nvSpPr>
         <p:spPr>
           <a:xfrm rot="376585">
-            <a:off x="2253043" y="1063094"/>
+            <a:off x="2334932" y="1632652"/>
             <a:ext cx="248920" cy="248920"/>
           </a:xfrm>
           <a:prstGeom prst="rect">
@@ -5513,7 +5513,7 @@
         </p:nvSpPr>
         <p:spPr>
           <a:xfrm rot="376585">
-            <a:off x="2376757" y="1765513"/>
+            <a:off x="2458646" y="2335071"/>
             <a:ext cx="248920" cy="248920"/>
           </a:xfrm>
           <a:prstGeom prst="ellipse">
@@ -5570,7 +5570,7 @@
         </p:nvCxnSpPr>
         <p:spPr>
           <a:xfrm flipV="1">
-            <a:off x="2598318" y="1665344"/>
+            <a:off x="2680207" y="2234902"/>
             <a:ext cx="345755" cy="146771"/>
           </a:xfrm>
           <a:prstGeom prst="line">
@@ -5608,7 +5608,7 @@
         </p:nvCxnSpPr>
         <p:spPr>
           <a:xfrm flipH="1" flipV="1">
-            <a:off x="2501217" y="1201161"/>
+            <a:off x="2583106" y="1770719"/>
             <a:ext cx="462099" cy="289224"/>
           </a:xfrm>
           <a:prstGeom prst="line">
@@ -5647,7 +5647,7 @@
         </p:nvCxnSpPr>
         <p:spPr>
           <a:xfrm flipV="1">
-            <a:off x="3138275" y="1294548"/>
+            <a:off x="3220164" y="1864106"/>
             <a:ext cx="268107" cy="215080"/>
           </a:xfrm>
           <a:prstGeom prst="line">
@@ -5687,7 +5687,7 @@
         </p:nvCxnSpPr>
         <p:spPr>
           <a:xfrm>
-            <a:off x="1946297" y="1554894"/>
+            <a:off x="2028186" y="2124452"/>
             <a:ext cx="431206" cy="321472"/>
           </a:xfrm>
           <a:prstGeom prst="line">
@@ -5727,7 +5727,7 @@
         </p:nvCxnSpPr>
         <p:spPr>
           <a:xfrm flipH="1" flipV="1">
-            <a:off x="1804872" y="857583"/>
+            <a:off x="1886761" y="1427141"/>
             <a:ext cx="77174" cy="476496"/>
           </a:xfrm>
           <a:prstGeom prst="line">
@@ -5767,7 +5767,7 @@
         </p:nvSpPr>
         <p:spPr>
           <a:xfrm>
-            <a:off x="3054035" y="608663"/>
+            <a:off x="3135924" y="1178221"/>
             <a:ext cx="248920" cy="248920"/>
           </a:xfrm>
           <a:prstGeom prst="rect">
@@ -5824,7 +5824,7 @@
         </p:nvCxnSpPr>
         <p:spPr>
           <a:xfrm flipV="1">
-            <a:off x="3054781" y="857583"/>
+            <a:off x="3136670" y="1427141"/>
             <a:ext cx="123714" cy="606189"/>
           </a:xfrm>
           <a:prstGeom prst="line">
@@ -5864,7 +5864,7 @@
         </p:nvCxnSpPr>
         <p:spPr>
           <a:xfrm flipH="1" flipV="1">
-            <a:off x="3302955" y="733123"/>
+            <a:off x="3384844" y="1302681"/>
             <a:ext cx="801258" cy="228614"/>
           </a:xfrm>
           <a:prstGeom prst="line">
@@ -5900,7 +5900,7 @@
         </p:nvSpPr>
         <p:spPr>
           <a:xfrm>
-            <a:off x="491771" y="1600347"/>
+            <a:off x="573660" y="2169905"/>
             <a:ext cx="248920" cy="248920"/>
           </a:xfrm>
           <a:prstGeom prst="rect">
@@ -5958,7 +5958,7 @@
         </p:nvCxnSpPr>
         <p:spPr>
           <a:xfrm>
-            <a:off x="740691" y="1724807"/>
+            <a:off x="822580" y="2294365"/>
             <a:ext cx="471702" cy="8848"/>
           </a:xfrm>
           <a:prstGeom prst="line">
@@ -5994,7 +5994,7 @@
         </p:nvSpPr>
         <p:spPr>
           <a:xfrm>
-            <a:off x="590891" y="1003820"/>
+            <a:off x="672780" y="1573378"/>
             <a:ext cx="362105" cy="362105"/>
           </a:xfrm>
           <a:prstGeom prst="star7">
@@ -6065,7 +6065,7 @@
         </p:nvSpPr>
         <p:spPr>
           <a:xfrm>
-            <a:off x="995690" y="570219"/>
+            <a:off x="1077579" y="1139777"/>
             <a:ext cx="362105" cy="362105"/>
           </a:xfrm>
           <a:prstGeom prst="star7">
@@ -6140,7 +6140,7 @@
         </p:nvCxnSpPr>
         <p:spPr>
           <a:xfrm flipH="1">
-            <a:off x="1730458" y="1581507"/>
+            <a:off x="1812347" y="2151065"/>
             <a:ext cx="124374" cy="596113"/>
           </a:xfrm>
           <a:prstGeom prst="line">
@@ -6176,7 +6176,7 @@
         </p:nvSpPr>
         <p:spPr>
           <a:xfrm rot="376585">
-            <a:off x="1592391" y="2176874"/>
+            <a:off x="1674280" y="2746432"/>
             <a:ext cx="248920" cy="248920"/>
           </a:xfrm>
           <a:prstGeom prst="ellipse">
@@ -6234,7 +6234,7 @@
         </p:nvCxnSpPr>
         <p:spPr>
           <a:xfrm flipV="1">
-            <a:off x="2391110" y="733123"/>
+            <a:off x="2472999" y="1302681"/>
             <a:ext cx="662925" cy="330717"/>
           </a:xfrm>
           <a:prstGeom prst="line">
@@ -6270,7 +6270,7 @@
         </p:nvSpPr>
         <p:spPr>
           <a:xfrm>
-            <a:off x="3656054" y="2008145"/>
+            <a:off x="3737943" y="2577703"/>
             <a:ext cx="362105" cy="362105"/>
           </a:xfrm>
           <a:prstGeom prst="star7">
@@ -6341,7 +6341,7 @@
         </p:nvSpPr>
         <p:spPr>
           <a:xfrm rot="376585">
-            <a:off x="2918023" y="1462551"/>
+            <a:off x="2999912" y="2032109"/>
             <a:ext cx="248920" cy="248920"/>
           </a:xfrm>
           <a:prstGeom prst="ellipse">
@@ -6395,7 +6395,7 @@
         </p:nvSpPr>
         <p:spPr>
           <a:xfrm>
-            <a:off x="1845730" y="2465768"/>
+            <a:off x="1927619" y="3035326"/>
             <a:ext cx="1614862" cy="369332"/>
           </a:xfrm>
           <a:prstGeom prst="rect">
@@ -6435,8 +6435,8 @@
         </p:nvSpPr>
         <p:spPr>
           <a:xfrm>
-            <a:off x="774503" y="2855658"/>
-            <a:ext cx="4535960" cy="369332"/>
+            <a:off x="856392" y="3425216"/>
+            <a:ext cx="3755811" cy="369332"/>
           </a:xfrm>
           <a:prstGeom prst="rect">
             <a:avLst/>
@@ -6502,7 +6502,7 @@
         </p:nvCxnSpPr>
         <p:spPr>
           <a:xfrm flipH="1">
-            <a:off x="1433208" y="1535651"/>
+            <a:off x="1515097" y="2105209"/>
             <a:ext cx="338130" cy="133753"/>
           </a:xfrm>
           <a:prstGeom prst="line">
@@ -6542,7 +6542,7 @@
         </p:nvSpPr>
         <p:spPr>
           <a:xfrm rot="376585">
-            <a:off x="1193907" y="4609786"/>
+            <a:off x="1275796" y="5179344"/>
             <a:ext cx="248920" cy="248920"/>
           </a:xfrm>
           <a:prstGeom prst="ellipse">
@@ -6596,7 +6596,7 @@
         </p:nvSpPr>
         <p:spPr>
           <a:xfrm>
-            <a:off x="1662672" y="3595647"/>
+            <a:off x="1744561" y="4165205"/>
             <a:ext cx="248920" cy="248920"/>
           </a:xfrm>
           <a:prstGeom prst="ellipse">
@@ -6654,7 +6654,7 @@
         </p:nvSpPr>
         <p:spPr>
           <a:xfrm rot="376585">
-            <a:off x="1726239" y="4320317"/>
+            <a:off x="1808128" y="4889875"/>
             <a:ext cx="248920" cy="248920"/>
           </a:xfrm>
           <a:prstGeom prst="ellipse">
@@ -6708,7 +6708,7 @@
         </p:nvSpPr>
         <p:spPr>
           <a:xfrm rot="376585">
-            <a:off x="4039871" y="3921362"/>
+            <a:off x="4121760" y="4490920"/>
             <a:ext cx="248920" cy="248920"/>
           </a:xfrm>
           <a:prstGeom prst="ellipse">
@@ -6766,7 +6766,7 @@
         </p:nvCxnSpPr>
         <p:spPr>
           <a:xfrm flipH="1" flipV="1">
-            <a:off x="4242189" y="4142923"/>
+            <a:off x="4324078" y="4712481"/>
             <a:ext cx="120129" cy="338307"/>
           </a:xfrm>
           <a:prstGeom prst="line">
@@ -6806,7 +6806,7 @@
         </p:nvCxnSpPr>
         <p:spPr>
           <a:xfrm flipV="1">
-            <a:off x="3609457" y="4032215"/>
+            <a:off x="3691346" y="4601773"/>
             <a:ext cx="431160" cy="185066"/>
           </a:xfrm>
           <a:prstGeom prst="line">
@@ -6842,7 +6842,7 @@
         </p:nvSpPr>
         <p:spPr>
           <a:xfrm>
-            <a:off x="4325865" y="4444777"/>
+            <a:off x="4407754" y="5014335"/>
             <a:ext cx="248920" cy="248920"/>
           </a:xfrm>
           <a:prstGeom prst="ellipse">
@@ -6896,7 +6896,7 @@
         </p:nvSpPr>
         <p:spPr>
           <a:xfrm rot="376585">
-            <a:off x="3361283" y="4079214"/>
+            <a:off x="3443172" y="4648772"/>
             <a:ext cx="248920" cy="248920"/>
           </a:xfrm>
           <a:prstGeom prst="ellipse">
@@ -6950,7 +6950,7 @@
         </p:nvSpPr>
         <p:spPr>
           <a:xfrm rot="376585">
-            <a:off x="2359017" y="4752497"/>
+            <a:off x="2440906" y="5322055"/>
             <a:ext cx="248920" cy="248920"/>
           </a:xfrm>
           <a:prstGeom prst="ellipse">
@@ -7007,7 +7007,7 @@
         </p:nvCxnSpPr>
         <p:spPr>
           <a:xfrm flipV="1">
-            <a:off x="2580578" y="4652328"/>
+            <a:off x="2662467" y="5221886"/>
             <a:ext cx="345755" cy="146771"/>
           </a:xfrm>
           <a:prstGeom prst="line">
@@ -7046,7 +7046,7 @@
         </p:nvCxnSpPr>
         <p:spPr>
           <a:xfrm flipV="1">
-            <a:off x="3120535" y="4281532"/>
+            <a:off x="3202424" y="4851090"/>
             <a:ext cx="268107" cy="215080"/>
           </a:xfrm>
           <a:prstGeom prst="line">
@@ -7086,7 +7086,7 @@
         </p:nvCxnSpPr>
         <p:spPr>
           <a:xfrm>
-            <a:off x="1928557" y="4541878"/>
+            <a:off x="2010446" y="5111436"/>
             <a:ext cx="431206" cy="321472"/>
           </a:xfrm>
           <a:prstGeom prst="line">
@@ -7126,7 +7126,7 @@
         </p:nvCxnSpPr>
         <p:spPr>
           <a:xfrm flipH="1" flipV="1">
-            <a:off x="1787132" y="3844567"/>
+            <a:off x="1869021" y="4414125"/>
             <a:ext cx="77174" cy="476496"/>
           </a:xfrm>
           <a:prstGeom prst="line">
@@ -7166,7 +7166,7 @@
         </p:nvSpPr>
         <p:spPr>
           <a:xfrm>
-            <a:off x="3036295" y="3595647"/>
+            <a:off x="3118184" y="4165205"/>
             <a:ext cx="248920" cy="248920"/>
           </a:xfrm>
           <a:prstGeom prst="rect">
@@ -7223,7 +7223,7 @@
         </p:nvCxnSpPr>
         <p:spPr>
           <a:xfrm flipV="1">
-            <a:off x="3037041" y="3844567"/>
+            <a:off x="3118930" y="4414125"/>
             <a:ext cx="123714" cy="606189"/>
           </a:xfrm>
           <a:prstGeom prst="line">
@@ -7263,7 +7263,7 @@
         </p:nvCxnSpPr>
         <p:spPr>
           <a:xfrm flipH="1" flipV="1">
-            <a:off x="3285215" y="3720107"/>
+            <a:off x="3367104" y="4289665"/>
             <a:ext cx="801258" cy="228614"/>
           </a:xfrm>
           <a:prstGeom prst="line">
@@ -7299,7 +7299,7 @@
         </p:nvSpPr>
         <p:spPr>
           <a:xfrm>
-            <a:off x="474031" y="4587331"/>
+            <a:off x="555920" y="5156889"/>
             <a:ext cx="248920" cy="248920"/>
           </a:xfrm>
           <a:prstGeom prst="rect">
@@ -7357,7 +7357,7 @@
         </p:nvCxnSpPr>
         <p:spPr>
           <a:xfrm>
-            <a:off x="722951" y="4711791"/>
+            <a:off x="804840" y="5281349"/>
             <a:ext cx="471702" cy="8848"/>
           </a:xfrm>
           <a:prstGeom prst="line">
@@ -7393,7 +7393,7 @@
         </p:nvSpPr>
         <p:spPr>
           <a:xfrm rot="376585">
-            <a:off x="2900283" y="4449535"/>
+            <a:off x="2982172" y="5019093"/>
             <a:ext cx="248920" cy="248920"/>
           </a:xfrm>
           <a:prstGeom prst="ellipse">
@@ -7447,8 +7447,8 @@
         </p:nvSpPr>
         <p:spPr>
           <a:xfrm>
-            <a:off x="130286" y="5216600"/>
-            <a:ext cx="6345338" cy="1477328"/>
+            <a:off x="4736945" y="234268"/>
+            <a:ext cx="6981139" cy="1200329"/>
           </a:xfrm>
           <a:prstGeom prst="rect">
             <a:avLst/>
@@ -7460,22 +7460,6 @@
             <a:spAutoFit/>
           </a:bodyPr>
           <a:lstStyle/>
-          <a:p>
-            <a:pPr algn="ctr"/>
-            <a:r>
-              <a:rPr lang="zh-CN" altLang="en-US" kern="100">
-                <a:latin typeface="Times New Roman" panose="02020603050405020304" pitchFamily="18" charset="0"/>
-                <a:ea typeface="华文中宋" panose="02010600040101010101" pitchFamily="2" charset="-122"/>
-                <a:cs typeface="Times New Roman" panose="02020603050405020304" pitchFamily="18" charset="0"/>
-              </a:rPr>
-              <a:t>保留网络</a:t>
-            </a:r>
-            <a:endParaRPr lang="en-US" altLang="zh-CN" kern="100">
-              <a:latin typeface="Times New Roman" panose="02020603050405020304" pitchFamily="18" charset="0"/>
-              <a:ea typeface="华文中宋" panose="02010600040101010101" pitchFamily="2" charset="-122"/>
-              <a:cs typeface="Times New Roman" panose="02020603050405020304" pitchFamily="18" charset="0"/>
-            </a:endParaRPr>
-          </a:p>
           <a:p>
             <a:r>
               <a:rPr lang="en-US" altLang="zh-CN" kern="100">
@@ -7586,7 +7570,7 @@
         </p:nvCxnSpPr>
         <p:spPr>
           <a:xfrm flipH="1">
-            <a:off x="1415468" y="4522635"/>
+            <a:off x="1497357" y="5092193"/>
             <a:ext cx="338130" cy="133753"/>
           </a:xfrm>
           <a:prstGeom prst="line">
@@ -8665,7 +8649,7 @@
         </p:nvSpPr>
         <p:spPr>
           <a:xfrm>
-            <a:off x="9833332" y="1147191"/>
+            <a:off x="10915070" y="1334079"/>
             <a:ext cx="756904" cy="369332"/>
           </a:xfrm>
           <a:prstGeom prst="rect">
@@ -9743,7 +9727,7 @@
         </p:nvSpPr>
         <p:spPr>
           <a:xfrm>
-            <a:off x="7666772" y="4954129"/>
+            <a:off x="7643231" y="4954129"/>
             <a:ext cx="390500" cy="369332"/>
           </a:xfrm>
           <a:prstGeom prst="rect">
@@ -9874,6 +9858,51 @@
               <a:solidFill>
                 <a:srgbClr val="7030A0"/>
               </a:solidFill>
+            </a:endParaRPr>
+          </a:p>
+        </p:txBody>
+      </p:sp>
+      <p:sp>
+        <p:nvSpPr>
+          <p:cNvPr id="3" name="文本框 2">
+            <a:extLst>
+              <a:ext uri="{FF2B5EF4-FFF2-40B4-BE49-F238E27FC236}">
+                <a16:creationId xmlns:a16="http://schemas.microsoft.com/office/drawing/2014/main" id="{1A04C489-39F0-4F24-1BEA-A83118F91C0B}"/>
+              </a:ext>
+            </a:extLst>
+          </p:cNvPr>
+          <p:cNvSpPr txBox="1"/>
+          <p:nvPr/>
+        </p:nvSpPr>
+        <p:spPr>
+          <a:xfrm>
+            <a:off x="1826614" y="5688696"/>
+            <a:ext cx="1194189" cy="369332"/>
+          </a:xfrm>
+          <a:prstGeom prst="rect">
+            <a:avLst/>
+          </a:prstGeom>
+          <a:noFill/>
+        </p:spPr>
+        <p:txBody>
+          <a:bodyPr wrap="square">
+            <a:spAutoFit/>
+          </a:bodyPr>
+          <a:lstStyle/>
+          <a:p>
+            <a:pPr algn="ctr"/>
+            <a:r>
+              <a:rPr lang="zh-CN" altLang="en-US" kern="100">
+                <a:latin typeface="Times New Roman" panose="02020603050405020304" pitchFamily="18" charset="0"/>
+                <a:ea typeface="华文中宋" panose="02010600040101010101" pitchFamily="2" charset="-122"/>
+                <a:cs typeface="Times New Roman" panose="02020603050405020304" pitchFamily="18" charset="0"/>
+              </a:rPr>
+              <a:t>保留网络</a:t>
+            </a:r>
+            <a:endParaRPr lang="en-US" altLang="zh-CN" kern="100">
+              <a:latin typeface="Times New Roman" panose="02020603050405020304" pitchFamily="18" charset="0"/>
+              <a:ea typeface="华文中宋" panose="02010600040101010101" pitchFamily="2" charset="-122"/>
+              <a:cs typeface="Times New Roman" panose="02020603050405020304" pitchFamily="18" charset="0"/>
             </a:endParaRPr>
           </a:p>
         </p:txBody>
